--- a/Coding Exercise.pptx
+++ b/Coding Exercise.pptx
@@ -524,6 +524,67 @@
             <a:r>
               <a:rPr lang="en-IE" dirty="0"/>
               <a:t>TODO animate</a:t>
+            </a:r>
+          </a:p>
+          <a:p>
+            <a:pPr marL="0" marR="0" lvl="0" indent="0" algn="l" defTabSz="914400" rtl="0" eaLnBrk="1" fontAlgn="auto" latinLnBrk="0" hangingPunct="1">
+              <a:lnSpc>
+                <a:spcPct val="100000"/>
+              </a:lnSpc>
+              <a:spcBef>
+                <a:spcPts val="0"/>
+              </a:spcBef>
+              <a:spcAft>
+                <a:spcPts val="0"/>
+              </a:spcAft>
+              <a:buClrTx/>
+              <a:buSzTx/>
+              <a:buFontTx/>
+              <a:buNone/>
+              <a:tabLst/>
+              <a:defRPr/>
+            </a:pPr>
+            <a:r>
+              <a:rPr lang="en-IE" dirty="0"/>
+              <a:t>It makes no sense for a </a:t>
+            </a:r>
+            <a:r>
+              <a:rPr lang="en-IE" dirty="0" err="1"/>
+              <a:t>VisitEntity</a:t>
+            </a:r>
+            <a:r>
+              <a:rPr lang="en-IE" dirty="0"/>
+              <a:t> to relate to many PHRs.</a:t>
+            </a:r>
+          </a:p>
+          <a:p>
+            <a:r>
+              <a:rPr lang="en-IE" dirty="0"/>
+              <a:t>PHR should be an entity, with a date attribute, and mandatory “1” </a:t>
+            </a:r>
+            <a:r>
+              <a:rPr lang="en-IE" dirty="0" err="1"/>
+              <a:t>relationshis</a:t>
+            </a:r>
+            <a:r>
+              <a:rPr lang="en-IE" dirty="0"/>
+              <a:t> to hospital and patient.  Should </a:t>
+            </a:r>
+            <a:r>
+              <a:rPr lang="en-IE"/>
+              <a:t>be renamed </a:t>
+            </a:r>
+            <a:r>
+              <a:rPr lang="en-IE" dirty="0"/>
+              <a:t>to </a:t>
+            </a:r>
+            <a:r>
+              <a:rPr lang="en-IE" dirty="0" err="1"/>
+              <a:t>PatientHospitalVisit</a:t>
+            </a:r>
+            <a:r>
+              <a:rPr lang="en-IE" dirty="0"/>
+              <a:t>.  It’s ok to have a hospital with no visit, or a patient with no visits.</a:t>
             </a:r>
           </a:p>
         </p:txBody>
@@ -5118,6 +5179,46 @@
           </a:fontRef>
         </p:style>
       </p:cxnSp>
+      <p:sp>
+        <p:nvSpPr>
+          <p:cNvPr id="3" name="TextBox 2">
+            <a:extLst>
+              <a:ext uri="{FF2B5EF4-FFF2-40B4-BE49-F238E27FC236}">
+                <a16:creationId xmlns:a16="http://schemas.microsoft.com/office/drawing/2014/main" id="{B16392A7-DA5B-1335-742E-607CC45972D3}"/>
+              </a:ext>
+            </a:extLst>
+          </p:cNvPr>
+          <p:cNvSpPr txBox="1"/>
+          <p:nvPr/>
+        </p:nvSpPr>
+        <p:spPr>
+          <a:xfrm>
+            <a:off x="8978743" y="5426307"/>
+            <a:ext cx="406532" cy="1015663"/>
+          </a:xfrm>
+          <a:prstGeom prst="rect">
+            <a:avLst/>
+          </a:prstGeom>
+          <a:noFill/>
+        </p:spPr>
+        <p:txBody>
+          <a:bodyPr wrap="square" rtlCol="0">
+            <a:spAutoFit/>
+          </a:bodyPr>
+          <a:lstStyle/>
+          <a:p>
+            <a:pPr algn="ctr"/>
+            <a:r>
+              <a:rPr lang="en-IE" sz="6000" b="1" dirty="0">
+                <a:solidFill>
+                  <a:srgbClr val="FF0000"/>
+                </a:solidFill>
+              </a:rPr>
+              <a:t>?</a:t>
+            </a:r>
+          </a:p>
+        </p:txBody>
+      </p:sp>
     </p:spTree>
     <p:extLst>
       <p:ext uri="{BB962C8B-B14F-4D97-AF65-F5344CB8AC3E}">

--- a/Coding Exercise.pptx
+++ b/Coding Exercise.pptx
@@ -5,12 +5,13 @@
     <p:sldMasterId id="2147483648" r:id="rId1"/>
   </p:sldMasterIdLst>
   <p:notesMasterIdLst>
-    <p:notesMasterId r:id="rId5"/>
+    <p:notesMasterId r:id="rId6"/>
   </p:notesMasterIdLst>
   <p:sldIdLst>
     <p:sldId id="256" r:id="rId2"/>
     <p:sldId id="257" r:id="rId3"/>
     <p:sldId id="258" r:id="rId4"/>
+    <p:sldId id="259" r:id="rId5"/>
   </p:sldIdLst>
   <p:sldSz cx="12192000" cy="6858000"/>
   <p:notesSz cx="6858000" cy="9144000"/>
@@ -199,7 +200,7 @@
           <a:p>
             <a:fld id="{CC7FF037-7D5F-4C4E-B74B-227986D06286}" type="datetimeFigureOut">
               <a:rPr lang="en-IE" smtClean="0"/>
-              <a:t>01/02/2025</a:t>
+              <a:t>02/02/2025</a:t>
             </a:fld>
             <a:endParaRPr lang="en-IE"/>
           </a:p>
@@ -774,7 +775,7 @@
           <a:p>
             <a:fld id="{CB48A5E9-356B-44C2-968B-AFC4DF35E53C}" type="datetimeFigureOut">
               <a:rPr lang="en-IE" smtClean="0"/>
-              <a:t>01/02/2025</a:t>
+              <a:t>02/02/2025</a:t>
             </a:fld>
             <a:endParaRPr lang="en-IE"/>
           </a:p>
@@ -974,7 +975,7 @@
           <a:p>
             <a:fld id="{CB48A5E9-356B-44C2-968B-AFC4DF35E53C}" type="datetimeFigureOut">
               <a:rPr lang="en-IE" smtClean="0"/>
-              <a:t>01/02/2025</a:t>
+              <a:t>02/02/2025</a:t>
             </a:fld>
             <a:endParaRPr lang="en-IE"/>
           </a:p>
@@ -1184,7 +1185,7 @@
           <a:p>
             <a:fld id="{CB48A5E9-356B-44C2-968B-AFC4DF35E53C}" type="datetimeFigureOut">
               <a:rPr lang="en-IE" smtClean="0"/>
-              <a:t>01/02/2025</a:t>
+              <a:t>02/02/2025</a:t>
             </a:fld>
             <a:endParaRPr lang="en-IE"/>
           </a:p>
@@ -1384,7 +1385,7 @@
           <a:p>
             <a:fld id="{CB48A5E9-356B-44C2-968B-AFC4DF35E53C}" type="datetimeFigureOut">
               <a:rPr lang="en-IE" smtClean="0"/>
-              <a:t>01/02/2025</a:t>
+              <a:t>02/02/2025</a:t>
             </a:fld>
             <a:endParaRPr lang="en-IE"/>
           </a:p>
@@ -1660,7 +1661,7 @@
           <a:p>
             <a:fld id="{CB48A5E9-356B-44C2-968B-AFC4DF35E53C}" type="datetimeFigureOut">
               <a:rPr lang="en-IE" smtClean="0"/>
-              <a:t>01/02/2025</a:t>
+              <a:t>02/02/2025</a:t>
             </a:fld>
             <a:endParaRPr lang="en-IE"/>
           </a:p>
@@ -1928,7 +1929,7 @@
           <a:p>
             <a:fld id="{CB48A5E9-356B-44C2-968B-AFC4DF35E53C}" type="datetimeFigureOut">
               <a:rPr lang="en-IE" smtClean="0"/>
-              <a:t>01/02/2025</a:t>
+              <a:t>02/02/2025</a:t>
             </a:fld>
             <a:endParaRPr lang="en-IE"/>
           </a:p>
@@ -2343,7 +2344,7 @@
           <a:p>
             <a:fld id="{CB48A5E9-356B-44C2-968B-AFC4DF35E53C}" type="datetimeFigureOut">
               <a:rPr lang="en-IE" smtClean="0"/>
-              <a:t>01/02/2025</a:t>
+              <a:t>02/02/2025</a:t>
             </a:fld>
             <a:endParaRPr lang="en-IE"/>
           </a:p>
@@ -2485,7 +2486,7 @@
           <a:p>
             <a:fld id="{CB48A5E9-356B-44C2-968B-AFC4DF35E53C}" type="datetimeFigureOut">
               <a:rPr lang="en-IE" smtClean="0"/>
-              <a:t>01/02/2025</a:t>
+              <a:t>02/02/2025</a:t>
             </a:fld>
             <a:endParaRPr lang="en-IE"/>
           </a:p>
@@ -2598,7 +2599,7 @@
           <a:p>
             <a:fld id="{CB48A5E9-356B-44C2-968B-AFC4DF35E53C}" type="datetimeFigureOut">
               <a:rPr lang="en-IE" smtClean="0"/>
-              <a:t>01/02/2025</a:t>
+              <a:t>02/02/2025</a:t>
             </a:fld>
             <a:endParaRPr lang="en-IE"/>
           </a:p>
@@ -2911,7 +2912,7 @@
           <a:p>
             <a:fld id="{CB48A5E9-356B-44C2-968B-AFC4DF35E53C}" type="datetimeFigureOut">
               <a:rPr lang="en-IE" smtClean="0"/>
-              <a:t>01/02/2025</a:t>
+              <a:t>02/02/2025</a:t>
             </a:fld>
             <a:endParaRPr lang="en-IE"/>
           </a:p>
@@ -3200,7 +3201,7 @@
           <a:p>
             <a:fld id="{CB48A5E9-356B-44C2-968B-AFC4DF35E53C}" type="datetimeFigureOut">
               <a:rPr lang="en-IE" smtClean="0"/>
-              <a:t>01/02/2025</a:t>
+              <a:t>02/02/2025</a:t>
             </a:fld>
             <a:endParaRPr lang="en-IE"/>
           </a:p>
@@ -3443,7 +3444,7 @@
           <a:p>
             <a:fld id="{CB48A5E9-356B-44C2-968B-AFC4DF35E53C}" type="datetimeFigureOut">
               <a:rPr lang="en-IE" smtClean="0"/>
-              <a:t>01/02/2025</a:t>
+              <a:t>02/02/2025</a:t>
             </a:fld>
             <a:endParaRPr lang="en-IE"/>
           </a:p>
@@ -5223,6 +5224,93 @@
     <p:extLst>
       <p:ext uri="{BB962C8B-B14F-4D97-AF65-F5344CB8AC3E}">
         <p14:creationId xmlns:p14="http://schemas.microsoft.com/office/powerpoint/2010/main" val="740588212"/>
+      </p:ext>
+    </p:extLst>
+  </p:cSld>
+  <p:clrMapOvr>
+    <a:masterClrMapping/>
+  </p:clrMapOvr>
+</p:sld>
+</file>
+
+<file path=ppt/slides/slide4.xml><?xml version="1.0" encoding="utf-8"?>
+<p:sld xmlns:a="http://schemas.openxmlformats.org/drawingml/2006/main" xmlns:r="http://schemas.openxmlformats.org/officeDocument/2006/relationships" xmlns:p="http://schemas.openxmlformats.org/presentationml/2006/main">
+  <p:cSld>
+    <p:spTree>
+      <p:nvGrpSpPr>
+        <p:cNvPr id="1" name=""/>
+        <p:cNvGrpSpPr/>
+        <p:nvPr/>
+      </p:nvGrpSpPr>
+      <p:grpSpPr>
+        <a:xfrm>
+          <a:off x="0" y="0"/>
+          <a:ext cx="0" cy="0"/>
+          <a:chOff x="0" y="0"/>
+          <a:chExt cx="0" cy="0"/>
+        </a:xfrm>
+      </p:grpSpPr>
+      <p:sp>
+        <p:nvSpPr>
+          <p:cNvPr id="2" name="Title 1">
+            <a:extLst>
+              <a:ext uri="{FF2B5EF4-FFF2-40B4-BE49-F238E27FC236}">
+                <a16:creationId xmlns:a16="http://schemas.microsoft.com/office/drawing/2014/main" id="{B925A798-D053-82B6-7171-52D71156F777}"/>
+              </a:ext>
+            </a:extLst>
+          </p:cNvPr>
+          <p:cNvSpPr>
+            <a:spLocks noGrp="1"/>
+          </p:cNvSpPr>
+          <p:nvPr>
+            <p:ph type="title"/>
+          </p:nvPr>
+        </p:nvSpPr>
+        <p:spPr/>
+        <p:txBody>
+          <a:bodyPr/>
+          <a:lstStyle/>
+          <a:p>
+            <a:r>
+              <a:rPr lang="en-IE" dirty="0"/>
+              <a:t>API definitions (Swagger)</a:t>
+            </a:r>
+          </a:p>
+        </p:txBody>
+      </p:sp>
+      <p:pic>
+        <p:nvPicPr>
+          <p:cNvPr id="5" name="Content Placeholder 4">
+            <a:extLst>
+              <a:ext uri="{FF2B5EF4-FFF2-40B4-BE49-F238E27FC236}">
+                <a16:creationId xmlns:a16="http://schemas.microsoft.com/office/drawing/2014/main" id="{6A22B570-4834-4F09-2957-F25E168F9339}"/>
+              </a:ext>
+            </a:extLst>
+          </p:cNvPr>
+          <p:cNvPicPr>
+            <a:picLocks noGrp="1" noChangeAspect="1"/>
+          </p:cNvPicPr>
+          <p:nvPr>
+            <p:ph idx="1"/>
+          </p:nvPr>
+        </p:nvPicPr>
+        <p:blipFill>
+          <a:blip r:embed="rId2"/>
+          <a:stretch>
+            <a:fillRect/>
+          </a:stretch>
+        </p:blipFill>
+        <p:spPr>
+          <a:xfrm>
+            <a:off x="3148591" y="1373188"/>
+            <a:ext cx="5894818" cy="5256212"/>
+          </a:xfrm>
+        </p:spPr>
+      </p:pic>
+    </p:spTree>
+    <p:extLst>
+      <p:ext uri="{BB962C8B-B14F-4D97-AF65-F5344CB8AC3E}">
+        <p14:creationId xmlns:p14="http://schemas.microsoft.com/office/powerpoint/2010/main" val="919702668"/>
       </p:ext>
     </p:extLst>
   </p:cSld>

--- a/Coding Exercise.pptx
+++ b/Coding Exercise.pptx
@@ -5,13 +5,14 @@
     <p:sldMasterId id="2147483648" r:id="rId1"/>
   </p:sldMasterIdLst>
   <p:notesMasterIdLst>
-    <p:notesMasterId r:id="rId6"/>
+    <p:notesMasterId r:id="rId7"/>
   </p:notesMasterIdLst>
   <p:sldIdLst>
     <p:sldId id="256" r:id="rId2"/>
     <p:sldId id="257" r:id="rId3"/>
     <p:sldId id="258" r:id="rId4"/>
     <p:sldId id="259" r:id="rId5"/>
+    <p:sldId id="260" r:id="rId6"/>
   </p:sldIdLst>
   <p:sldSz cx="12192000" cy="6858000"/>
   <p:notesSz cx="6858000" cy="9144000"/>
@@ -5311,6 +5312,510 @@
     <p:extLst>
       <p:ext uri="{BB962C8B-B14F-4D97-AF65-F5344CB8AC3E}">
         <p14:creationId xmlns:p14="http://schemas.microsoft.com/office/powerpoint/2010/main" val="919702668"/>
+      </p:ext>
+    </p:extLst>
+  </p:cSld>
+  <p:clrMapOvr>
+    <a:masterClrMapping/>
+  </p:clrMapOvr>
+</p:sld>
+</file>
+
+<file path=ppt/slides/slide5.xml><?xml version="1.0" encoding="utf-8"?>
+<p:sld xmlns:a="http://schemas.openxmlformats.org/drawingml/2006/main" xmlns:r="http://schemas.openxmlformats.org/officeDocument/2006/relationships" xmlns:p="http://schemas.openxmlformats.org/presentationml/2006/main">
+  <p:cSld>
+    <p:spTree>
+      <p:nvGrpSpPr>
+        <p:cNvPr id="1" name=""/>
+        <p:cNvGrpSpPr/>
+        <p:nvPr/>
+      </p:nvGrpSpPr>
+      <p:grpSpPr>
+        <a:xfrm>
+          <a:off x="0" y="0"/>
+          <a:ext cx="0" cy="0"/>
+          <a:chOff x="0" y="0"/>
+          <a:chExt cx="0" cy="0"/>
+        </a:xfrm>
+      </p:grpSpPr>
+      <p:sp>
+        <p:nvSpPr>
+          <p:cNvPr id="2" name="Title 1">
+            <a:extLst>
+              <a:ext uri="{FF2B5EF4-FFF2-40B4-BE49-F238E27FC236}">
+                <a16:creationId xmlns:a16="http://schemas.microsoft.com/office/drawing/2014/main" id="{B87F919A-CFF1-51F0-564D-EAD8AE34A5B7}"/>
+              </a:ext>
+            </a:extLst>
+          </p:cNvPr>
+          <p:cNvSpPr>
+            <a:spLocks noGrp="1"/>
+          </p:cNvSpPr>
+          <p:nvPr>
+            <p:ph type="title"/>
+          </p:nvPr>
+        </p:nvSpPr>
+        <p:spPr/>
+        <p:txBody>
+          <a:bodyPr/>
+          <a:lstStyle/>
+          <a:p>
+            <a:r>
+              <a:rPr lang="en-IE" dirty="0"/>
+              <a:t>TODO tech that’s new to me, ones I know</a:t>
+            </a:r>
+          </a:p>
+        </p:txBody>
+      </p:sp>
+      <p:graphicFrame>
+        <p:nvGraphicFramePr>
+          <p:cNvPr id="4" name="Content Placeholder 3">
+            <a:extLst>
+              <a:ext uri="{FF2B5EF4-FFF2-40B4-BE49-F238E27FC236}">
+                <a16:creationId xmlns:a16="http://schemas.microsoft.com/office/drawing/2014/main" id="{E226B130-9ECC-6786-D279-11F210D8A776}"/>
+              </a:ext>
+            </a:extLst>
+          </p:cNvPr>
+          <p:cNvGraphicFramePr>
+            <a:graphicFrameLocks noGrp="1"/>
+          </p:cNvGraphicFramePr>
+          <p:nvPr>
+            <p:ph idx="1"/>
+            <p:extLst>
+              <p:ext uri="{D42A27DB-BD31-4B8C-83A1-F6EECF244321}">
+                <p14:modId xmlns:p14="http://schemas.microsoft.com/office/powerpoint/2010/main" val="2735739963"/>
+              </p:ext>
+            </p:extLst>
+          </p:nvPr>
+        </p:nvGraphicFramePr>
+        <p:xfrm>
+          <a:off x="838200" y="1825625"/>
+          <a:ext cx="10515600" cy="2225040"/>
+        </p:xfrm>
+        <a:graphic>
+          <a:graphicData uri="http://schemas.openxmlformats.org/drawingml/2006/table">
+            <a:tbl>
+              <a:tblPr firstRow="1" bandRow="1">
+                <a:tableStyleId>{5C22544A-7EE6-4342-B048-85BDC9FD1C3A}</a:tableStyleId>
+              </a:tblPr>
+              <a:tblGrid>
+                <a:gridCol w="2103120">
+                  <a:extLst>
+                    <a:ext uri="{9D8B030D-6E8A-4147-A177-3AD203B41FA5}">
+                      <a16:colId xmlns:a16="http://schemas.microsoft.com/office/drawing/2014/main" val="1888702016"/>
+                    </a:ext>
+                  </a:extLst>
+                </a:gridCol>
+                <a:gridCol w="2103120">
+                  <a:extLst>
+                    <a:ext uri="{9D8B030D-6E8A-4147-A177-3AD203B41FA5}">
+                      <a16:colId xmlns:a16="http://schemas.microsoft.com/office/drawing/2014/main" val="3952709782"/>
+                    </a:ext>
+                  </a:extLst>
+                </a:gridCol>
+                <a:gridCol w="2103120">
+                  <a:extLst>
+                    <a:ext uri="{9D8B030D-6E8A-4147-A177-3AD203B41FA5}">
+                      <a16:colId xmlns:a16="http://schemas.microsoft.com/office/drawing/2014/main" val="1043776486"/>
+                    </a:ext>
+                  </a:extLst>
+                </a:gridCol>
+                <a:gridCol w="2103120">
+                  <a:extLst>
+                    <a:ext uri="{9D8B030D-6E8A-4147-A177-3AD203B41FA5}">
+                      <a16:colId xmlns:a16="http://schemas.microsoft.com/office/drawing/2014/main" val="3300723215"/>
+                    </a:ext>
+                  </a:extLst>
+                </a:gridCol>
+                <a:gridCol w="2103120">
+                  <a:extLst>
+                    <a:ext uri="{9D8B030D-6E8A-4147-A177-3AD203B41FA5}">
+                      <a16:colId xmlns:a16="http://schemas.microsoft.com/office/drawing/2014/main" val="2353682154"/>
+                    </a:ext>
+                  </a:extLst>
+                </a:gridCol>
+              </a:tblGrid>
+              <a:tr h="370840">
+                <a:tc>
+                  <a:txBody>
+                    <a:bodyPr/>
+                    <a:lstStyle/>
+                    <a:p>
+                      <a:endParaRPr lang="en-IE" dirty="0"/>
+                    </a:p>
+                  </a:txBody>
+                  <a:tcPr/>
+                </a:tc>
+                <a:tc>
+                  <a:txBody>
+                    <a:bodyPr/>
+                    <a:lstStyle/>
+                    <a:p>
+                      <a:endParaRPr lang="en-IE"/>
+                    </a:p>
+                  </a:txBody>
+                  <a:tcPr/>
+                </a:tc>
+                <a:tc>
+                  <a:txBody>
+                    <a:bodyPr/>
+                    <a:lstStyle/>
+                    <a:p>
+                      <a:endParaRPr lang="en-IE"/>
+                    </a:p>
+                  </a:txBody>
+                  <a:tcPr/>
+                </a:tc>
+                <a:tc>
+                  <a:txBody>
+                    <a:bodyPr/>
+                    <a:lstStyle/>
+                    <a:p>
+                      <a:endParaRPr lang="en-IE"/>
+                    </a:p>
+                  </a:txBody>
+                  <a:tcPr/>
+                </a:tc>
+                <a:tc>
+                  <a:txBody>
+                    <a:bodyPr/>
+                    <a:lstStyle/>
+                    <a:p>
+                      <a:endParaRPr lang="en-IE"/>
+                    </a:p>
+                  </a:txBody>
+                  <a:tcPr/>
+                </a:tc>
+                <a:extLst>
+                  <a:ext uri="{0D108BD9-81ED-4DB2-BD59-A6C34878D82A}">
+                    <a16:rowId xmlns:a16="http://schemas.microsoft.com/office/drawing/2014/main" val="3818679618"/>
+                  </a:ext>
+                </a:extLst>
+              </a:tr>
+              <a:tr h="370840">
+                <a:tc>
+                  <a:txBody>
+                    <a:bodyPr/>
+                    <a:lstStyle/>
+                    <a:p>
+                      <a:r>
+                        <a:rPr lang="en-IE" dirty="0"/>
+                        <a:t>C#</a:t>
+                      </a:r>
+                    </a:p>
+                  </a:txBody>
+                  <a:tcPr/>
+                </a:tc>
+                <a:tc>
+                  <a:txBody>
+                    <a:bodyPr/>
+                    <a:lstStyle/>
+                    <a:p>
+                      <a:r>
+                        <a:rPr lang="en-IE" dirty="0"/>
+                        <a:t>Java</a:t>
+                      </a:r>
+                    </a:p>
+                  </a:txBody>
+                  <a:tcPr/>
+                </a:tc>
+                <a:tc>
+                  <a:txBody>
+                    <a:bodyPr/>
+                    <a:lstStyle/>
+                    <a:p>
+                      <a:endParaRPr lang="en-IE" dirty="0"/>
+                    </a:p>
+                  </a:txBody>
+                  <a:tcPr/>
+                </a:tc>
+                <a:tc>
+                  <a:txBody>
+                    <a:bodyPr/>
+                    <a:lstStyle/>
+                    <a:p>
+                      <a:endParaRPr lang="en-IE" dirty="0"/>
+                    </a:p>
+                  </a:txBody>
+                  <a:tcPr/>
+                </a:tc>
+                <a:tc>
+                  <a:txBody>
+                    <a:bodyPr/>
+                    <a:lstStyle/>
+                    <a:p>
+                      <a:endParaRPr lang="en-IE" dirty="0"/>
+                    </a:p>
+                  </a:txBody>
+                  <a:tcPr/>
+                </a:tc>
+                <a:extLst>
+                  <a:ext uri="{0D108BD9-81ED-4DB2-BD59-A6C34878D82A}">
+                    <a16:rowId xmlns:a16="http://schemas.microsoft.com/office/drawing/2014/main" val="3974587250"/>
+                  </a:ext>
+                </a:extLst>
+              </a:tr>
+              <a:tr h="370840">
+                <a:tc>
+                  <a:txBody>
+                    <a:bodyPr/>
+                    <a:lstStyle/>
+                    <a:p>
+                      <a:r>
+                        <a:rPr lang="en-IE" dirty="0"/>
+                        <a:t>LINQ</a:t>
+                      </a:r>
+                    </a:p>
+                  </a:txBody>
+                  <a:tcPr/>
+                </a:tc>
+                <a:tc>
+                  <a:txBody>
+                    <a:bodyPr/>
+                    <a:lstStyle/>
+                    <a:p>
+                      <a:r>
+                        <a:rPr lang="en-IE" dirty="0"/>
+                        <a:t>Hibernate</a:t>
+                      </a:r>
+                    </a:p>
+                  </a:txBody>
+                  <a:tcPr/>
+                </a:tc>
+                <a:tc>
+                  <a:txBody>
+                    <a:bodyPr/>
+                    <a:lstStyle/>
+                    <a:p>
+                      <a:endParaRPr lang="en-IE" dirty="0"/>
+                    </a:p>
+                  </a:txBody>
+                  <a:tcPr/>
+                </a:tc>
+                <a:tc>
+                  <a:txBody>
+                    <a:bodyPr/>
+                    <a:lstStyle/>
+                    <a:p>
+                      <a:endParaRPr lang="en-IE" dirty="0"/>
+                    </a:p>
+                  </a:txBody>
+                  <a:tcPr/>
+                </a:tc>
+                <a:tc>
+                  <a:txBody>
+                    <a:bodyPr/>
+                    <a:lstStyle/>
+                    <a:p>
+                      <a:endParaRPr lang="en-IE" dirty="0"/>
+                    </a:p>
+                  </a:txBody>
+                  <a:tcPr/>
+                </a:tc>
+                <a:extLst>
+                  <a:ext uri="{0D108BD9-81ED-4DB2-BD59-A6C34878D82A}">
+                    <a16:rowId xmlns:a16="http://schemas.microsoft.com/office/drawing/2014/main" val="1122585281"/>
+                  </a:ext>
+                </a:extLst>
+              </a:tr>
+              <a:tr h="370840">
+                <a:tc>
+                  <a:txBody>
+                    <a:bodyPr/>
+                    <a:lstStyle/>
+                    <a:p>
+                      <a:r>
+                        <a:rPr lang="en-IE" dirty="0"/>
+                        <a:t>Visual Studio</a:t>
+                      </a:r>
+                    </a:p>
+                  </a:txBody>
+                  <a:tcPr/>
+                </a:tc>
+                <a:tc>
+                  <a:txBody>
+                    <a:bodyPr/>
+                    <a:lstStyle/>
+                    <a:p>
+                      <a:r>
+                        <a:rPr lang="en-IE" dirty="0"/>
+                        <a:t>Eclipse</a:t>
+                      </a:r>
+                    </a:p>
+                  </a:txBody>
+                  <a:tcPr/>
+                </a:tc>
+                <a:tc>
+                  <a:txBody>
+                    <a:bodyPr/>
+                    <a:lstStyle/>
+                    <a:p>
+                      <a:endParaRPr lang="en-IE" dirty="0"/>
+                    </a:p>
+                  </a:txBody>
+                  <a:tcPr/>
+                </a:tc>
+                <a:tc>
+                  <a:txBody>
+                    <a:bodyPr/>
+                    <a:lstStyle/>
+                    <a:p>
+                      <a:endParaRPr lang="en-IE" dirty="0"/>
+                    </a:p>
+                  </a:txBody>
+                  <a:tcPr/>
+                </a:tc>
+                <a:tc>
+                  <a:txBody>
+                    <a:bodyPr/>
+                    <a:lstStyle/>
+                    <a:p>
+                      <a:endParaRPr lang="en-IE" dirty="0"/>
+                    </a:p>
+                  </a:txBody>
+                  <a:tcPr/>
+                </a:tc>
+                <a:extLst>
+                  <a:ext uri="{0D108BD9-81ED-4DB2-BD59-A6C34878D82A}">
+                    <a16:rowId xmlns:a16="http://schemas.microsoft.com/office/drawing/2014/main" val="3171447868"/>
+                  </a:ext>
+                </a:extLst>
+              </a:tr>
+              <a:tr h="370840">
+                <a:tc>
+                  <a:txBody>
+                    <a:bodyPr/>
+                    <a:lstStyle/>
+                    <a:p>
+                      <a:r>
+                        <a:rPr lang="en-IE" dirty="0"/>
+                        <a:t>REACT</a:t>
+                      </a:r>
+                    </a:p>
+                  </a:txBody>
+                  <a:tcPr/>
+                </a:tc>
+                <a:tc>
+                  <a:txBody>
+                    <a:bodyPr/>
+                    <a:lstStyle/>
+                    <a:p>
+                      <a:r>
+                        <a:rPr lang="en-IE" dirty="0"/>
+                        <a:t>JSPs</a:t>
+                      </a:r>
+                    </a:p>
+                  </a:txBody>
+                  <a:tcPr/>
+                </a:tc>
+                <a:tc>
+                  <a:txBody>
+                    <a:bodyPr/>
+                    <a:lstStyle/>
+                    <a:p>
+                      <a:endParaRPr lang="en-IE" dirty="0"/>
+                    </a:p>
+                  </a:txBody>
+                  <a:tcPr/>
+                </a:tc>
+                <a:tc>
+                  <a:txBody>
+                    <a:bodyPr/>
+                    <a:lstStyle/>
+                    <a:p>
+                      <a:endParaRPr lang="en-IE" dirty="0"/>
+                    </a:p>
+                  </a:txBody>
+                  <a:tcPr/>
+                </a:tc>
+                <a:tc>
+                  <a:txBody>
+                    <a:bodyPr/>
+                    <a:lstStyle/>
+                    <a:p>
+                      <a:endParaRPr lang="en-IE" dirty="0"/>
+                    </a:p>
+                  </a:txBody>
+                  <a:tcPr/>
+                </a:tc>
+                <a:extLst>
+                  <a:ext uri="{0D108BD9-81ED-4DB2-BD59-A6C34878D82A}">
+                    <a16:rowId xmlns:a16="http://schemas.microsoft.com/office/drawing/2014/main" val="2153664491"/>
+                  </a:ext>
+                </a:extLst>
+              </a:tr>
+              <a:tr h="370840">
+                <a:tc>
+                  <a:txBody>
+                    <a:bodyPr/>
+                    <a:lstStyle/>
+                    <a:p>
+                      <a:r>
+                        <a:rPr lang="en-IE" dirty="0"/>
+                        <a:t>TODO </a:t>
+                      </a:r>
+                      <a:r>
+                        <a:rPr lang="en-IE"/>
+                        <a:t>any else?</a:t>
+                      </a:r>
+                      <a:endParaRPr lang="en-IE" dirty="0"/>
+                    </a:p>
+                  </a:txBody>
+                  <a:tcPr/>
+                </a:tc>
+                <a:tc>
+                  <a:txBody>
+                    <a:bodyPr/>
+                    <a:lstStyle/>
+                    <a:p>
+                      <a:endParaRPr lang="en-IE" dirty="0"/>
+                    </a:p>
+                  </a:txBody>
+                  <a:tcPr/>
+                </a:tc>
+                <a:tc>
+                  <a:txBody>
+                    <a:bodyPr/>
+                    <a:lstStyle/>
+                    <a:p>
+                      <a:endParaRPr lang="en-IE" dirty="0"/>
+                    </a:p>
+                  </a:txBody>
+                  <a:tcPr/>
+                </a:tc>
+                <a:tc>
+                  <a:txBody>
+                    <a:bodyPr/>
+                    <a:lstStyle/>
+                    <a:p>
+                      <a:endParaRPr lang="en-IE" dirty="0"/>
+                    </a:p>
+                  </a:txBody>
+                  <a:tcPr/>
+                </a:tc>
+                <a:tc>
+                  <a:txBody>
+                    <a:bodyPr/>
+                    <a:lstStyle/>
+                    <a:p>
+                      <a:endParaRPr lang="en-IE" dirty="0"/>
+                    </a:p>
+                  </a:txBody>
+                  <a:tcPr/>
+                </a:tc>
+                <a:extLst>
+                  <a:ext uri="{0D108BD9-81ED-4DB2-BD59-A6C34878D82A}">
+                    <a16:rowId xmlns:a16="http://schemas.microsoft.com/office/drawing/2014/main" val="2605663266"/>
+                  </a:ext>
+                </a:extLst>
+              </a:tr>
+            </a:tbl>
+          </a:graphicData>
+        </a:graphic>
+      </p:graphicFrame>
+    </p:spTree>
+    <p:extLst>
+      <p:ext uri="{BB962C8B-B14F-4D97-AF65-F5344CB8AC3E}">
+        <p14:creationId xmlns:p14="http://schemas.microsoft.com/office/powerpoint/2010/main" val="1913064628"/>
       </p:ext>
     </p:extLst>
   </p:cSld>

--- a/Coding Exercise.pptx
+++ b/Coding Exercise.pptx
@@ -5,14 +5,15 @@
     <p:sldMasterId id="2147483648" r:id="rId1"/>
   </p:sldMasterIdLst>
   <p:notesMasterIdLst>
-    <p:notesMasterId r:id="rId7"/>
+    <p:notesMasterId r:id="rId8"/>
   </p:notesMasterIdLst>
   <p:sldIdLst>
     <p:sldId id="256" r:id="rId2"/>
     <p:sldId id="257" r:id="rId3"/>
-    <p:sldId id="258" r:id="rId4"/>
-    <p:sldId id="259" r:id="rId5"/>
-    <p:sldId id="260" r:id="rId6"/>
+    <p:sldId id="261" r:id="rId4"/>
+    <p:sldId id="258" r:id="rId5"/>
+    <p:sldId id="259" r:id="rId6"/>
+    <p:sldId id="260" r:id="rId7"/>
   </p:sldIdLst>
   <p:sldSz cx="12192000" cy="6858000"/>
   <p:notesSz cx="6858000" cy="9144000"/>
@@ -474,6 +475,117 @@
   <p:cSld>
     <p:spTree>
       <p:nvGrpSpPr>
+        <p:cNvPr id="1" name="">
+          <a:extLst>
+            <a:ext uri="{FF2B5EF4-FFF2-40B4-BE49-F238E27FC236}">
+              <a16:creationId xmlns:a16="http://schemas.microsoft.com/office/drawing/2014/main" id="{6B279CD6-70B3-3D18-1A1B-7AF6FF3FB66A}"/>
+            </a:ext>
+          </a:extLst>
+        </p:cNvPr>
+        <p:cNvGrpSpPr/>
+        <p:nvPr/>
+      </p:nvGrpSpPr>
+      <p:grpSpPr>
+        <a:xfrm>
+          <a:off x="0" y="0"/>
+          <a:ext cx="0" cy="0"/>
+          <a:chOff x="0" y="0"/>
+          <a:chExt cx="0" cy="0"/>
+        </a:xfrm>
+      </p:grpSpPr>
+      <p:sp>
+        <p:nvSpPr>
+          <p:cNvPr id="2" name="Slide Image Placeholder 1">
+            <a:extLst>
+              <a:ext uri="{FF2B5EF4-FFF2-40B4-BE49-F238E27FC236}">
+                <a16:creationId xmlns:a16="http://schemas.microsoft.com/office/drawing/2014/main" id="{085FCA07-7C95-188B-ACE3-539A8A7035F0}"/>
+              </a:ext>
+            </a:extLst>
+          </p:cNvPr>
+          <p:cNvSpPr>
+            <a:spLocks noGrp="1" noRot="1" noChangeAspect="1"/>
+          </p:cNvSpPr>
+          <p:nvPr>
+            <p:ph type="sldImg"/>
+          </p:nvPr>
+        </p:nvSpPr>
+        <p:spPr/>
+      </p:sp>
+      <p:sp>
+        <p:nvSpPr>
+          <p:cNvPr id="3" name="Notes Placeholder 2">
+            <a:extLst>
+              <a:ext uri="{FF2B5EF4-FFF2-40B4-BE49-F238E27FC236}">
+                <a16:creationId xmlns:a16="http://schemas.microsoft.com/office/drawing/2014/main" id="{90AE3EBA-A453-5BCF-415C-D97EEA473374}"/>
+              </a:ext>
+            </a:extLst>
+          </p:cNvPr>
+          <p:cNvSpPr>
+            <a:spLocks noGrp="1"/>
+          </p:cNvSpPr>
+          <p:nvPr>
+            <p:ph type="body" idx="1"/>
+          </p:nvPr>
+        </p:nvSpPr>
+        <p:spPr/>
+        <p:txBody>
+          <a:bodyPr/>
+          <a:lstStyle/>
+          <a:p>
+            <a:r>
+              <a:rPr lang="en-IE" dirty="0"/>
+              <a:t>C#/Java includes both the languages and the surrounding tools and ecosystem</a:t>
+            </a:r>
+          </a:p>
+        </p:txBody>
+      </p:sp>
+      <p:sp>
+        <p:nvSpPr>
+          <p:cNvPr id="4" name="Slide Number Placeholder 3">
+            <a:extLst>
+              <a:ext uri="{FF2B5EF4-FFF2-40B4-BE49-F238E27FC236}">
+                <a16:creationId xmlns:a16="http://schemas.microsoft.com/office/drawing/2014/main" id="{A9CAEFDB-AEC8-CE00-4543-5C5591356ABE}"/>
+              </a:ext>
+            </a:extLst>
+          </p:cNvPr>
+          <p:cNvSpPr>
+            <a:spLocks noGrp="1"/>
+          </p:cNvSpPr>
+          <p:nvPr>
+            <p:ph type="sldNum" sz="quarter" idx="5"/>
+          </p:nvPr>
+        </p:nvSpPr>
+        <p:spPr/>
+        <p:txBody>
+          <a:bodyPr/>
+          <a:lstStyle/>
+          <a:p>
+            <a:fld id="{91160FB6-B801-4C33-8BF1-6E3D8603CA77}" type="slidenum">
+              <a:rPr lang="en-IE" smtClean="0"/>
+              <a:t>3</a:t>
+            </a:fld>
+            <a:endParaRPr lang="en-IE"/>
+          </a:p>
+        </p:txBody>
+      </p:sp>
+    </p:spTree>
+    <p:extLst>
+      <p:ext uri="{BB962C8B-B14F-4D97-AF65-F5344CB8AC3E}">
+        <p14:creationId xmlns:p14="http://schemas.microsoft.com/office/powerpoint/2010/main" val="3744039059"/>
+      </p:ext>
+    </p:extLst>
+  </p:cSld>
+  <p:clrMapOvr>
+    <a:masterClrMapping/>
+  </p:clrMapOvr>
+</p:notes>
+</file>
+
+<file path=ppt/notesSlides/notesSlide2.xml><?xml version="1.0" encoding="utf-8"?>
+<p:notes xmlns:a="http://schemas.openxmlformats.org/drawingml/2006/main" xmlns:r="http://schemas.openxmlformats.org/officeDocument/2006/relationships" xmlns:p="http://schemas.openxmlformats.org/presentationml/2006/main">
+  <p:cSld>
+    <p:spTree>
+      <p:nvGrpSpPr>
         <p:cNvPr id="1" name=""/>
         <p:cNvGrpSpPr/>
         <p:nvPr/>
@@ -608,7 +720,7 @@
           <a:p>
             <a:fld id="{91160FB6-B801-4C33-8BF1-6E3D8603CA77}" type="slidenum">
               <a:rPr lang="en-IE" smtClean="0"/>
-              <a:t>3</a:t>
+              <a:t>4</a:t>
             </a:fld>
             <a:endParaRPr lang="en-IE"/>
           </a:p>
@@ -618,6 +730,93 @@
     <p:extLst>
       <p:ext uri="{BB962C8B-B14F-4D97-AF65-F5344CB8AC3E}">
         <p14:creationId xmlns:p14="http://schemas.microsoft.com/office/powerpoint/2010/main" val="191023395"/>
+      </p:ext>
+    </p:extLst>
+  </p:cSld>
+  <p:clrMapOvr>
+    <a:masterClrMapping/>
+  </p:clrMapOvr>
+</p:notes>
+</file>
+
+<file path=ppt/notesSlides/notesSlide3.xml><?xml version="1.0" encoding="utf-8"?>
+<p:notes xmlns:a="http://schemas.openxmlformats.org/drawingml/2006/main" xmlns:r="http://schemas.openxmlformats.org/officeDocument/2006/relationships" xmlns:p="http://schemas.openxmlformats.org/presentationml/2006/main">
+  <p:cSld>
+    <p:spTree>
+      <p:nvGrpSpPr>
+        <p:cNvPr id="1" name=""/>
+        <p:cNvGrpSpPr/>
+        <p:nvPr/>
+      </p:nvGrpSpPr>
+      <p:grpSpPr>
+        <a:xfrm>
+          <a:off x="0" y="0"/>
+          <a:ext cx="0" cy="0"/>
+          <a:chOff x="0" y="0"/>
+          <a:chExt cx="0" cy="0"/>
+        </a:xfrm>
+      </p:grpSpPr>
+      <p:sp>
+        <p:nvSpPr>
+          <p:cNvPr id="2" name="Slide Image Placeholder 1"/>
+          <p:cNvSpPr>
+            <a:spLocks noGrp="1" noRot="1" noChangeAspect="1"/>
+          </p:cNvSpPr>
+          <p:nvPr>
+            <p:ph type="sldImg"/>
+          </p:nvPr>
+        </p:nvSpPr>
+        <p:spPr/>
+      </p:sp>
+      <p:sp>
+        <p:nvSpPr>
+          <p:cNvPr id="3" name="Notes Placeholder 2"/>
+          <p:cNvSpPr>
+            <a:spLocks noGrp="1"/>
+          </p:cNvSpPr>
+          <p:nvPr>
+            <p:ph type="body" idx="1"/>
+          </p:nvPr>
+        </p:nvSpPr>
+        <p:spPr/>
+        <p:txBody>
+          <a:bodyPr/>
+          <a:lstStyle/>
+          <a:p>
+            <a:r>
+              <a:rPr lang="en-IE" dirty="0"/>
+              <a:t>C#/Java includes both the languages and the surrounding tools and ecosystem</a:t>
+            </a:r>
+          </a:p>
+        </p:txBody>
+      </p:sp>
+      <p:sp>
+        <p:nvSpPr>
+          <p:cNvPr id="4" name="Slide Number Placeholder 3"/>
+          <p:cNvSpPr>
+            <a:spLocks noGrp="1"/>
+          </p:cNvSpPr>
+          <p:nvPr>
+            <p:ph type="sldNum" sz="quarter" idx="5"/>
+          </p:nvPr>
+        </p:nvSpPr>
+        <p:spPr/>
+        <p:txBody>
+          <a:bodyPr/>
+          <a:lstStyle/>
+          <a:p>
+            <a:fld id="{91160FB6-B801-4C33-8BF1-6E3D8603CA77}" type="slidenum">
+              <a:rPr lang="en-IE" smtClean="0"/>
+              <a:t>6</a:t>
+            </a:fld>
+            <a:endParaRPr lang="en-IE"/>
+          </a:p>
+        </p:txBody>
+      </p:sp>
+    </p:spTree>
+    <p:extLst>
+      <p:ext uri="{BB962C8B-B14F-4D97-AF65-F5344CB8AC3E}">
+        <p14:creationId xmlns:p14="http://schemas.microsoft.com/office/powerpoint/2010/main" val="1233705831"/>
       </p:ext>
     </p:extLst>
   </p:cSld>
@@ -4061,7 +4260,13 @@
   <p:cSld>
     <p:spTree>
       <p:nvGrpSpPr>
-        <p:cNvPr id="1" name=""/>
+        <p:cNvPr id="1" name="">
+          <a:extLst>
+            <a:ext uri="{FF2B5EF4-FFF2-40B4-BE49-F238E27FC236}">
+              <a16:creationId xmlns:a16="http://schemas.microsoft.com/office/drawing/2014/main" id="{26B2C91D-5FD3-9729-57F5-A48F2857B83E}"/>
+            </a:ext>
+          </a:extLst>
+        </p:cNvPr>
         <p:cNvGrpSpPr/>
         <p:nvPr/>
       </p:nvGrpSpPr>
@@ -4078,7 +4283,7 @@
           <p:cNvPr id="2" name="Title 1">
             <a:extLst>
               <a:ext uri="{FF2B5EF4-FFF2-40B4-BE49-F238E27FC236}">
-                <a16:creationId xmlns:a16="http://schemas.microsoft.com/office/drawing/2014/main" id="{A7F6DC96-ED08-E576-E4DC-38FD8F5CD092}"/>
+                <a16:creationId xmlns:a16="http://schemas.microsoft.com/office/drawing/2014/main" id="{9EBEBD19-3903-E203-3E2A-5452F50452E7}"/>
               </a:ext>
             </a:extLst>
           </p:cNvPr>
@@ -4096,1135 +4301,40 @@
           <a:p>
             <a:r>
               <a:rPr lang="en-IE" dirty="0"/>
-              <a:t>Entity Relationship Diagram</a:t>
-            </a:r>
-          </a:p>
-        </p:txBody>
-      </p:sp>
-      <p:sp>
-        <p:nvSpPr>
-          <p:cNvPr id="4" name="Rectangle: Rounded Corners 3">
-            <a:extLst>
-              <a:ext uri="{FF2B5EF4-FFF2-40B4-BE49-F238E27FC236}">
-                <a16:creationId xmlns:a16="http://schemas.microsoft.com/office/drawing/2014/main" id="{0613AAF9-A20D-CA39-267F-ED906A0AE405}"/>
-              </a:ext>
-            </a:extLst>
-          </p:cNvPr>
-          <p:cNvSpPr/>
-          <p:nvPr/>
-        </p:nvSpPr>
-        <p:spPr>
-          <a:xfrm>
-            <a:off x="814388" y="1579562"/>
-            <a:ext cx="1990725" cy="1325563"/>
-          </a:xfrm>
-          <a:prstGeom prst="roundRect">
-            <a:avLst/>
-          </a:prstGeom>
-        </p:spPr>
-        <p:style>
-          <a:lnRef idx="2">
-            <a:schemeClr val="accent1">
-              <a:shade val="15000"/>
-            </a:schemeClr>
-          </a:lnRef>
-          <a:fillRef idx="1">
-            <a:schemeClr val="accent1"/>
-          </a:fillRef>
-          <a:effectRef idx="0">
-            <a:schemeClr val="accent1"/>
-          </a:effectRef>
-          <a:fontRef idx="minor">
-            <a:schemeClr val="lt1"/>
-          </a:fontRef>
-        </p:style>
-        <p:txBody>
-          <a:bodyPr rtlCol="0" anchor="ctr"/>
+              <a:t>Demo</a:t>
+            </a:r>
+          </a:p>
+        </p:txBody>
+      </p:sp>
+      <p:sp>
+        <p:nvSpPr>
+          <p:cNvPr id="5" name="Content Placeholder 4">
+            <a:extLst>
+              <a:ext uri="{FF2B5EF4-FFF2-40B4-BE49-F238E27FC236}">
+                <a16:creationId xmlns:a16="http://schemas.microsoft.com/office/drawing/2014/main" id="{CE7C0C99-9917-E812-F883-3ADB77DAF5B5}"/>
+              </a:ext>
+            </a:extLst>
+          </p:cNvPr>
+          <p:cNvSpPr>
+            <a:spLocks noGrp="1"/>
+          </p:cNvSpPr>
+          <p:nvPr>
+            <p:ph idx="1"/>
+          </p:nvPr>
+        </p:nvSpPr>
+        <p:spPr/>
+        <p:txBody>
+          <a:bodyPr/>
           <a:lstStyle/>
           <a:p>
-            <a:pPr algn="ctr"/>
-            <a:r>
-              <a:rPr lang="en-IE" dirty="0" err="1"/>
-              <a:t>HospitalEntity</a:t>
-            </a:r>
-            <a:endParaRPr lang="en-IE" dirty="0"/>
-          </a:p>
-          <a:p>
-            <a:pPr marL="285750" indent="-285750">
-              <a:buFont typeface="Arial" panose="020B0604020202020204" pitchFamily="34" charset="0"/>
-              <a:buChar char="•"/>
-            </a:pPr>
-            <a:r>
-              <a:rPr lang="en-IE" sz="1200" dirty="0"/>
-              <a:t>Name</a:t>
-            </a:r>
-          </a:p>
-          <a:p>
-            <a:pPr marL="285750" indent="-285750">
-              <a:buFont typeface="Arial" panose="020B0604020202020204" pitchFamily="34" charset="0"/>
-              <a:buChar char="•"/>
-            </a:pPr>
-            <a:r>
-              <a:rPr lang="en-IE" sz="1200" dirty="0">
-                <a:solidFill>
-                  <a:schemeClr val="bg2">
-                    <a:lumMod val="90000"/>
-                  </a:schemeClr>
-                </a:solidFill>
-              </a:rPr>
-              <a:t>Id</a:t>
-            </a:r>
-          </a:p>
-          <a:p>
-            <a:pPr marL="285750" indent="-285750">
-              <a:buFont typeface="Arial" panose="020B0604020202020204" pitchFamily="34" charset="0"/>
-              <a:buChar char="•"/>
-            </a:pPr>
-            <a:r>
-              <a:rPr lang="en-IE" sz="1200" dirty="0" err="1">
-                <a:solidFill>
-                  <a:schemeClr val="bg2">
-                    <a:lumMod val="90000"/>
-                  </a:schemeClr>
-                </a:solidFill>
-              </a:rPr>
-              <a:t>CreatedTime</a:t>
-            </a:r>
-            <a:endParaRPr lang="en-IE" sz="1200" dirty="0">
-              <a:solidFill>
-                <a:schemeClr val="bg2">
-                  <a:lumMod val="90000"/>
-                </a:schemeClr>
-              </a:solidFill>
-            </a:endParaRPr>
-          </a:p>
-          <a:p>
-            <a:pPr marL="285750" indent="-285750">
-              <a:buFont typeface="Arial" panose="020B0604020202020204" pitchFamily="34" charset="0"/>
-              <a:buChar char="•"/>
-            </a:pPr>
-            <a:r>
-              <a:rPr lang="en-IE" sz="1200" dirty="0" err="1">
-                <a:solidFill>
-                  <a:schemeClr val="bg2">
-                    <a:lumMod val="90000"/>
-                  </a:schemeClr>
-                </a:solidFill>
-              </a:rPr>
-              <a:t>UpdatedTime</a:t>
-            </a:r>
-            <a:endParaRPr lang="en-IE" sz="1200" dirty="0">
-              <a:solidFill>
-                <a:schemeClr val="bg2">
-                  <a:lumMod val="90000"/>
-                </a:schemeClr>
-              </a:solidFill>
-            </a:endParaRPr>
-          </a:p>
-        </p:txBody>
-      </p:sp>
-      <p:sp>
-        <p:nvSpPr>
-          <p:cNvPr id="6" name="Rectangle: Rounded Corners 5">
-            <a:extLst>
-              <a:ext uri="{FF2B5EF4-FFF2-40B4-BE49-F238E27FC236}">
-                <a16:creationId xmlns:a16="http://schemas.microsoft.com/office/drawing/2014/main" id="{369F8ED0-AC96-4194-49CD-34A8968CE49F}"/>
-              </a:ext>
-            </a:extLst>
-          </p:cNvPr>
-          <p:cNvSpPr/>
-          <p:nvPr/>
-        </p:nvSpPr>
-        <p:spPr>
-          <a:xfrm>
-            <a:off x="814381" y="3212304"/>
-            <a:ext cx="1990719" cy="1562100"/>
-          </a:xfrm>
-          <a:prstGeom prst="roundRect">
-            <a:avLst/>
-          </a:prstGeom>
-        </p:spPr>
-        <p:style>
-          <a:lnRef idx="2">
-            <a:schemeClr val="accent1">
-              <a:shade val="15000"/>
-            </a:schemeClr>
-          </a:lnRef>
-          <a:fillRef idx="1">
-            <a:schemeClr val="accent1"/>
-          </a:fillRef>
-          <a:effectRef idx="0">
-            <a:schemeClr val="accent1"/>
-          </a:effectRef>
-          <a:fontRef idx="minor">
-            <a:schemeClr val="lt1"/>
-          </a:fontRef>
-        </p:style>
-        <p:txBody>
-          <a:bodyPr rtlCol="0" anchor="ctr"/>
-          <a:lstStyle/>
-          <a:p>
-            <a:pPr algn="ctr"/>
-            <a:r>
-              <a:rPr lang="en-IE" dirty="0" err="1"/>
-              <a:t>PatientEntity</a:t>
-            </a:r>
-            <a:endParaRPr lang="en-IE" dirty="0"/>
-          </a:p>
-          <a:p>
-            <a:pPr marL="285750" indent="-285750">
-              <a:buFont typeface="Arial" panose="020B0604020202020204" pitchFamily="34" charset="0"/>
-              <a:buChar char="•"/>
-            </a:pPr>
-            <a:r>
-              <a:rPr lang="en-IE" sz="1200" dirty="0"/>
-              <a:t>FirstName</a:t>
-            </a:r>
-          </a:p>
-          <a:p>
-            <a:pPr marL="285750" indent="-285750">
-              <a:buFont typeface="Arial" panose="020B0604020202020204" pitchFamily="34" charset="0"/>
-              <a:buChar char="•"/>
-            </a:pPr>
-            <a:r>
-              <a:rPr lang="en-IE" sz="1200" dirty="0" err="1"/>
-              <a:t>LastName</a:t>
-            </a:r>
-            <a:endParaRPr lang="en-IE" sz="1200" dirty="0"/>
-          </a:p>
-          <a:p>
-            <a:pPr marL="285750" indent="-285750">
-              <a:buFont typeface="Arial" panose="020B0604020202020204" pitchFamily="34" charset="0"/>
-              <a:buChar char="•"/>
-            </a:pPr>
-            <a:r>
-              <a:rPr lang="en-IE" sz="1200" dirty="0"/>
-              <a:t>Email</a:t>
-            </a:r>
-          </a:p>
-          <a:p>
-            <a:pPr marL="285750" indent="-285750">
-              <a:buFont typeface="Arial" panose="020B0604020202020204" pitchFamily="34" charset="0"/>
-              <a:buChar char="•"/>
-            </a:pPr>
-            <a:r>
-              <a:rPr lang="en-IE" sz="1200" dirty="0">
-                <a:solidFill>
-                  <a:schemeClr val="bg2">
-                    <a:lumMod val="90000"/>
-                  </a:schemeClr>
-                </a:solidFill>
-              </a:rPr>
-              <a:t>Id</a:t>
-            </a:r>
-          </a:p>
-          <a:p>
-            <a:pPr marL="285750" indent="-285750">
-              <a:buFont typeface="Arial" panose="020B0604020202020204" pitchFamily="34" charset="0"/>
-              <a:buChar char="•"/>
-            </a:pPr>
-            <a:r>
-              <a:rPr lang="en-IE" sz="1200" dirty="0" err="1">
-                <a:solidFill>
-                  <a:schemeClr val="bg2">
-                    <a:lumMod val="90000"/>
-                  </a:schemeClr>
-                </a:solidFill>
-              </a:rPr>
-              <a:t>CreatedTime</a:t>
-            </a:r>
-            <a:endParaRPr lang="en-IE" sz="1200" dirty="0">
-              <a:solidFill>
-                <a:schemeClr val="bg2">
-                  <a:lumMod val="90000"/>
-                </a:schemeClr>
-              </a:solidFill>
-            </a:endParaRPr>
-          </a:p>
-          <a:p>
-            <a:pPr marL="285750" indent="-285750">
-              <a:buFont typeface="Arial" panose="020B0604020202020204" pitchFamily="34" charset="0"/>
-              <a:buChar char="•"/>
-            </a:pPr>
-            <a:r>
-              <a:rPr lang="en-IE" sz="1200" dirty="0" err="1">
-                <a:solidFill>
-                  <a:schemeClr val="bg2">
-                    <a:lumMod val="90000"/>
-                  </a:schemeClr>
-                </a:solidFill>
-              </a:rPr>
-              <a:t>UpdatedTime</a:t>
-            </a:r>
-            <a:endParaRPr lang="en-IE" sz="1200" dirty="0">
-              <a:solidFill>
-                <a:schemeClr val="bg2">
-                  <a:lumMod val="90000"/>
-                </a:schemeClr>
-              </a:solidFill>
-            </a:endParaRPr>
-          </a:p>
-        </p:txBody>
-      </p:sp>
-      <p:sp>
-        <p:nvSpPr>
-          <p:cNvPr id="7" name="Rectangle: Rounded Corners 6">
-            <a:extLst>
-              <a:ext uri="{FF2B5EF4-FFF2-40B4-BE49-F238E27FC236}">
-                <a16:creationId xmlns:a16="http://schemas.microsoft.com/office/drawing/2014/main" id="{1F255DD4-9177-4977-92CD-558DDC497D04}"/>
-              </a:ext>
-            </a:extLst>
-          </p:cNvPr>
-          <p:cNvSpPr/>
-          <p:nvPr/>
-        </p:nvSpPr>
-        <p:spPr>
-          <a:xfrm>
-            <a:off x="8520112" y="3212304"/>
-            <a:ext cx="1733550" cy="1562100"/>
-          </a:xfrm>
-          <a:prstGeom prst="roundRect">
-            <a:avLst/>
-          </a:prstGeom>
-        </p:spPr>
-        <p:style>
-          <a:lnRef idx="2">
-            <a:schemeClr val="accent1">
-              <a:shade val="15000"/>
-            </a:schemeClr>
-          </a:lnRef>
-          <a:fillRef idx="1">
-            <a:schemeClr val="accent1"/>
-          </a:fillRef>
-          <a:effectRef idx="0">
-            <a:schemeClr val="accent1"/>
-          </a:effectRef>
-          <a:fontRef idx="minor">
-            <a:schemeClr val="lt1"/>
-          </a:fontRef>
-        </p:style>
-        <p:txBody>
-          <a:bodyPr rtlCol="0" anchor="ctr"/>
-          <a:lstStyle/>
-          <a:p>
-            <a:pPr algn="ctr"/>
-            <a:r>
-              <a:rPr lang="en-IE" dirty="0"/>
-              <a:t>Patient-Hospital-Relation</a:t>
-            </a:r>
-          </a:p>
-          <a:p>
-            <a:pPr marL="285750" indent="-285750">
-              <a:buFont typeface="Arial" panose="020B0604020202020204" pitchFamily="34" charset="0"/>
-              <a:buChar char="•"/>
-            </a:pPr>
-            <a:r>
-              <a:rPr lang="en-IE" sz="1200" dirty="0" err="1"/>
-              <a:t>PatientId</a:t>
-            </a:r>
-            <a:endParaRPr lang="en-IE" sz="1200" dirty="0"/>
-          </a:p>
-          <a:p>
-            <a:pPr marL="285750" indent="-285750">
-              <a:buFont typeface="Arial" panose="020B0604020202020204" pitchFamily="34" charset="0"/>
-              <a:buChar char="•"/>
-            </a:pPr>
-            <a:r>
-              <a:rPr lang="en-IE" sz="1200" dirty="0" err="1"/>
-              <a:t>HospitalId</a:t>
-            </a:r>
-            <a:endParaRPr lang="en-IE" sz="1200" dirty="0"/>
-          </a:p>
-          <a:p>
-            <a:pPr marL="285750" indent="-285750">
-              <a:buFont typeface="Arial" panose="020B0604020202020204" pitchFamily="34" charset="0"/>
-              <a:buChar char="•"/>
-            </a:pPr>
-            <a:r>
-              <a:rPr lang="en-IE" sz="1200" dirty="0" err="1"/>
-              <a:t>VisitId</a:t>
-            </a:r>
-            <a:endParaRPr lang="en-IE" sz="1200" dirty="0">
-              <a:solidFill>
-                <a:schemeClr val="bg2">
-                  <a:lumMod val="90000"/>
-                </a:schemeClr>
-              </a:solidFill>
-            </a:endParaRPr>
-          </a:p>
-        </p:txBody>
-      </p:sp>
-      <p:sp>
-        <p:nvSpPr>
-          <p:cNvPr id="8" name="Rectangle: Rounded Corners 7">
-            <a:extLst>
-              <a:ext uri="{FF2B5EF4-FFF2-40B4-BE49-F238E27FC236}">
-                <a16:creationId xmlns:a16="http://schemas.microsoft.com/office/drawing/2014/main" id="{552F388B-E0E6-3D27-373C-5ECC8D0F7D78}"/>
-              </a:ext>
-            </a:extLst>
-          </p:cNvPr>
-          <p:cNvSpPr/>
-          <p:nvPr/>
-        </p:nvSpPr>
-        <p:spPr>
-          <a:xfrm>
-            <a:off x="814381" y="5221841"/>
-            <a:ext cx="1990725" cy="1325563"/>
-          </a:xfrm>
-          <a:prstGeom prst="roundRect">
-            <a:avLst/>
-          </a:prstGeom>
-        </p:spPr>
-        <p:style>
-          <a:lnRef idx="2">
-            <a:schemeClr val="accent1">
-              <a:shade val="15000"/>
-            </a:schemeClr>
-          </a:lnRef>
-          <a:fillRef idx="1">
-            <a:schemeClr val="accent1"/>
-          </a:fillRef>
-          <a:effectRef idx="0">
-            <a:schemeClr val="accent1"/>
-          </a:effectRef>
-          <a:fontRef idx="minor">
-            <a:schemeClr val="lt1"/>
-          </a:fontRef>
-        </p:style>
-        <p:txBody>
-          <a:bodyPr rtlCol="0" anchor="ctr"/>
-          <a:lstStyle/>
-          <a:p>
-            <a:pPr algn="ctr"/>
-            <a:r>
-              <a:rPr lang="en-IE" dirty="0" err="1"/>
-              <a:t>VisitEntity</a:t>
-            </a:r>
-            <a:endParaRPr lang="en-IE" dirty="0"/>
-          </a:p>
-          <a:p>
-            <a:pPr marL="285750" indent="-285750">
-              <a:buFont typeface="Arial" panose="020B0604020202020204" pitchFamily="34" charset="0"/>
-              <a:buChar char="•"/>
-            </a:pPr>
-            <a:r>
-              <a:rPr lang="en-IE" sz="1200" dirty="0"/>
-              <a:t>Date</a:t>
-            </a:r>
-          </a:p>
-          <a:p>
-            <a:pPr marL="285750" indent="-285750">
-              <a:buFont typeface="Arial" panose="020B0604020202020204" pitchFamily="34" charset="0"/>
-              <a:buChar char="•"/>
-            </a:pPr>
-            <a:r>
-              <a:rPr lang="en-IE" sz="1200" dirty="0">
-                <a:solidFill>
-                  <a:schemeClr val="bg2">
-                    <a:lumMod val="90000"/>
-                  </a:schemeClr>
-                </a:solidFill>
-              </a:rPr>
-              <a:t>Id</a:t>
-            </a:r>
-          </a:p>
-          <a:p>
-            <a:pPr marL="285750" indent="-285750">
-              <a:buFont typeface="Arial" panose="020B0604020202020204" pitchFamily="34" charset="0"/>
-              <a:buChar char="•"/>
-            </a:pPr>
-            <a:r>
-              <a:rPr lang="en-IE" sz="1200" dirty="0" err="1">
-                <a:solidFill>
-                  <a:schemeClr val="bg2">
-                    <a:lumMod val="90000"/>
-                  </a:schemeClr>
-                </a:solidFill>
-              </a:rPr>
-              <a:t>CreatedTime</a:t>
-            </a:r>
-            <a:endParaRPr lang="en-IE" sz="1200" dirty="0">
-              <a:solidFill>
-                <a:schemeClr val="bg2">
-                  <a:lumMod val="90000"/>
-                </a:schemeClr>
-              </a:solidFill>
-            </a:endParaRPr>
-          </a:p>
-          <a:p>
-            <a:pPr marL="285750" indent="-285750">
-              <a:buFont typeface="Arial" panose="020B0604020202020204" pitchFamily="34" charset="0"/>
-              <a:buChar char="•"/>
-            </a:pPr>
-            <a:r>
-              <a:rPr lang="en-IE" sz="1200" dirty="0" err="1">
-                <a:solidFill>
-                  <a:schemeClr val="bg2">
-                    <a:lumMod val="90000"/>
-                  </a:schemeClr>
-                </a:solidFill>
-              </a:rPr>
-              <a:t>UpdatedTime</a:t>
-            </a:r>
-            <a:endParaRPr lang="en-IE" sz="1200" dirty="0">
-              <a:solidFill>
-                <a:schemeClr val="bg2">
-                  <a:lumMod val="90000"/>
-                </a:schemeClr>
-              </a:solidFill>
-            </a:endParaRPr>
-          </a:p>
-        </p:txBody>
-      </p:sp>
-      <p:cxnSp>
-        <p:nvCxnSpPr>
-          <p:cNvPr id="10" name="Connector: Elbow 9">
-            <a:extLst>
-              <a:ext uri="{FF2B5EF4-FFF2-40B4-BE49-F238E27FC236}">
-                <a16:creationId xmlns:a16="http://schemas.microsoft.com/office/drawing/2014/main" id="{2F01383A-B8FE-5211-FC10-BBA2941F0BEC}"/>
-              </a:ext>
-            </a:extLst>
-          </p:cNvPr>
-          <p:cNvCxnSpPr>
-            <a:cxnSpLocks/>
-            <a:stCxn id="20" idx="3"/>
-            <a:endCxn id="12" idx="2"/>
-          </p:cNvCxnSpPr>
-          <p:nvPr/>
-        </p:nvCxnSpPr>
-        <p:spPr>
-          <a:xfrm flipV="1">
-            <a:off x="4295776" y="5426307"/>
-            <a:ext cx="5091112" cy="458315"/>
-          </a:xfrm>
-          <a:prstGeom prst="bentConnector2">
-            <a:avLst/>
-          </a:prstGeom>
-        </p:spPr>
-        <p:style>
-          <a:lnRef idx="2">
-            <a:schemeClr val="accent1"/>
-          </a:lnRef>
-          <a:fillRef idx="0">
-            <a:schemeClr val="accent1"/>
-          </a:fillRef>
-          <a:effectRef idx="1">
-            <a:schemeClr val="accent1"/>
-          </a:effectRef>
-          <a:fontRef idx="minor">
-            <a:schemeClr val="tx1"/>
-          </a:fontRef>
-        </p:style>
-      </p:cxnSp>
-      <p:sp>
-        <p:nvSpPr>
-          <p:cNvPr id="12" name="TextBox 11">
-            <a:extLst>
-              <a:ext uri="{FF2B5EF4-FFF2-40B4-BE49-F238E27FC236}">
-                <a16:creationId xmlns:a16="http://schemas.microsoft.com/office/drawing/2014/main" id="{95C0B973-4653-28ED-9DAF-AB5E082EFB9C}"/>
-              </a:ext>
-            </a:extLst>
-          </p:cNvPr>
-          <p:cNvSpPr txBox="1"/>
-          <p:nvPr/>
-        </p:nvSpPr>
-        <p:spPr>
-          <a:xfrm>
-            <a:off x="8162925" y="5056975"/>
-            <a:ext cx="2447925" cy="369332"/>
-          </a:xfrm>
-          <a:prstGeom prst="rect">
-            <a:avLst/>
-          </a:prstGeom>
-          <a:noFill/>
-        </p:spPr>
-        <p:txBody>
-          <a:bodyPr wrap="square" rtlCol="0">
-            <a:spAutoFit/>
-          </a:bodyPr>
-          <a:lstStyle/>
-          <a:p>
-            <a:pPr algn="ctr"/>
-            <a:r>
-              <a:rPr lang="en-IE" dirty="0"/>
-              <a:t>0-m </a:t>
-            </a:r>
-            <a:r>
-              <a:rPr lang="en-IE" dirty="0" err="1"/>
-              <a:t>PatientHospitals</a:t>
-            </a:r>
-            <a:endParaRPr lang="en-IE" dirty="0"/>
-          </a:p>
-        </p:txBody>
-      </p:sp>
-      <p:cxnSp>
-        <p:nvCxnSpPr>
-          <p:cNvPr id="16" name="Connector: Elbow 15">
-            <a:extLst>
-              <a:ext uri="{FF2B5EF4-FFF2-40B4-BE49-F238E27FC236}">
-                <a16:creationId xmlns:a16="http://schemas.microsoft.com/office/drawing/2014/main" id="{66255D2D-D7A8-42FD-0AAE-88BEE15B4F2B}"/>
-              </a:ext>
-            </a:extLst>
-          </p:cNvPr>
-          <p:cNvCxnSpPr>
-            <a:cxnSpLocks/>
-            <a:stCxn id="12" idx="0"/>
-            <a:endCxn id="7" idx="2"/>
-          </p:cNvCxnSpPr>
-          <p:nvPr/>
-        </p:nvCxnSpPr>
-        <p:spPr>
-          <a:xfrm rot="16200000" flipV="1">
-            <a:off x="9245603" y="4915689"/>
-            <a:ext cx="282571" cy="1"/>
-          </a:xfrm>
-          <a:prstGeom prst="bentConnector3">
-            <a:avLst>
-              <a:gd name="adj1" fmla="val 50000"/>
-            </a:avLst>
-          </a:prstGeom>
-        </p:spPr>
-        <p:style>
-          <a:lnRef idx="2">
-            <a:schemeClr val="accent1"/>
-          </a:lnRef>
-          <a:fillRef idx="0">
-            <a:schemeClr val="accent1"/>
-          </a:fillRef>
-          <a:effectRef idx="1">
-            <a:schemeClr val="accent1"/>
-          </a:effectRef>
-          <a:fontRef idx="minor">
-            <a:schemeClr val="tx1"/>
-          </a:fontRef>
-        </p:style>
-      </p:cxnSp>
-      <p:sp>
-        <p:nvSpPr>
-          <p:cNvPr id="20" name="TextBox 19">
-            <a:extLst>
-              <a:ext uri="{FF2B5EF4-FFF2-40B4-BE49-F238E27FC236}">
-                <a16:creationId xmlns:a16="http://schemas.microsoft.com/office/drawing/2014/main" id="{8D714C47-BA46-0F7B-3BC6-CA425778D1E9}"/>
-              </a:ext>
-            </a:extLst>
-          </p:cNvPr>
-          <p:cNvSpPr txBox="1"/>
-          <p:nvPr/>
-        </p:nvSpPr>
-        <p:spPr>
-          <a:xfrm>
-            <a:off x="3305176" y="5699956"/>
-            <a:ext cx="990600" cy="369332"/>
-          </a:xfrm>
-          <a:prstGeom prst="rect">
-            <a:avLst/>
-          </a:prstGeom>
-          <a:noFill/>
-        </p:spPr>
-        <p:txBody>
-          <a:bodyPr wrap="square" rtlCol="0">
-            <a:spAutoFit/>
-          </a:bodyPr>
-          <a:lstStyle/>
-          <a:p>
-            <a:pPr algn="ctr"/>
-            <a:r>
-              <a:rPr lang="en-IE" dirty="0"/>
-              <a:t>0-1 Visit</a:t>
-            </a:r>
-          </a:p>
-        </p:txBody>
-      </p:sp>
-      <p:cxnSp>
-        <p:nvCxnSpPr>
-          <p:cNvPr id="22" name="Connector: Elbow 21">
-            <a:extLst>
-              <a:ext uri="{FF2B5EF4-FFF2-40B4-BE49-F238E27FC236}">
-                <a16:creationId xmlns:a16="http://schemas.microsoft.com/office/drawing/2014/main" id="{88EA9101-31DE-6006-450E-D4D1CA974377}"/>
-              </a:ext>
-            </a:extLst>
-          </p:cNvPr>
-          <p:cNvCxnSpPr>
-            <a:cxnSpLocks/>
-            <a:stCxn id="8" idx="3"/>
-            <a:endCxn id="20" idx="1"/>
-          </p:cNvCxnSpPr>
-          <p:nvPr/>
-        </p:nvCxnSpPr>
-        <p:spPr>
-          <a:xfrm flipV="1">
-            <a:off x="2805106" y="5884622"/>
-            <a:ext cx="500070" cy="1"/>
-          </a:xfrm>
-          <a:prstGeom prst="bentConnector3">
-            <a:avLst>
-              <a:gd name="adj1" fmla="val 50000"/>
-            </a:avLst>
-          </a:prstGeom>
-        </p:spPr>
-        <p:style>
-          <a:lnRef idx="2">
-            <a:schemeClr val="accent1"/>
-          </a:lnRef>
-          <a:fillRef idx="0">
-            <a:schemeClr val="accent1"/>
-          </a:fillRef>
-          <a:effectRef idx="1">
-            <a:schemeClr val="accent1"/>
-          </a:effectRef>
-          <a:fontRef idx="minor">
-            <a:schemeClr val="tx1"/>
-          </a:fontRef>
-        </p:style>
-      </p:cxnSp>
-      <p:cxnSp>
-        <p:nvCxnSpPr>
-          <p:cNvPr id="34" name="Connector: Elbow 33">
-            <a:extLst>
-              <a:ext uri="{FF2B5EF4-FFF2-40B4-BE49-F238E27FC236}">
-                <a16:creationId xmlns:a16="http://schemas.microsoft.com/office/drawing/2014/main" id="{EF4188C1-1DD4-6A82-70ED-30ADB5F213F8}"/>
-              </a:ext>
-            </a:extLst>
-          </p:cNvPr>
-          <p:cNvCxnSpPr>
-            <a:cxnSpLocks/>
-            <a:stCxn id="37" idx="3"/>
-            <a:endCxn id="35" idx="0"/>
-          </p:cNvCxnSpPr>
-          <p:nvPr/>
-        </p:nvCxnSpPr>
-        <p:spPr>
-          <a:xfrm>
-            <a:off x="5000626" y="2244686"/>
-            <a:ext cx="4386262" cy="320159"/>
-          </a:xfrm>
-          <a:prstGeom prst="bentConnector2">
-            <a:avLst/>
-          </a:prstGeom>
-        </p:spPr>
-        <p:style>
-          <a:lnRef idx="2">
-            <a:schemeClr val="accent1"/>
-          </a:lnRef>
-          <a:fillRef idx="0">
-            <a:schemeClr val="accent1"/>
-          </a:fillRef>
-          <a:effectRef idx="1">
-            <a:schemeClr val="accent1"/>
-          </a:effectRef>
-          <a:fontRef idx="minor">
-            <a:schemeClr val="tx1"/>
-          </a:fontRef>
-        </p:style>
-      </p:cxnSp>
-      <p:sp>
-        <p:nvSpPr>
-          <p:cNvPr id="35" name="TextBox 34">
-            <a:extLst>
-              <a:ext uri="{FF2B5EF4-FFF2-40B4-BE49-F238E27FC236}">
-                <a16:creationId xmlns:a16="http://schemas.microsoft.com/office/drawing/2014/main" id="{8BD6B960-E9A9-D3E2-76B8-E20F26A2B550}"/>
-              </a:ext>
-            </a:extLst>
-          </p:cNvPr>
-          <p:cNvSpPr txBox="1"/>
-          <p:nvPr/>
-        </p:nvSpPr>
-        <p:spPr>
-          <a:xfrm>
-            <a:off x="8162925" y="2564845"/>
-            <a:ext cx="2447925" cy="369332"/>
-          </a:xfrm>
-          <a:prstGeom prst="rect">
-            <a:avLst/>
-          </a:prstGeom>
-          <a:noFill/>
-        </p:spPr>
-        <p:txBody>
-          <a:bodyPr wrap="square" rtlCol="0">
-            <a:spAutoFit/>
-          </a:bodyPr>
-          <a:lstStyle/>
-          <a:p>
-            <a:pPr algn="ctr"/>
-            <a:r>
-              <a:rPr lang="en-IE" dirty="0"/>
-              <a:t>0-m </a:t>
-            </a:r>
-            <a:r>
-              <a:rPr lang="en-IE" dirty="0" err="1"/>
-              <a:t>PatientHospitals</a:t>
-            </a:r>
-            <a:endParaRPr lang="en-IE" dirty="0"/>
-          </a:p>
-        </p:txBody>
-      </p:sp>
-      <p:cxnSp>
-        <p:nvCxnSpPr>
-          <p:cNvPr id="36" name="Connector: Elbow 35">
-            <a:extLst>
-              <a:ext uri="{FF2B5EF4-FFF2-40B4-BE49-F238E27FC236}">
-                <a16:creationId xmlns:a16="http://schemas.microsoft.com/office/drawing/2014/main" id="{C5A876CA-75E9-3E22-25BE-E1E60C3DD094}"/>
-              </a:ext>
-            </a:extLst>
-          </p:cNvPr>
-          <p:cNvCxnSpPr>
-            <a:cxnSpLocks/>
-            <a:stCxn id="35" idx="2"/>
-            <a:endCxn id="7" idx="0"/>
-          </p:cNvCxnSpPr>
-          <p:nvPr/>
-        </p:nvCxnSpPr>
-        <p:spPr>
-          <a:xfrm rot="5400000">
-            <a:off x="9247825" y="3073240"/>
-            <a:ext cx="278127" cy="1"/>
-          </a:xfrm>
-          <a:prstGeom prst="bentConnector3">
-            <a:avLst>
-              <a:gd name="adj1" fmla="val 50000"/>
-            </a:avLst>
-          </a:prstGeom>
-        </p:spPr>
-        <p:style>
-          <a:lnRef idx="2">
-            <a:schemeClr val="accent1"/>
-          </a:lnRef>
-          <a:fillRef idx="0">
-            <a:schemeClr val="accent1"/>
-          </a:fillRef>
-          <a:effectRef idx="1">
-            <a:schemeClr val="accent1"/>
-          </a:effectRef>
-          <a:fontRef idx="minor">
-            <a:schemeClr val="tx1"/>
-          </a:fontRef>
-        </p:style>
-      </p:cxnSp>
-      <p:sp>
-        <p:nvSpPr>
-          <p:cNvPr id="37" name="TextBox 36">
-            <a:extLst>
-              <a:ext uri="{FF2B5EF4-FFF2-40B4-BE49-F238E27FC236}">
-                <a16:creationId xmlns:a16="http://schemas.microsoft.com/office/drawing/2014/main" id="{219A2DBF-141C-847F-2255-92B7C0A4AB72}"/>
-              </a:ext>
-            </a:extLst>
-          </p:cNvPr>
-          <p:cNvSpPr txBox="1"/>
-          <p:nvPr/>
-        </p:nvSpPr>
-        <p:spPr>
-          <a:xfrm>
-            <a:off x="3305176" y="2060020"/>
-            <a:ext cx="1695450" cy="369332"/>
-          </a:xfrm>
-          <a:prstGeom prst="rect">
-            <a:avLst/>
-          </a:prstGeom>
-          <a:noFill/>
-        </p:spPr>
-        <p:txBody>
-          <a:bodyPr wrap="square" rtlCol="0">
-            <a:spAutoFit/>
-          </a:bodyPr>
-          <a:lstStyle/>
-          <a:p>
-            <a:pPr algn="ctr"/>
-            <a:r>
-              <a:rPr lang="en-IE" dirty="0"/>
-              <a:t>0-1 Hospital</a:t>
-            </a:r>
-          </a:p>
-        </p:txBody>
-      </p:sp>
-      <p:cxnSp>
-        <p:nvCxnSpPr>
-          <p:cNvPr id="38" name="Connector: Elbow 37">
-            <a:extLst>
-              <a:ext uri="{FF2B5EF4-FFF2-40B4-BE49-F238E27FC236}">
-                <a16:creationId xmlns:a16="http://schemas.microsoft.com/office/drawing/2014/main" id="{DB48FA01-91D6-1354-CB34-CDAB5F3F56E0}"/>
-              </a:ext>
-            </a:extLst>
-          </p:cNvPr>
-          <p:cNvCxnSpPr>
-            <a:cxnSpLocks/>
-            <a:stCxn id="4" idx="3"/>
-            <a:endCxn id="37" idx="1"/>
-          </p:cNvCxnSpPr>
-          <p:nvPr/>
-        </p:nvCxnSpPr>
-        <p:spPr>
-          <a:xfrm>
-            <a:off x="2805113" y="2242344"/>
-            <a:ext cx="500063" cy="2342"/>
-          </a:xfrm>
-          <a:prstGeom prst="bentConnector3">
-            <a:avLst>
-              <a:gd name="adj1" fmla="val 50000"/>
-            </a:avLst>
-          </a:prstGeom>
-        </p:spPr>
-        <p:style>
-          <a:lnRef idx="2">
-            <a:schemeClr val="accent1"/>
-          </a:lnRef>
-          <a:fillRef idx="0">
-            <a:schemeClr val="accent1"/>
-          </a:fillRef>
-          <a:effectRef idx="1">
-            <a:schemeClr val="accent1"/>
-          </a:effectRef>
-          <a:fontRef idx="minor">
-            <a:schemeClr val="tx1"/>
-          </a:fontRef>
-        </p:style>
-      </p:cxnSp>
-      <p:cxnSp>
-        <p:nvCxnSpPr>
-          <p:cNvPr id="52" name="Connector: Elbow 51">
-            <a:extLst>
-              <a:ext uri="{FF2B5EF4-FFF2-40B4-BE49-F238E27FC236}">
-                <a16:creationId xmlns:a16="http://schemas.microsoft.com/office/drawing/2014/main" id="{7F13C119-DD0D-0190-CC49-F8040D43DA2E}"/>
-              </a:ext>
-            </a:extLst>
-          </p:cNvPr>
-          <p:cNvCxnSpPr>
-            <a:cxnSpLocks/>
-            <a:stCxn id="54" idx="3"/>
-            <a:endCxn id="53" idx="1"/>
-          </p:cNvCxnSpPr>
-          <p:nvPr/>
-        </p:nvCxnSpPr>
-        <p:spPr>
-          <a:xfrm>
-            <a:off x="5000626" y="3993354"/>
-            <a:ext cx="371473" cy="12700"/>
-          </a:xfrm>
-          <a:prstGeom prst="bentConnector3">
-            <a:avLst>
-              <a:gd name="adj1" fmla="val 50000"/>
-            </a:avLst>
-          </a:prstGeom>
-        </p:spPr>
-        <p:style>
-          <a:lnRef idx="2">
-            <a:schemeClr val="accent1"/>
-          </a:lnRef>
-          <a:fillRef idx="0">
-            <a:schemeClr val="accent1"/>
-          </a:fillRef>
-          <a:effectRef idx="1">
-            <a:schemeClr val="accent1"/>
-          </a:effectRef>
-          <a:fontRef idx="minor">
-            <a:schemeClr val="tx1"/>
-          </a:fontRef>
-        </p:style>
-      </p:cxnSp>
-      <p:sp>
-        <p:nvSpPr>
-          <p:cNvPr id="53" name="TextBox 52">
-            <a:extLst>
-              <a:ext uri="{FF2B5EF4-FFF2-40B4-BE49-F238E27FC236}">
-                <a16:creationId xmlns:a16="http://schemas.microsoft.com/office/drawing/2014/main" id="{3E832F8C-953C-F445-C7C7-7C9A57A0B6D5}"/>
-              </a:ext>
-            </a:extLst>
-          </p:cNvPr>
-          <p:cNvSpPr txBox="1"/>
-          <p:nvPr/>
-        </p:nvSpPr>
-        <p:spPr>
-          <a:xfrm>
-            <a:off x="5372099" y="3808688"/>
-            <a:ext cx="2447925" cy="369332"/>
-          </a:xfrm>
-          <a:prstGeom prst="rect">
-            <a:avLst/>
-          </a:prstGeom>
-          <a:noFill/>
-        </p:spPr>
-        <p:txBody>
-          <a:bodyPr wrap="square" rtlCol="0">
-            <a:spAutoFit/>
-          </a:bodyPr>
-          <a:lstStyle/>
-          <a:p>
-            <a:pPr algn="ctr"/>
-            <a:r>
-              <a:rPr lang="en-IE" dirty="0"/>
-              <a:t>0-m </a:t>
-            </a:r>
-            <a:r>
-              <a:rPr lang="en-IE" dirty="0" err="1"/>
-              <a:t>PatientHospitals</a:t>
-            </a:r>
-            <a:endParaRPr lang="en-IE" dirty="0"/>
-          </a:p>
-        </p:txBody>
-      </p:sp>
-      <p:sp>
-        <p:nvSpPr>
-          <p:cNvPr id="54" name="TextBox 53">
-            <a:extLst>
-              <a:ext uri="{FF2B5EF4-FFF2-40B4-BE49-F238E27FC236}">
-                <a16:creationId xmlns:a16="http://schemas.microsoft.com/office/drawing/2014/main" id="{B958BE05-C50F-5088-DEBA-C5084021E71B}"/>
-              </a:ext>
-            </a:extLst>
-          </p:cNvPr>
-          <p:cNvSpPr txBox="1"/>
-          <p:nvPr/>
-        </p:nvSpPr>
-        <p:spPr>
-          <a:xfrm>
-            <a:off x="3305176" y="3808688"/>
-            <a:ext cx="1695450" cy="369332"/>
-          </a:xfrm>
-          <a:prstGeom prst="rect">
-            <a:avLst/>
-          </a:prstGeom>
-          <a:noFill/>
-        </p:spPr>
-        <p:txBody>
-          <a:bodyPr wrap="square" rtlCol="0">
-            <a:spAutoFit/>
-          </a:bodyPr>
-          <a:lstStyle/>
-          <a:p>
-            <a:pPr algn="ctr"/>
-            <a:r>
-              <a:rPr lang="en-IE" dirty="0"/>
-              <a:t>0-1 Patient</a:t>
-            </a:r>
-          </a:p>
-        </p:txBody>
-      </p:sp>
-      <p:cxnSp>
-        <p:nvCxnSpPr>
-          <p:cNvPr id="55" name="Connector: Elbow 54">
-            <a:extLst>
-              <a:ext uri="{FF2B5EF4-FFF2-40B4-BE49-F238E27FC236}">
-                <a16:creationId xmlns:a16="http://schemas.microsoft.com/office/drawing/2014/main" id="{CCA17C81-28CC-E73C-CB10-1CC2BFC74984}"/>
-              </a:ext>
-            </a:extLst>
-          </p:cNvPr>
-          <p:cNvCxnSpPr>
-            <a:cxnSpLocks/>
-            <a:stCxn id="6" idx="3"/>
-            <a:endCxn id="54" idx="1"/>
-          </p:cNvCxnSpPr>
-          <p:nvPr/>
-        </p:nvCxnSpPr>
-        <p:spPr>
-          <a:xfrm>
-            <a:off x="2805100" y="3993354"/>
-            <a:ext cx="500076" cy="12700"/>
-          </a:xfrm>
-          <a:prstGeom prst="bentConnector3">
-            <a:avLst>
-              <a:gd name="adj1" fmla="val 50000"/>
-            </a:avLst>
-          </a:prstGeom>
-        </p:spPr>
-        <p:style>
-          <a:lnRef idx="2">
-            <a:schemeClr val="accent1"/>
-          </a:lnRef>
-          <a:fillRef idx="0">
-            <a:schemeClr val="accent1"/>
-          </a:fillRef>
-          <a:effectRef idx="1">
-            <a:schemeClr val="accent1"/>
-          </a:effectRef>
-          <a:fontRef idx="minor">
-            <a:schemeClr val="tx1"/>
-          </a:fontRef>
-        </p:style>
-      </p:cxnSp>
-      <p:cxnSp>
-        <p:nvCxnSpPr>
-          <p:cNvPr id="67" name="Connector: Elbow 66">
-            <a:extLst>
-              <a:ext uri="{FF2B5EF4-FFF2-40B4-BE49-F238E27FC236}">
-                <a16:creationId xmlns:a16="http://schemas.microsoft.com/office/drawing/2014/main" id="{1BA60E4F-F9A8-2BB2-F943-212EA5FD4F41}"/>
-              </a:ext>
-            </a:extLst>
-          </p:cNvPr>
-          <p:cNvCxnSpPr>
-            <a:cxnSpLocks/>
-            <a:stCxn id="53" idx="3"/>
-            <a:endCxn id="7" idx="1"/>
-          </p:cNvCxnSpPr>
-          <p:nvPr/>
-        </p:nvCxnSpPr>
-        <p:spPr>
-          <a:xfrm>
-            <a:off x="7820024" y="3993354"/>
-            <a:ext cx="700088" cy="12700"/>
-          </a:xfrm>
-          <a:prstGeom prst="bentConnector3">
-            <a:avLst>
-              <a:gd name="adj1" fmla="val 50000"/>
-            </a:avLst>
-          </a:prstGeom>
-        </p:spPr>
-        <p:style>
-          <a:lnRef idx="2">
-            <a:schemeClr val="accent1"/>
-          </a:lnRef>
-          <a:fillRef idx="0">
-            <a:schemeClr val="accent1"/>
-          </a:fillRef>
-          <a:effectRef idx="1">
-            <a:schemeClr val="accent1"/>
-          </a:effectRef>
-          <a:fontRef idx="minor">
-            <a:schemeClr val="tx1"/>
-          </a:fontRef>
-        </p:style>
-      </p:cxnSp>
-      <p:sp>
-        <p:nvSpPr>
-          <p:cNvPr id="3" name="TextBox 2">
-            <a:extLst>
-              <a:ext uri="{FF2B5EF4-FFF2-40B4-BE49-F238E27FC236}">
-                <a16:creationId xmlns:a16="http://schemas.microsoft.com/office/drawing/2014/main" id="{B16392A7-DA5B-1335-742E-607CC45972D3}"/>
-              </a:ext>
-            </a:extLst>
-          </p:cNvPr>
-          <p:cNvSpPr txBox="1"/>
-          <p:nvPr/>
-        </p:nvSpPr>
-        <p:spPr>
-          <a:xfrm>
-            <a:off x="8978743" y="5426307"/>
-            <a:ext cx="406532" cy="1015663"/>
-          </a:xfrm>
-          <a:prstGeom prst="rect">
-            <a:avLst/>
-          </a:prstGeom>
-          <a:noFill/>
-        </p:spPr>
-        <p:txBody>
-          <a:bodyPr wrap="square" rtlCol="0">
-            <a:spAutoFit/>
-          </a:bodyPr>
-          <a:lstStyle/>
-          <a:p>
-            <a:pPr algn="ctr"/>
-            <a:r>
-              <a:rPr lang="en-IE" sz="6000" b="1" dirty="0">
-                <a:solidFill>
-                  <a:srgbClr val="FF0000"/>
-                </a:solidFill>
-              </a:rPr>
-              <a:t>?</a:t>
-            </a:r>
+            <a:endParaRPr lang="en-IE"/>
           </a:p>
         </p:txBody>
       </p:sp>
     </p:spTree>
     <p:extLst>
       <p:ext uri="{BB962C8B-B14F-4D97-AF65-F5344CB8AC3E}">
-        <p14:creationId xmlns:p14="http://schemas.microsoft.com/office/powerpoint/2010/main" val="740588212"/>
+        <p14:creationId xmlns:p14="http://schemas.microsoft.com/office/powerpoint/2010/main" val="3208589365"/>
       </p:ext>
     </p:extLst>
   </p:cSld>
@@ -5256,6 +4366,1708 @@
           <p:cNvPr id="2" name="Title 1">
             <a:extLst>
               <a:ext uri="{FF2B5EF4-FFF2-40B4-BE49-F238E27FC236}">
+                <a16:creationId xmlns:a16="http://schemas.microsoft.com/office/drawing/2014/main" id="{A7F6DC96-ED08-E576-E4DC-38FD8F5CD092}"/>
+              </a:ext>
+            </a:extLst>
+          </p:cNvPr>
+          <p:cNvSpPr>
+            <a:spLocks noGrp="1"/>
+          </p:cNvSpPr>
+          <p:nvPr>
+            <p:ph type="title"/>
+          </p:nvPr>
+        </p:nvSpPr>
+        <p:spPr/>
+        <p:txBody>
+          <a:bodyPr/>
+          <a:lstStyle/>
+          <a:p>
+            <a:r>
+              <a:rPr lang="en-IE" dirty="0"/>
+              <a:t>Entity Relationship Diagram</a:t>
+            </a:r>
+          </a:p>
+        </p:txBody>
+      </p:sp>
+      <p:sp>
+        <p:nvSpPr>
+          <p:cNvPr id="4" name="Rectangle: Rounded Corners 3">
+            <a:extLst>
+              <a:ext uri="{FF2B5EF4-FFF2-40B4-BE49-F238E27FC236}">
+                <a16:creationId xmlns:a16="http://schemas.microsoft.com/office/drawing/2014/main" id="{0613AAF9-A20D-CA39-267F-ED906A0AE405}"/>
+              </a:ext>
+            </a:extLst>
+          </p:cNvPr>
+          <p:cNvSpPr/>
+          <p:nvPr/>
+        </p:nvSpPr>
+        <p:spPr>
+          <a:xfrm>
+            <a:off x="814388" y="1579562"/>
+            <a:ext cx="1990725" cy="1325563"/>
+          </a:xfrm>
+          <a:prstGeom prst="roundRect">
+            <a:avLst/>
+          </a:prstGeom>
+        </p:spPr>
+        <p:style>
+          <a:lnRef idx="2">
+            <a:schemeClr val="accent1">
+              <a:shade val="15000"/>
+            </a:schemeClr>
+          </a:lnRef>
+          <a:fillRef idx="1">
+            <a:schemeClr val="accent1"/>
+          </a:fillRef>
+          <a:effectRef idx="0">
+            <a:schemeClr val="accent1"/>
+          </a:effectRef>
+          <a:fontRef idx="minor">
+            <a:schemeClr val="lt1"/>
+          </a:fontRef>
+        </p:style>
+        <p:txBody>
+          <a:bodyPr rtlCol="0" anchor="ctr"/>
+          <a:lstStyle/>
+          <a:p>
+            <a:pPr algn="ctr"/>
+            <a:r>
+              <a:rPr lang="en-IE" dirty="0" err="1"/>
+              <a:t>HospitalEntity</a:t>
+            </a:r>
+            <a:endParaRPr lang="en-IE" dirty="0"/>
+          </a:p>
+          <a:p>
+            <a:pPr marL="285750" indent="-285750">
+              <a:buFont typeface="Arial" panose="020B0604020202020204" pitchFamily="34" charset="0"/>
+              <a:buChar char="•"/>
+            </a:pPr>
+            <a:r>
+              <a:rPr lang="en-IE" sz="1200" dirty="0"/>
+              <a:t>Name</a:t>
+            </a:r>
+          </a:p>
+          <a:p>
+            <a:pPr marL="285750" indent="-285750">
+              <a:buFont typeface="Arial" panose="020B0604020202020204" pitchFamily="34" charset="0"/>
+              <a:buChar char="•"/>
+            </a:pPr>
+            <a:r>
+              <a:rPr lang="en-IE" sz="1200" dirty="0">
+                <a:solidFill>
+                  <a:schemeClr val="bg2">
+                    <a:lumMod val="90000"/>
+                  </a:schemeClr>
+                </a:solidFill>
+              </a:rPr>
+              <a:t>Id</a:t>
+            </a:r>
+          </a:p>
+          <a:p>
+            <a:pPr marL="285750" indent="-285750">
+              <a:buFont typeface="Arial" panose="020B0604020202020204" pitchFamily="34" charset="0"/>
+              <a:buChar char="•"/>
+            </a:pPr>
+            <a:r>
+              <a:rPr lang="en-IE" sz="1200" dirty="0" err="1">
+                <a:solidFill>
+                  <a:schemeClr val="bg2">
+                    <a:lumMod val="90000"/>
+                  </a:schemeClr>
+                </a:solidFill>
+              </a:rPr>
+              <a:t>CreatedTime</a:t>
+            </a:r>
+            <a:endParaRPr lang="en-IE" sz="1200" dirty="0">
+              <a:solidFill>
+                <a:schemeClr val="bg2">
+                  <a:lumMod val="90000"/>
+                </a:schemeClr>
+              </a:solidFill>
+            </a:endParaRPr>
+          </a:p>
+          <a:p>
+            <a:pPr marL="285750" indent="-285750">
+              <a:buFont typeface="Arial" panose="020B0604020202020204" pitchFamily="34" charset="0"/>
+              <a:buChar char="•"/>
+            </a:pPr>
+            <a:r>
+              <a:rPr lang="en-IE" sz="1200" dirty="0" err="1">
+                <a:solidFill>
+                  <a:schemeClr val="bg2">
+                    <a:lumMod val="90000"/>
+                  </a:schemeClr>
+                </a:solidFill>
+              </a:rPr>
+              <a:t>UpdatedTime</a:t>
+            </a:r>
+            <a:endParaRPr lang="en-IE" sz="1200" dirty="0">
+              <a:solidFill>
+                <a:schemeClr val="bg2">
+                  <a:lumMod val="90000"/>
+                </a:schemeClr>
+              </a:solidFill>
+            </a:endParaRPr>
+          </a:p>
+        </p:txBody>
+      </p:sp>
+      <p:sp>
+        <p:nvSpPr>
+          <p:cNvPr id="6" name="Rectangle: Rounded Corners 5">
+            <a:extLst>
+              <a:ext uri="{FF2B5EF4-FFF2-40B4-BE49-F238E27FC236}">
+                <a16:creationId xmlns:a16="http://schemas.microsoft.com/office/drawing/2014/main" id="{369F8ED0-AC96-4194-49CD-34A8968CE49F}"/>
+              </a:ext>
+            </a:extLst>
+          </p:cNvPr>
+          <p:cNvSpPr/>
+          <p:nvPr/>
+        </p:nvSpPr>
+        <p:spPr>
+          <a:xfrm>
+            <a:off x="814381" y="3212304"/>
+            <a:ext cx="1990719" cy="1562100"/>
+          </a:xfrm>
+          <a:prstGeom prst="roundRect">
+            <a:avLst/>
+          </a:prstGeom>
+        </p:spPr>
+        <p:style>
+          <a:lnRef idx="2">
+            <a:schemeClr val="accent1">
+              <a:shade val="15000"/>
+            </a:schemeClr>
+          </a:lnRef>
+          <a:fillRef idx="1">
+            <a:schemeClr val="accent1"/>
+          </a:fillRef>
+          <a:effectRef idx="0">
+            <a:schemeClr val="accent1"/>
+          </a:effectRef>
+          <a:fontRef idx="minor">
+            <a:schemeClr val="lt1"/>
+          </a:fontRef>
+        </p:style>
+        <p:txBody>
+          <a:bodyPr rtlCol="0" anchor="ctr"/>
+          <a:lstStyle/>
+          <a:p>
+            <a:pPr algn="ctr"/>
+            <a:r>
+              <a:rPr lang="en-IE" dirty="0" err="1"/>
+              <a:t>PatientEntity</a:t>
+            </a:r>
+            <a:endParaRPr lang="en-IE" dirty="0"/>
+          </a:p>
+          <a:p>
+            <a:pPr marL="285750" indent="-285750">
+              <a:buFont typeface="Arial" panose="020B0604020202020204" pitchFamily="34" charset="0"/>
+              <a:buChar char="•"/>
+            </a:pPr>
+            <a:r>
+              <a:rPr lang="en-IE" sz="1200" dirty="0"/>
+              <a:t>FirstName</a:t>
+            </a:r>
+          </a:p>
+          <a:p>
+            <a:pPr marL="285750" indent="-285750">
+              <a:buFont typeface="Arial" panose="020B0604020202020204" pitchFamily="34" charset="0"/>
+              <a:buChar char="•"/>
+            </a:pPr>
+            <a:r>
+              <a:rPr lang="en-IE" sz="1200" dirty="0" err="1"/>
+              <a:t>LastName</a:t>
+            </a:r>
+            <a:endParaRPr lang="en-IE" sz="1200" dirty="0"/>
+          </a:p>
+          <a:p>
+            <a:pPr marL="285750" indent="-285750">
+              <a:buFont typeface="Arial" panose="020B0604020202020204" pitchFamily="34" charset="0"/>
+              <a:buChar char="•"/>
+            </a:pPr>
+            <a:r>
+              <a:rPr lang="en-IE" sz="1200" dirty="0"/>
+              <a:t>Email</a:t>
+            </a:r>
+          </a:p>
+          <a:p>
+            <a:pPr marL="285750" indent="-285750">
+              <a:buFont typeface="Arial" panose="020B0604020202020204" pitchFamily="34" charset="0"/>
+              <a:buChar char="•"/>
+            </a:pPr>
+            <a:r>
+              <a:rPr lang="en-IE" sz="1200" dirty="0">
+                <a:solidFill>
+                  <a:schemeClr val="bg2">
+                    <a:lumMod val="90000"/>
+                  </a:schemeClr>
+                </a:solidFill>
+              </a:rPr>
+              <a:t>Id</a:t>
+            </a:r>
+          </a:p>
+          <a:p>
+            <a:pPr marL="285750" indent="-285750">
+              <a:buFont typeface="Arial" panose="020B0604020202020204" pitchFamily="34" charset="0"/>
+              <a:buChar char="•"/>
+            </a:pPr>
+            <a:r>
+              <a:rPr lang="en-IE" sz="1200" dirty="0" err="1">
+                <a:solidFill>
+                  <a:schemeClr val="bg2">
+                    <a:lumMod val="90000"/>
+                  </a:schemeClr>
+                </a:solidFill>
+              </a:rPr>
+              <a:t>CreatedTime</a:t>
+            </a:r>
+            <a:endParaRPr lang="en-IE" sz="1200" dirty="0">
+              <a:solidFill>
+                <a:schemeClr val="bg2">
+                  <a:lumMod val="90000"/>
+                </a:schemeClr>
+              </a:solidFill>
+            </a:endParaRPr>
+          </a:p>
+          <a:p>
+            <a:pPr marL="285750" indent="-285750">
+              <a:buFont typeface="Arial" panose="020B0604020202020204" pitchFamily="34" charset="0"/>
+              <a:buChar char="•"/>
+            </a:pPr>
+            <a:r>
+              <a:rPr lang="en-IE" sz="1200" dirty="0" err="1">
+                <a:solidFill>
+                  <a:schemeClr val="bg2">
+                    <a:lumMod val="90000"/>
+                  </a:schemeClr>
+                </a:solidFill>
+              </a:rPr>
+              <a:t>UpdatedTime</a:t>
+            </a:r>
+            <a:endParaRPr lang="en-IE" sz="1200" dirty="0">
+              <a:solidFill>
+                <a:schemeClr val="bg2">
+                  <a:lumMod val="90000"/>
+                </a:schemeClr>
+              </a:solidFill>
+            </a:endParaRPr>
+          </a:p>
+        </p:txBody>
+      </p:sp>
+      <p:sp>
+        <p:nvSpPr>
+          <p:cNvPr id="7" name="Rectangle: Rounded Corners 6">
+            <a:extLst>
+              <a:ext uri="{FF2B5EF4-FFF2-40B4-BE49-F238E27FC236}">
+                <a16:creationId xmlns:a16="http://schemas.microsoft.com/office/drawing/2014/main" id="{1F255DD4-9177-4977-92CD-558DDC497D04}"/>
+              </a:ext>
+            </a:extLst>
+          </p:cNvPr>
+          <p:cNvSpPr/>
+          <p:nvPr/>
+        </p:nvSpPr>
+        <p:spPr>
+          <a:xfrm>
+            <a:off x="8520112" y="3212304"/>
+            <a:ext cx="1733550" cy="1562100"/>
+          </a:xfrm>
+          <a:prstGeom prst="roundRect">
+            <a:avLst/>
+          </a:prstGeom>
+        </p:spPr>
+        <p:style>
+          <a:lnRef idx="2">
+            <a:schemeClr val="accent1">
+              <a:shade val="15000"/>
+            </a:schemeClr>
+          </a:lnRef>
+          <a:fillRef idx="1">
+            <a:schemeClr val="accent1"/>
+          </a:fillRef>
+          <a:effectRef idx="0">
+            <a:schemeClr val="accent1"/>
+          </a:effectRef>
+          <a:fontRef idx="minor">
+            <a:schemeClr val="lt1"/>
+          </a:fontRef>
+        </p:style>
+        <p:txBody>
+          <a:bodyPr rtlCol="0" anchor="ctr"/>
+          <a:lstStyle/>
+          <a:p>
+            <a:pPr algn="ctr"/>
+            <a:r>
+              <a:rPr lang="en-IE" dirty="0"/>
+              <a:t>Patient-Hospital-Relation</a:t>
+            </a:r>
+          </a:p>
+          <a:p>
+            <a:pPr marL="285750" indent="-285750">
+              <a:buFont typeface="Arial" panose="020B0604020202020204" pitchFamily="34" charset="0"/>
+              <a:buChar char="•"/>
+            </a:pPr>
+            <a:r>
+              <a:rPr lang="en-IE" sz="1200" dirty="0" err="1"/>
+              <a:t>PatientId</a:t>
+            </a:r>
+            <a:endParaRPr lang="en-IE" sz="1200" dirty="0"/>
+          </a:p>
+          <a:p>
+            <a:pPr marL="285750" indent="-285750">
+              <a:buFont typeface="Arial" panose="020B0604020202020204" pitchFamily="34" charset="0"/>
+              <a:buChar char="•"/>
+            </a:pPr>
+            <a:r>
+              <a:rPr lang="en-IE" sz="1200" dirty="0" err="1"/>
+              <a:t>HospitalId</a:t>
+            </a:r>
+            <a:endParaRPr lang="en-IE" sz="1200" dirty="0"/>
+          </a:p>
+          <a:p>
+            <a:pPr marL="285750" indent="-285750">
+              <a:buFont typeface="Arial" panose="020B0604020202020204" pitchFamily="34" charset="0"/>
+              <a:buChar char="•"/>
+            </a:pPr>
+            <a:r>
+              <a:rPr lang="en-IE" sz="1200" dirty="0" err="1"/>
+              <a:t>VisitId</a:t>
+            </a:r>
+            <a:endParaRPr lang="en-IE" sz="1200" dirty="0">
+              <a:solidFill>
+                <a:schemeClr val="bg2">
+                  <a:lumMod val="90000"/>
+                </a:schemeClr>
+              </a:solidFill>
+            </a:endParaRPr>
+          </a:p>
+        </p:txBody>
+      </p:sp>
+      <p:sp>
+        <p:nvSpPr>
+          <p:cNvPr id="8" name="Rectangle: Rounded Corners 7">
+            <a:extLst>
+              <a:ext uri="{FF2B5EF4-FFF2-40B4-BE49-F238E27FC236}">
+                <a16:creationId xmlns:a16="http://schemas.microsoft.com/office/drawing/2014/main" id="{552F388B-E0E6-3D27-373C-5ECC8D0F7D78}"/>
+              </a:ext>
+            </a:extLst>
+          </p:cNvPr>
+          <p:cNvSpPr/>
+          <p:nvPr/>
+        </p:nvSpPr>
+        <p:spPr>
+          <a:xfrm>
+            <a:off x="814381" y="5221841"/>
+            <a:ext cx="1990725" cy="1325563"/>
+          </a:xfrm>
+          <a:prstGeom prst="roundRect">
+            <a:avLst/>
+          </a:prstGeom>
+        </p:spPr>
+        <p:style>
+          <a:lnRef idx="2">
+            <a:schemeClr val="accent1">
+              <a:shade val="15000"/>
+            </a:schemeClr>
+          </a:lnRef>
+          <a:fillRef idx="1">
+            <a:schemeClr val="accent1"/>
+          </a:fillRef>
+          <a:effectRef idx="0">
+            <a:schemeClr val="accent1"/>
+          </a:effectRef>
+          <a:fontRef idx="minor">
+            <a:schemeClr val="lt1"/>
+          </a:fontRef>
+        </p:style>
+        <p:txBody>
+          <a:bodyPr rtlCol="0" anchor="ctr"/>
+          <a:lstStyle/>
+          <a:p>
+            <a:pPr algn="ctr"/>
+            <a:r>
+              <a:rPr lang="en-IE" dirty="0" err="1"/>
+              <a:t>VisitEntity</a:t>
+            </a:r>
+            <a:endParaRPr lang="en-IE" dirty="0"/>
+          </a:p>
+          <a:p>
+            <a:pPr marL="285750" indent="-285750">
+              <a:buFont typeface="Arial" panose="020B0604020202020204" pitchFamily="34" charset="0"/>
+              <a:buChar char="•"/>
+            </a:pPr>
+            <a:r>
+              <a:rPr lang="en-IE" sz="1200" dirty="0"/>
+              <a:t>Date</a:t>
+            </a:r>
+          </a:p>
+          <a:p>
+            <a:pPr marL="285750" indent="-285750">
+              <a:buFont typeface="Arial" panose="020B0604020202020204" pitchFamily="34" charset="0"/>
+              <a:buChar char="•"/>
+            </a:pPr>
+            <a:r>
+              <a:rPr lang="en-IE" sz="1200" dirty="0">
+                <a:solidFill>
+                  <a:schemeClr val="bg2">
+                    <a:lumMod val="90000"/>
+                  </a:schemeClr>
+                </a:solidFill>
+              </a:rPr>
+              <a:t>Id</a:t>
+            </a:r>
+          </a:p>
+          <a:p>
+            <a:pPr marL="285750" indent="-285750">
+              <a:buFont typeface="Arial" panose="020B0604020202020204" pitchFamily="34" charset="0"/>
+              <a:buChar char="•"/>
+            </a:pPr>
+            <a:r>
+              <a:rPr lang="en-IE" sz="1200" dirty="0" err="1">
+                <a:solidFill>
+                  <a:schemeClr val="bg2">
+                    <a:lumMod val="90000"/>
+                  </a:schemeClr>
+                </a:solidFill>
+              </a:rPr>
+              <a:t>CreatedTime</a:t>
+            </a:r>
+            <a:endParaRPr lang="en-IE" sz="1200" dirty="0">
+              <a:solidFill>
+                <a:schemeClr val="bg2">
+                  <a:lumMod val="90000"/>
+                </a:schemeClr>
+              </a:solidFill>
+            </a:endParaRPr>
+          </a:p>
+          <a:p>
+            <a:pPr marL="285750" indent="-285750">
+              <a:buFont typeface="Arial" panose="020B0604020202020204" pitchFamily="34" charset="0"/>
+              <a:buChar char="•"/>
+            </a:pPr>
+            <a:r>
+              <a:rPr lang="en-IE" sz="1200" dirty="0" err="1">
+                <a:solidFill>
+                  <a:schemeClr val="bg2">
+                    <a:lumMod val="90000"/>
+                  </a:schemeClr>
+                </a:solidFill>
+              </a:rPr>
+              <a:t>UpdatedTime</a:t>
+            </a:r>
+            <a:endParaRPr lang="en-IE" sz="1200" dirty="0">
+              <a:solidFill>
+                <a:schemeClr val="bg2">
+                  <a:lumMod val="90000"/>
+                </a:schemeClr>
+              </a:solidFill>
+            </a:endParaRPr>
+          </a:p>
+        </p:txBody>
+      </p:sp>
+      <p:grpSp>
+        <p:nvGrpSpPr>
+          <p:cNvPr id="11" name="Group 10">
+            <a:extLst>
+              <a:ext uri="{FF2B5EF4-FFF2-40B4-BE49-F238E27FC236}">
+                <a16:creationId xmlns:a16="http://schemas.microsoft.com/office/drawing/2014/main" id="{F1A07718-78BF-62A8-6541-6F4F5FACD1AF}"/>
+              </a:ext>
+            </a:extLst>
+          </p:cNvPr>
+          <p:cNvGrpSpPr/>
+          <p:nvPr/>
+        </p:nvGrpSpPr>
+        <p:grpSpPr>
+          <a:xfrm>
+            <a:off x="2805106" y="4774404"/>
+            <a:ext cx="7805744" cy="1294884"/>
+            <a:chOff x="2805106" y="4774404"/>
+            <a:chExt cx="7805744" cy="1294884"/>
+          </a:xfrm>
+        </p:grpSpPr>
+        <p:cxnSp>
+          <p:nvCxnSpPr>
+            <p:cNvPr id="10" name="Connector: Elbow 9">
+              <a:extLst>
+                <a:ext uri="{FF2B5EF4-FFF2-40B4-BE49-F238E27FC236}">
+                  <a16:creationId xmlns:a16="http://schemas.microsoft.com/office/drawing/2014/main" id="{2F01383A-B8FE-5211-FC10-BBA2941F0BEC}"/>
+                </a:ext>
+              </a:extLst>
+            </p:cNvPr>
+            <p:cNvCxnSpPr>
+              <a:cxnSpLocks/>
+              <a:stCxn id="20" idx="3"/>
+              <a:endCxn id="12" idx="2"/>
+            </p:cNvCxnSpPr>
+            <p:nvPr/>
+          </p:nvCxnSpPr>
+          <p:spPr>
+            <a:xfrm flipV="1">
+              <a:off x="4295776" y="5426307"/>
+              <a:ext cx="5091112" cy="458315"/>
+            </a:xfrm>
+            <a:prstGeom prst="bentConnector2">
+              <a:avLst/>
+            </a:prstGeom>
+          </p:spPr>
+          <p:style>
+            <a:lnRef idx="2">
+              <a:schemeClr val="accent1"/>
+            </a:lnRef>
+            <a:fillRef idx="0">
+              <a:schemeClr val="accent1"/>
+            </a:fillRef>
+            <a:effectRef idx="1">
+              <a:schemeClr val="accent1"/>
+            </a:effectRef>
+            <a:fontRef idx="minor">
+              <a:schemeClr val="tx1"/>
+            </a:fontRef>
+          </p:style>
+        </p:cxnSp>
+        <p:sp>
+          <p:nvSpPr>
+            <p:cNvPr id="12" name="TextBox 11">
+              <a:extLst>
+                <a:ext uri="{FF2B5EF4-FFF2-40B4-BE49-F238E27FC236}">
+                  <a16:creationId xmlns:a16="http://schemas.microsoft.com/office/drawing/2014/main" id="{95C0B973-4653-28ED-9DAF-AB5E082EFB9C}"/>
+                </a:ext>
+              </a:extLst>
+            </p:cNvPr>
+            <p:cNvSpPr txBox="1"/>
+            <p:nvPr/>
+          </p:nvSpPr>
+          <p:spPr>
+            <a:xfrm>
+              <a:off x="8162925" y="5056975"/>
+              <a:ext cx="2447925" cy="369332"/>
+            </a:xfrm>
+            <a:prstGeom prst="rect">
+              <a:avLst/>
+            </a:prstGeom>
+            <a:noFill/>
+          </p:spPr>
+          <p:txBody>
+            <a:bodyPr wrap="square" rtlCol="0">
+              <a:spAutoFit/>
+            </a:bodyPr>
+            <a:lstStyle/>
+            <a:p>
+              <a:pPr algn="ctr"/>
+              <a:r>
+                <a:rPr lang="en-IE" dirty="0"/>
+                <a:t>0-m </a:t>
+              </a:r>
+              <a:r>
+                <a:rPr lang="en-IE" dirty="0" err="1"/>
+                <a:t>PatientHospitals</a:t>
+              </a:r>
+              <a:endParaRPr lang="en-IE" dirty="0"/>
+            </a:p>
+          </p:txBody>
+        </p:sp>
+        <p:cxnSp>
+          <p:nvCxnSpPr>
+            <p:cNvPr id="16" name="Connector: Elbow 15">
+              <a:extLst>
+                <a:ext uri="{FF2B5EF4-FFF2-40B4-BE49-F238E27FC236}">
+                  <a16:creationId xmlns:a16="http://schemas.microsoft.com/office/drawing/2014/main" id="{66255D2D-D7A8-42FD-0AAE-88BEE15B4F2B}"/>
+                </a:ext>
+              </a:extLst>
+            </p:cNvPr>
+            <p:cNvCxnSpPr>
+              <a:cxnSpLocks/>
+              <a:stCxn id="12" idx="0"/>
+              <a:endCxn id="7" idx="2"/>
+            </p:cNvCxnSpPr>
+            <p:nvPr/>
+          </p:nvCxnSpPr>
+          <p:spPr>
+            <a:xfrm rot="16200000" flipV="1">
+              <a:off x="9245603" y="4915689"/>
+              <a:ext cx="282571" cy="1"/>
+            </a:xfrm>
+            <a:prstGeom prst="bentConnector3">
+              <a:avLst>
+                <a:gd name="adj1" fmla="val 50000"/>
+              </a:avLst>
+            </a:prstGeom>
+          </p:spPr>
+          <p:style>
+            <a:lnRef idx="2">
+              <a:schemeClr val="accent1"/>
+            </a:lnRef>
+            <a:fillRef idx="0">
+              <a:schemeClr val="accent1"/>
+            </a:fillRef>
+            <a:effectRef idx="1">
+              <a:schemeClr val="accent1"/>
+            </a:effectRef>
+            <a:fontRef idx="minor">
+              <a:schemeClr val="tx1"/>
+            </a:fontRef>
+          </p:style>
+        </p:cxnSp>
+        <p:sp>
+          <p:nvSpPr>
+            <p:cNvPr id="20" name="TextBox 19">
+              <a:extLst>
+                <a:ext uri="{FF2B5EF4-FFF2-40B4-BE49-F238E27FC236}">
+                  <a16:creationId xmlns:a16="http://schemas.microsoft.com/office/drawing/2014/main" id="{8D714C47-BA46-0F7B-3BC6-CA425778D1E9}"/>
+                </a:ext>
+              </a:extLst>
+            </p:cNvPr>
+            <p:cNvSpPr txBox="1"/>
+            <p:nvPr/>
+          </p:nvSpPr>
+          <p:spPr>
+            <a:xfrm>
+              <a:off x="3305176" y="5699956"/>
+              <a:ext cx="990600" cy="369332"/>
+            </a:xfrm>
+            <a:prstGeom prst="rect">
+              <a:avLst/>
+            </a:prstGeom>
+            <a:noFill/>
+          </p:spPr>
+          <p:txBody>
+            <a:bodyPr wrap="square" rtlCol="0">
+              <a:spAutoFit/>
+            </a:bodyPr>
+            <a:lstStyle/>
+            <a:p>
+              <a:pPr algn="ctr"/>
+              <a:r>
+                <a:rPr lang="en-IE" dirty="0"/>
+                <a:t>0-1 Visit</a:t>
+              </a:r>
+            </a:p>
+          </p:txBody>
+        </p:sp>
+        <p:cxnSp>
+          <p:nvCxnSpPr>
+            <p:cNvPr id="22" name="Connector: Elbow 21">
+              <a:extLst>
+                <a:ext uri="{FF2B5EF4-FFF2-40B4-BE49-F238E27FC236}">
+                  <a16:creationId xmlns:a16="http://schemas.microsoft.com/office/drawing/2014/main" id="{88EA9101-31DE-6006-450E-D4D1CA974377}"/>
+                </a:ext>
+              </a:extLst>
+            </p:cNvPr>
+            <p:cNvCxnSpPr>
+              <a:cxnSpLocks/>
+              <a:stCxn id="8" idx="3"/>
+              <a:endCxn id="20" idx="1"/>
+            </p:cNvCxnSpPr>
+            <p:nvPr/>
+          </p:nvCxnSpPr>
+          <p:spPr>
+            <a:xfrm flipV="1">
+              <a:off x="2805106" y="5884622"/>
+              <a:ext cx="500070" cy="1"/>
+            </a:xfrm>
+            <a:prstGeom prst="bentConnector3">
+              <a:avLst>
+                <a:gd name="adj1" fmla="val 50000"/>
+              </a:avLst>
+            </a:prstGeom>
+          </p:spPr>
+          <p:style>
+            <a:lnRef idx="2">
+              <a:schemeClr val="accent1"/>
+            </a:lnRef>
+            <a:fillRef idx="0">
+              <a:schemeClr val="accent1"/>
+            </a:fillRef>
+            <a:effectRef idx="1">
+              <a:schemeClr val="accent1"/>
+            </a:effectRef>
+            <a:fontRef idx="minor">
+              <a:schemeClr val="tx1"/>
+            </a:fontRef>
+          </p:style>
+        </p:cxnSp>
+      </p:grpSp>
+      <p:grpSp>
+        <p:nvGrpSpPr>
+          <p:cNvPr id="5" name="Group 4">
+            <a:extLst>
+              <a:ext uri="{FF2B5EF4-FFF2-40B4-BE49-F238E27FC236}">
+                <a16:creationId xmlns:a16="http://schemas.microsoft.com/office/drawing/2014/main" id="{CAEA9A27-187E-7FF4-96E7-15AB4D80FB71}"/>
+              </a:ext>
+            </a:extLst>
+          </p:cNvPr>
+          <p:cNvGrpSpPr/>
+          <p:nvPr/>
+        </p:nvGrpSpPr>
+        <p:grpSpPr>
+          <a:xfrm>
+            <a:off x="2805113" y="2060020"/>
+            <a:ext cx="7805737" cy="1152284"/>
+            <a:chOff x="2805113" y="2060020"/>
+            <a:chExt cx="7805737" cy="1152284"/>
+          </a:xfrm>
+        </p:grpSpPr>
+        <p:cxnSp>
+          <p:nvCxnSpPr>
+            <p:cNvPr id="34" name="Connector: Elbow 33">
+              <a:extLst>
+                <a:ext uri="{FF2B5EF4-FFF2-40B4-BE49-F238E27FC236}">
+                  <a16:creationId xmlns:a16="http://schemas.microsoft.com/office/drawing/2014/main" id="{EF4188C1-1DD4-6A82-70ED-30ADB5F213F8}"/>
+                </a:ext>
+              </a:extLst>
+            </p:cNvPr>
+            <p:cNvCxnSpPr>
+              <a:cxnSpLocks/>
+              <a:stCxn id="37" idx="3"/>
+              <a:endCxn id="35" idx="0"/>
+            </p:cNvCxnSpPr>
+            <p:nvPr/>
+          </p:nvCxnSpPr>
+          <p:spPr>
+            <a:xfrm>
+              <a:off x="5000626" y="2244686"/>
+              <a:ext cx="4386262" cy="320159"/>
+            </a:xfrm>
+            <a:prstGeom prst="bentConnector2">
+              <a:avLst/>
+            </a:prstGeom>
+          </p:spPr>
+          <p:style>
+            <a:lnRef idx="2">
+              <a:schemeClr val="accent1"/>
+            </a:lnRef>
+            <a:fillRef idx="0">
+              <a:schemeClr val="accent1"/>
+            </a:fillRef>
+            <a:effectRef idx="1">
+              <a:schemeClr val="accent1"/>
+            </a:effectRef>
+            <a:fontRef idx="minor">
+              <a:schemeClr val="tx1"/>
+            </a:fontRef>
+          </p:style>
+        </p:cxnSp>
+        <p:sp>
+          <p:nvSpPr>
+            <p:cNvPr id="35" name="TextBox 34">
+              <a:extLst>
+                <a:ext uri="{FF2B5EF4-FFF2-40B4-BE49-F238E27FC236}">
+                  <a16:creationId xmlns:a16="http://schemas.microsoft.com/office/drawing/2014/main" id="{8BD6B960-E9A9-D3E2-76B8-E20F26A2B550}"/>
+                </a:ext>
+              </a:extLst>
+            </p:cNvPr>
+            <p:cNvSpPr txBox="1"/>
+            <p:nvPr/>
+          </p:nvSpPr>
+          <p:spPr>
+            <a:xfrm>
+              <a:off x="8162925" y="2564845"/>
+              <a:ext cx="2447925" cy="369332"/>
+            </a:xfrm>
+            <a:prstGeom prst="rect">
+              <a:avLst/>
+            </a:prstGeom>
+            <a:noFill/>
+          </p:spPr>
+          <p:txBody>
+            <a:bodyPr wrap="square" rtlCol="0">
+              <a:spAutoFit/>
+            </a:bodyPr>
+            <a:lstStyle/>
+            <a:p>
+              <a:pPr algn="ctr"/>
+              <a:r>
+                <a:rPr lang="en-IE" dirty="0"/>
+                <a:t>0-m </a:t>
+              </a:r>
+              <a:r>
+                <a:rPr lang="en-IE" dirty="0" err="1"/>
+                <a:t>PatientHospitals</a:t>
+              </a:r>
+              <a:endParaRPr lang="en-IE" dirty="0"/>
+            </a:p>
+          </p:txBody>
+        </p:sp>
+        <p:cxnSp>
+          <p:nvCxnSpPr>
+            <p:cNvPr id="36" name="Connector: Elbow 35">
+              <a:extLst>
+                <a:ext uri="{FF2B5EF4-FFF2-40B4-BE49-F238E27FC236}">
+                  <a16:creationId xmlns:a16="http://schemas.microsoft.com/office/drawing/2014/main" id="{C5A876CA-75E9-3E22-25BE-E1E60C3DD094}"/>
+                </a:ext>
+              </a:extLst>
+            </p:cNvPr>
+            <p:cNvCxnSpPr>
+              <a:cxnSpLocks/>
+              <a:stCxn id="35" idx="2"/>
+              <a:endCxn id="7" idx="0"/>
+            </p:cNvCxnSpPr>
+            <p:nvPr/>
+          </p:nvCxnSpPr>
+          <p:spPr>
+            <a:xfrm rot="5400000">
+              <a:off x="9247825" y="3073240"/>
+              <a:ext cx="278127" cy="1"/>
+            </a:xfrm>
+            <a:prstGeom prst="bentConnector3">
+              <a:avLst>
+                <a:gd name="adj1" fmla="val 50000"/>
+              </a:avLst>
+            </a:prstGeom>
+          </p:spPr>
+          <p:style>
+            <a:lnRef idx="2">
+              <a:schemeClr val="accent1"/>
+            </a:lnRef>
+            <a:fillRef idx="0">
+              <a:schemeClr val="accent1"/>
+            </a:fillRef>
+            <a:effectRef idx="1">
+              <a:schemeClr val="accent1"/>
+            </a:effectRef>
+            <a:fontRef idx="minor">
+              <a:schemeClr val="tx1"/>
+            </a:fontRef>
+          </p:style>
+        </p:cxnSp>
+        <p:sp>
+          <p:nvSpPr>
+            <p:cNvPr id="37" name="TextBox 36">
+              <a:extLst>
+                <a:ext uri="{FF2B5EF4-FFF2-40B4-BE49-F238E27FC236}">
+                  <a16:creationId xmlns:a16="http://schemas.microsoft.com/office/drawing/2014/main" id="{219A2DBF-141C-847F-2255-92B7C0A4AB72}"/>
+                </a:ext>
+              </a:extLst>
+            </p:cNvPr>
+            <p:cNvSpPr txBox="1"/>
+            <p:nvPr/>
+          </p:nvSpPr>
+          <p:spPr>
+            <a:xfrm>
+              <a:off x="3305176" y="2060020"/>
+              <a:ext cx="1695450" cy="369332"/>
+            </a:xfrm>
+            <a:prstGeom prst="rect">
+              <a:avLst/>
+            </a:prstGeom>
+            <a:noFill/>
+          </p:spPr>
+          <p:txBody>
+            <a:bodyPr wrap="square" rtlCol="0">
+              <a:spAutoFit/>
+            </a:bodyPr>
+            <a:lstStyle/>
+            <a:p>
+              <a:pPr algn="ctr"/>
+              <a:r>
+                <a:rPr lang="en-IE" dirty="0"/>
+                <a:t>0-1 Hospital</a:t>
+              </a:r>
+            </a:p>
+          </p:txBody>
+        </p:sp>
+        <p:cxnSp>
+          <p:nvCxnSpPr>
+            <p:cNvPr id="38" name="Connector: Elbow 37">
+              <a:extLst>
+                <a:ext uri="{FF2B5EF4-FFF2-40B4-BE49-F238E27FC236}">
+                  <a16:creationId xmlns:a16="http://schemas.microsoft.com/office/drawing/2014/main" id="{DB48FA01-91D6-1354-CB34-CDAB5F3F56E0}"/>
+                </a:ext>
+              </a:extLst>
+            </p:cNvPr>
+            <p:cNvCxnSpPr>
+              <a:cxnSpLocks/>
+              <a:stCxn id="4" idx="3"/>
+              <a:endCxn id="37" idx="1"/>
+            </p:cNvCxnSpPr>
+            <p:nvPr/>
+          </p:nvCxnSpPr>
+          <p:spPr>
+            <a:xfrm>
+              <a:off x="2805113" y="2242344"/>
+              <a:ext cx="500063" cy="2342"/>
+            </a:xfrm>
+            <a:prstGeom prst="bentConnector3">
+              <a:avLst>
+                <a:gd name="adj1" fmla="val 50000"/>
+              </a:avLst>
+            </a:prstGeom>
+          </p:spPr>
+          <p:style>
+            <a:lnRef idx="2">
+              <a:schemeClr val="accent1"/>
+            </a:lnRef>
+            <a:fillRef idx="0">
+              <a:schemeClr val="accent1"/>
+            </a:fillRef>
+            <a:effectRef idx="1">
+              <a:schemeClr val="accent1"/>
+            </a:effectRef>
+            <a:fontRef idx="minor">
+              <a:schemeClr val="tx1"/>
+            </a:fontRef>
+          </p:style>
+        </p:cxnSp>
+      </p:grpSp>
+      <p:grpSp>
+        <p:nvGrpSpPr>
+          <p:cNvPr id="9" name="Group 8">
+            <a:extLst>
+              <a:ext uri="{FF2B5EF4-FFF2-40B4-BE49-F238E27FC236}">
+                <a16:creationId xmlns:a16="http://schemas.microsoft.com/office/drawing/2014/main" id="{598CB30F-E8A6-026E-F7BD-73A3049EE90E}"/>
+              </a:ext>
+            </a:extLst>
+          </p:cNvPr>
+          <p:cNvGrpSpPr/>
+          <p:nvPr/>
+        </p:nvGrpSpPr>
+        <p:grpSpPr>
+          <a:xfrm>
+            <a:off x="2805100" y="3808688"/>
+            <a:ext cx="5715012" cy="369332"/>
+            <a:chOff x="2805100" y="3808688"/>
+            <a:chExt cx="5715012" cy="369332"/>
+          </a:xfrm>
+        </p:grpSpPr>
+        <p:cxnSp>
+          <p:nvCxnSpPr>
+            <p:cNvPr id="52" name="Connector: Elbow 51">
+              <a:extLst>
+                <a:ext uri="{FF2B5EF4-FFF2-40B4-BE49-F238E27FC236}">
+                  <a16:creationId xmlns:a16="http://schemas.microsoft.com/office/drawing/2014/main" id="{7F13C119-DD0D-0190-CC49-F8040D43DA2E}"/>
+                </a:ext>
+              </a:extLst>
+            </p:cNvPr>
+            <p:cNvCxnSpPr>
+              <a:cxnSpLocks/>
+              <a:stCxn id="54" idx="3"/>
+              <a:endCxn id="53" idx="1"/>
+            </p:cNvCxnSpPr>
+            <p:nvPr/>
+          </p:nvCxnSpPr>
+          <p:spPr>
+            <a:xfrm>
+              <a:off x="5000626" y="3993354"/>
+              <a:ext cx="371473" cy="12700"/>
+            </a:xfrm>
+            <a:prstGeom prst="bentConnector3">
+              <a:avLst>
+                <a:gd name="adj1" fmla="val 50000"/>
+              </a:avLst>
+            </a:prstGeom>
+          </p:spPr>
+          <p:style>
+            <a:lnRef idx="2">
+              <a:schemeClr val="accent1"/>
+            </a:lnRef>
+            <a:fillRef idx="0">
+              <a:schemeClr val="accent1"/>
+            </a:fillRef>
+            <a:effectRef idx="1">
+              <a:schemeClr val="accent1"/>
+            </a:effectRef>
+            <a:fontRef idx="minor">
+              <a:schemeClr val="tx1"/>
+            </a:fontRef>
+          </p:style>
+        </p:cxnSp>
+        <p:sp>
+          <p:nvSpPr>
+            <p:cNvPr id="53" name="TextBox 52">
+              <a:extLst>
+                <a:ext uri="{FF2B5EF4-FFF2-40B4-BE49-F238E27FC236}">
+                  <a16:creationId xmlns:a16="http://schemas.microsoft.com/office/drawing/2014/main" id="{3E832F8C-953C-F445-C7C7-7C9A57A0B6D5}"/>
+                </a:ext>
+              </a:extLst>
+            </p:cNvPr>
+            <p:cNvSpPr txBox="1"/>
+            <p:nvPr/>
+          </p:nvSpPr>
+          <p:spPr>
+            <a:xfrm>
+              <a:off x="5372099" y="3808688"/>
+              <a:ext cx="2447925" cy="369332"/>
+            </a:xfrm>
+            <a:prstGeom prst="rect">
+              <a:avLst/>
+            </a:prstGeom>
+            <a:noFill/>
+          </p:spPr>
+          <p:txBody>
+            <a:bodyPr wrap="square" rtlCol="0">
+              <a:spAutoFit/>
+            </a:bodyPr>
+            <a:lstStyle/>
+            <a:p>
+              <a:pPr algn="ctr"/>
+              <a:r>
+                <a:rPr lang="en-IE" dirty="0"/>
+                <a:t>0-m </a:t>
+              </a:r>
+              <a:r>
+                <a:rPr lang="en-IE" dirty="0" err="1"/>
+                <a:t>PatientHospitals</a:t>
+              </a:r>
+              <a:endParaRPr lang="en-IE" dirty="0"/>
+            </a:p>
+          </p:txBody>
+        </p:sp>
+        <p:sp>
+          <p:nvSpPr>
+            <p:cNvPr id="54" name="TextBox 53">
+              <a:extLst>
+                <a:ext uri="{FF2B5EF4-FFF2-40B4-BE49-F238E27FC236}">
+                  <a16:creationId xmlns:a16="http://schemas.microsoft.com/office/drawing/2014/main" id="{B958BE05-C50F-5088-DEBA-C5084021E71B}"/>
+                </a:ext>
+              </a:extLst>
+            </p:cNvPr>
+            <p:cNvSpPr txBox="1"/>
+            <p:nvPr/>
+          </p:nvSpPr>
+          <p:spPr>
+            <a:xfrm>
+              <a:off x="3305176" y="3808688"/>
+              <a:ext cx="1695450" cy="369332"/>
+            </a:xfrm>
+            <a:prstGeom prst="rect">
+              <a:avLst/>
+            </a:prstGeom>
+            <a:noFill/>
+          </p:spPr>
+          <p:txBody>
+            <a:bodyPr wrap="square" rtlCol="0">
+              <a:spAutoFit/>
+            </a:bodyPr>
+            <a:lstStyle/>
+            <a:p>
+              <a:pPr algn="ctr"/>
+              <a:r>
+                <a:rPr lang="en-IE" dirty="0"/>
+                <a:t>0-1 Patient</a:t>
+              </a:r>
+            </a:p>
+          </p:txBody>
+        </p:sp>
+        <p:cxnSp>
+          <p:nvCxnSpPr>
+            <p:cNvPr id="55" name="Connector: Elbow 54">
+              <a:extLst>
+                <a:ext uri="{FF2B5EF4-FFF2-40B4-BE49-F238E27FC236}">
+                  <a16:creationId xmlns:a16="http://schemas.microsoft.com/office/drawing/2014/main" id="{CCA17C81-28CC-E73C-CB10-1CC2BFC74984}"/>
+                </a:ext>
+              </a:extLst>
+            </p:cNvPr>
+            <p:cNvCxnSpPr>
+              <a:cxnSpLocks/>
+              <a:stCxn id="6" idx="3"/>
+              <a:endCxn id="54" idx="1"/>
+            </p:cNvCxnSpPr>
+            <p:nvPr/>
+          </p:nvCxnSpPr>
+          <p:spPr>
+            <a:xfrm>
+              <a:off x="2805100" y="3993354"/>
+              <a:ext cx="500076" cy="12700"/>
+            </a:xfrm>
+            <a:prstGeom prst="bentConnector3">
+              <a:avLst>
+                <a:gd name="adj1" fmla="val 50000"/>
+              </a:avLst>
+            </a:prstGeom>
+          </p:spPr>
+          <p:style>
+            <a:lnRef idx="2">
+              <a:schemeClr val="accent1"/>
+            </a:lnRef>
+            <a:fillRef idx="0">
+              <a:schemeClr val="accent1"/>
+            </a:fillRef>
+            <a:effectRef idx="1">
+              <a:schemeClr val="accent1"/>
+            </a:effectRef>
+            <a:fontRef idx="minor">
+              <a:schemeClr val="tx1"/>
+            </a:fontRef>
+          </p:style>
+        </p:cxnSp>
+        <p:cxnSp>
+          <p:nvCxnSpPr>
+            <p:cNvPr id="67" name="Connector: Elbow 66">
+              <a:extLst>
+                <a:ext uri="{FF2B5EF4-FFF2-40B4-BE49-F238E27FC236}">
+                  <a16:creationId xmlns:a16="http://schemas.microsoft.com/office/drawing/2014/main" id="{1BA60E4F-F9A8-2BB2-F943-212EA5FD4F41}"/>
+                </a:ext>
+              </a:extLst>
+            </p:cNvPr>
+            <p:cNvCxnSpPr>
+              <a:cxnSpLocks/>
+              <a:stCxn id="53" idx="3"/>
+              <a:endCxn id="7" idx="1"/>
+            </p:cNvCxnSpPr>
+            <p:nvPr/>
+          </p:nvCxnSpPr>
+          <p:spPr>
+            <a:xfrm>
+              <a:off x="7820024" y="3993354"/>
+              <a:ext cx="700088" cy="12700"/>
+            </a:xfrm>
+            <a:prstGeom prst="bentConnector3">
+              <a:avLst>
+                <a:gd name="adj1" fmla="val 50000"/>
+              </a:avLst>
+            </a:prstGeom>
+          </p:spPr>
+          <p:style>
+            <a:lnRef idx="2">
+              <a:schemeClr val="accent1"/>
+            </a:lnRef>
+            <a:fillRef idx="0">
+              <a:schemeClr val="accent1"/>
+            </a:fillRef>
+            <a:effectRef idx="1">
+              <a:schemeClr val="accent1"/>
+            </a:effectRef>
+            <a:fontRef idx="minor">
+              <a:schemeClr val="tx1"/>
+            </a:fontRef>
+          </p:style>
+        </p:cxnSp>
+      </p:grpSp>
+      <p:sp>
+        <p:nvSpPr>
+          <p:cNvPr id="3" name="TextBox 2">
+            <a:extLst>
+              <a:ext uri="{FF2B5EF4-FFF2-40B4-BE49-F238E27FC236}">
+                <a16:creationId xmlns:a16="http://schemas.microsoft.com/office/drawing/2014/main" id="{B16392A7-DA5B-1335-742E-607CC45972D3}"/>
+              </a:ext>
+            </a:extLst>
+          </p:cNvPr>
+          <p:cNvSpPr txBox="1"/>
+          <p:nvPr/>
+        </p:nvSpPr>
+        <p:spPr>
+          <a:xfrm>
+            <a:off x="8978743" y="5426307"/>
+            <a:ext cx="406532" cy="1015663"/>
+          </a:xfrm>
+          <a:prstGeom prst="rect">
+            <a:avLst/>
+          </a:prstGeom>
+          <a:noFill/>
+        </p:spPr>
+        <p:txBody>
+          <a:bodyPr wrap="square" rtlCol="0">
+            <a:spAutoFit/>
+          </a:bodyPr>
+          <a:lstStyle/>
+          <a:p>
+            <a:pPr algn="ctr"/>
+            <a:r>
+              <a:rPr lang="en-IE" sz="6000" b="1" dirty="0">
+                <a:solidFill>
+                  <a:srgbClr val="FF0000"/>
+                </a:solidFill>
+              </a:rPr>
+              <a:t>?</a:t>
+            </a:r>
+          </a:p>
+        </p:txBody>
+      </p:sp>
+    </p:spTree>
+    <p:extLst>
+      <p:ext uri="{BB962C8B-B14F-4D97-AF65-F5344CB8AC3E}">
+        <p14:creationId xmlns:p14="http://schemas.microsoft.com/office/powerpoint/2010/main" val="740588212"/>
+      </p:ext>
+    </p:extLst>
+  </p:cSld>
+  <p:clrMapOvr>
+    <a:masterClrMapping/>
+  </p:clrMapOvr>
+  <p:timing>
+    <p:tnLst>
+      <p:par>
+        <p:cTn id="1" dur="indefinite" restart="never" nodeType="tmRoot">
+          <p:childTnLst>
+            <p:seq concurrent="1" nextAc="seek">
+              <p:cTn id="2" dur="indefinite" nodeType="mainSeq">
+                <p:childTnLst>
+                  <p:par>
+                    <p:cTn id="3" fill="hold">
+                      <p:stCondLst>
+                        <p:cond delay="indefinite"/>
+                      </p:stCondLst>
+                      <p:childTnLst>
+                        <p:par>
+                          <p:cTn id="4" fill="hold">
+                            <p:stCondLst>
+                              <p:cond delay="0"/>
+                            </p:stCondLst>
+                            <p:childTnLst>
+                              <p:par>
+                                <p:cTn id="5" presetID="10" presetClass="entr" presetSubtype="0" fill="hold" grpId="0" nodeType="clickEffect">
+                                  <p:stCondLst>
+                                    <p:cond delay="0"/>
+                                  </p:stCondLst>
+                                  <p:childTnLst>
+                                    <p:set>
+                                      <p:cBhvr>
+                                        <p:cTn id="6" dur="1" fill="hold">
+                                          <p:stCondLst>
+                                            <p:cond delay="0"/>
+                                          </p:stCondLst>
+                                        </p:cTn>
+                                        <p:tgtEl>
+                                          <p:spTgt spid="4"/>
+                                        </p:tgtEl>
+                                        <p:attrNameLst>
+                                          <p:attrName>style.visibility</p:attrName>
+                                        </p:attrNameLst>
+                                      </p:cBhvr>
+                                      <p:to>
+                                        <p:strVal val="visible"/>
+                                      </p:to>
+                                    </p:set>
+                                    <p:animEffect transition="in" filter="fade">
+                                      <p:cBhvr>
+                                        <p:cTn id="7" dur="500"/>
+                                        <p:tgtEl>
+                                          <p:spTgt spid="4"/>
+                                        </p:tgtEl>
+                                      </p:cBhvr>
+                                    </p:animEffect>
+                                  </p:childTnLst>
+                                </p:cTn>
+                              </p:par>
+                            </p:childTnLst>
+                          </p:cTn>
+                        </p:par>
+                      </p:childTnLst>
+                    </p:cTn>
+                  </p:par>
+                  <p:par>
+                    <p:cTn id="8" fill="hold">
+                      <p:stCondLst>
+                        <p:cond delay="indefinite"/>
+                      </p:stCondLst>
+                      <p:childTnLst>
+                        <p:par>
+                          <p:cTn id="9" fill="hold">
+                            <p:stCondLst>
+                              <p:cond delay="0"/>
+                            </p:stCondLst>
+                            <p:childTnLst>
+                              <p:par>
+                                <p:cTn id="10" presetID="10" presetClass="entr" presetSubtype="0" fill="hold" grpId="0" nodeType="clickEffect">
+                                  <p:stCondLst>
+                                    <p:cond delay="0"/>
+                                  </p:stCondLst>
+                                  <p:childTnLst>
+                                    <p:set>
+                                      <p:cBhvr>
+                                        <p:cTn id="11" dur="1" fill="hold">
+                                          <p:stCondLst>
+                                            <p:cond delay="0"/>
+                                          </p:stCondLst>
+                                        </p:cTn>
+                                        <p:tgtEl>
+                                          <p:spTgt spid="6"/>
+                                        </p:tgtEl>
+                                        <p:attrNameLst>
+                                          <p:attrName>style.visibility</p:attrName>
+                                        </p:attrNameLst>
+                                      </p:cBhvr>
+                                      <p:to>
+                                        <p:strVal val="visible"/>
+                                      </p:to>
+                                    </p:set>
+                                    <p:animEffect transition="in" filter="fade">
+                                      <p:cBhvr>
+                                        <p:cTn id="12" dur="500"/>
+                                        <p:tgtEl>
+                                          <p:spTgt spid="6"/>
+                                        </p:tgtEl>
+                                      </p:cBhvr>
+                                    </p:animEffect>
+                                  </p:childTnLst>
+                                </p:cTn>
+                              </p:par>
+                            </p:childTnLst>
+                          </p:cTn>
+                        </p:par>
+                      </p:childTnLst>
+                    </p:cTn>
+                  </p:par>
+                  <p:par>
+                    <p:cTn id="13" fill="hold">
+                      <p:stCondLst>
+                        <p:cond delay="indefinite"/>
+                      </p:stCondLst>
+                      <p:childTnLst>
+                        <p:par>
+                          <p:cTn id="14" fill="hold">
+                            <p:stCondLst>
+                              <p:cond delay="0"/>
+                            </p:stCondLst>
+                            <p:childTnLst>
+                              <p:par>
+                                <p:cTn id="15" presetID="10" presetClass="entr" presetSubtype="0" fill="hold" grpId="0" nodeType="clickEffect">
+                                  <p:stCondLst>
+                                    <p:cond delay="0"/>
+                                  </p:stCondLst>
+                                  <p:childTnLst>
+                                    <p:set>
+                                      <p:cBhvr>
+                                        <p:cTn id="16" dur="1" fill="hold">
+                                          <p:stCondLst>
+                                            <p:cond delay="0"/>
+                                          </p:stCondLst>
+                                        </p:cTn>
+                                        <p:tgtEl>
+                                          <p:spTgt spid="7"/>
+                                        </p:tgtEl>
+                                        <p:attrNameLst>
+                                          <p:attrName>style.visibility</p:attrName>
+                                        </p:attrNameLst>
+                                      </p:cBhvr>
+                                      <p:to>
+                                        <p:strVal val="visible"/>
+                                      </p:to>
+                                    </p:set>
+                                    <p:animEffect transition="in" filter="fade">
+                                      <p:cBhvr>
+                                        <p:cTn id="17" dur="500"/>
+                                        <p:tgtEl>
+                                          <p:spTgt spid="7"/>
+                                        </p:tgtEl>
+                                      </p:cBhvr>
+                                    </p:animEffect>
+                                  </p:childTnLst>
+                                </p:cTn>
+                              </p:par>
+                            </p:childTnLst>
+                          </p:cTn>
+                        </p:par>
+                      </p:childTnLst>
+                    </p:cTn>
+                  </p:par>
+                  <p:par>
+                    <p:cTn id="18" fill="hold">
+                      <p:stCondLst>
+                        <p:cond delay="indefinite"/>
+                      </p:stCondLst>
+                      <p:childTnLst>
+                        <p:par>
+                          <p:cTn id="19" fill="hold">
+                            <p:stCondLst>
+                              <p:cond delay="0"/>
+                            </p:stCondLst>
+                            <p:childTnLst>
+                              <p:par>
+                                <p:cTn id="20" presetID="22" presetClass="entr" presetSubtype="8" fill="hold" nodeType="clickEffect">
+                                  <p:stCondLst>
+                                    <p:cond delay="0"/>
+                                  </p:stCondLst>
+                                  <p:childTnLst>
+                                    <p:set>
+                                      <p:cBhvr>
+                                        <p:cTn id="21" dur="1" fill="hold">
+                                          <p:stCondLst>
+                                            <p:cond delay="0"/>
+                                          </p:stCondLst>
+                                        </p:cTn>
+                                        <p:tgtEl>
+                                          <p:spTgt spid="5"/>
+                                        </p:tgtEl>
+                                        <p:attrNameLst>
+                                          <p:attrName>style.visibility</p:attrName>
+                                        </p:attrNameLst>
+                                      </p:cBhvr>
+                                      <p:to>
+                                        <p:strVal val="visible"/>
+                                      </p:to>
+                                    </p:set>
+                                    <p:animEffect transition="in" filter="wipe(left)">
+                                      <p:cBhvr>
+                                        <p:cTn id="22" dur="500"/>
+                                        <p:tgtEl>
+                                          <p:spTgt spid="5"/>
+                                        </p:tgtEl>
+                                      </p:cBhvr>
+                                    </p:animEffect>
+                                  </p:childTnLst>
+                                </p:cTn>
+                              </p:par>
+                            </p:childTnLst>
+                          </p:cTn>
+                        </p:par>
+                      </p:childTnLst>
+                    </p:cTn>
+                  </p:par>
+                  <p:par>
+                    <p:cTn id="23" fill="hold">
+                      <p:stCondLst>
+                        <p:cond delay="indefinite"/>
+                      </p:stCondLst>
+                      <p:childTnLst>
+                        <p:par>
+                          <p:cTn id="24" fill="hold">
+                            <p:stCondLst>
+                              <p:cond delay="0"/>
+                            </p:stCondLst>
+                            <p:childTnLst>
+                              <p:par>
+                                <p:cTn id="25" presetID="22" presetClass="entr" presetSubtype="8" fill="hold" nodeType="clickEffect">
+                                  <p:stCondLst>
+                                    <p:cond delay="0"/>
+                                  </p:stCondLst>
+                                  <p:childTnLst>
+                                    <p:set>
+                                      <p:cBhvr>
+                                        <p:cTn id="26" dur="1" fill="hold">
+                                          <p:stCondLst>
+                                            <p:cond delay="0"/>
+                                          </p:stCondLst>
+                                        </p:cTn>
+                                        <p:tgtEl>
+                                          <p:spTgt spid="9"/>
+                                        </p:tgtEl>
+                                        <p:attrNameLst>
+                                          <p:attrName>style.visibility</p:attrName>
+                                        </p:attrNameLst>
+                                      </p:cBhvr>
+                                      <p:to>
+                                        <p:strVal val="visible"/>
+                                      </p:to>
+                                    </p:set>
+                                    <p:animEffect transition="in" filter="wipe(left)">
+                                      <p:cBhvr>
+                                        <p:cTn id="27" dur="500"/>
+                                        <p:tgtEl>
+                                          <p:spTgt spid="9"/>
+                                        </p:tgtEl>
+                                      </p:cBhvr>
+                                    </p:animEffect>
+                                  </p:childTnLst>
+                                </p:cTn>
+                              </p:par>
+                            </p:childTnLst>
+                          </p:cTn>
+                        </p:par>
+                      </p:childTnLst>
+                    </p:cTn>
+                  </p:par>
+                  <p:par>
+                    <p:cTn id="28" fill="hold">
+                      <p:stCondLst>
+                        <p:cond delay="indefinite"/>
+                      </p:stCondLst>
+                      <p:childTnLst>
+                        <p:par>
+                          <p:cTn id="29" fill="hold">
+                            <p:stCondLst>
+                              <p:cond delay="0"/>
+                            </p:stCondLst>
+                            <p:childTnLst>
+                              <p:par>
+                                <p:cTn id="30" presetID="10" presetClass="entr" presetSubtype="0" fill="hold" grpId="0" nodeType="clickEffect">
+                                  <p:stCondLst>
+                                    <p:cond delay="0"/>
+                                  </p:stCondLst>
+                                  <p:childTnLst>
+                                    <p:set>
+                                      <p:cBhvr>
+                                        <p:cTn id="31" dur="1" fill="hold">
+                                          <p:stCondLst>
+                                            <p:cond delay="0"/>
+                                          </p:stCondLst>
+                                        </p:cTn>
+                                        <p:tgtEl>
+                                          <p:spTgt spid="8"/>
+                                        </p:tgtEl>
+                                        <p:attrNameLst>
+                                          <p:attrName>style.visibility</p:attrName>
+                                        </p:attrNameLst>
+                                      </p:cBhvr>
+                                      <p:to>
+                                        <p:strVal val="visible"/>
+                                      </p:to>
+                                    </p:set>
+                                    <p:animEffect transition="in" filter="fade">
+                                      <p:cBhvr>
+                                        <p:cTn id="32" dur="500"/>
+                                        <p:tgtEl>
+                                          <p:spTgt spid="8"/>
+                                        </p:tgtEl>
+                                      </p:cBhvr>
+                                    </p:animEffect>
+                                  </p:childTnLst>
+                                </p:cTn>
+                              </p:par>
+                            </p:childTnLst>
+                          </p:cTn>
+                        </p:par>
+                      </p:childTnLst>
+                    </p:cTn>
+                  </p:par>
+                  <p:par>
+                    <p:cTn id="33" fill="hold">
+                      <p:stCondLst>
+                        <p:cond delay="indefinite"/>
+                      </p:stCondLst>
+                      <p:childTnLst>
+                        <p:par>
+                          <p:cTn id="34" fill="hold">
+                            <p:stCondLst>
+                              <p:cond delay="0"/>
+                            </p:stCondLst>
+                            <p:childTnLst>
+                              <p:par>
+                                <p:cTn id="35" presetID="22" presetClass="entr" presetSubtype="8" fill="hold" nodeType="clickEffect">
+                                  <p:stCondLst>
+                                    <p:cond delay="0"/>
+                                  </p:stCondLst>
+                                  <p:childTnLst>
+                                    <p:set>
+                                      <p:cBhvr>
+                                        <p:cTn id="36" dur="1" fill="hold">
+                                          <p:stCondLst>
+                                            <p:cond delay="0"/>
+                                          </p:stCondLst>
+                                        </p:cTn>
+                                        <p:tgtEl>
+                                          <p:spTgt spid="11"/>
+                                        </p:tgtEl>
+                                        <p:attrNameLst>
+                                          <p:attrName>style.visibility</p:attrName>
+                                        </p:attrNameLst>
+                                      </p:cBhvr>
+                                      <p:to>
+                                        <p:strVal val="visible"/>
+                                      </p:to>
+                                    </p:set>
+                                    <p:animEffect transition="in" filter="wipe(left)">
+                                      <p:cBhvr>
+                                        <p:cTn id="37" dur="500"/>
+                                        <p:tgtEl>
+                                          <p:spTgt spid="11"/>
+                                        </p:tgtEl>
+                                      </p:cBhvr>
+                                    </p:animEffect>
+                                  </p:childTnLst>
+                                </p:cTn>
+                              </p:par>
+                            </p:childTnLst>
+                          </p:cTn>
+                        </p:par>
+                      </p:childTnLst>
+                    </p:cTn>
+                  </p:par>
+                  <p:par>
+                    <p:cTn id="38" fill="hold">
+                      <p:stCondLst>
+                        <p:cond delay="indefinite"/>
+                      </p:stCondLst>
+                      <p:childTnLst>
+                        <p:par>
+                          <p:cTn id="39" fill="hold">
+                            <p:stCondLst>
+                              <p:cond delay="0"/>
+                            </p:stCondLst>
+                            <p:childTnLst>
+                              <p:par>
+                                <p:cTn id="40" presetID="10" presetClass="entr" presetSubtype="0" fill="hold" grpId="0" nodeType="clickEffect">
+                                  <p:stCondLst>
+                                    <p:cond delay="0"/>
+                                  </p:stCondLst>
+                                  <p:childTnLst>
+                                    <p:set>
+                                      <p:cBhvr>
+                                        <p:cTn id="41" dur="1" fill="hold">
+                                          <p:stCondLst>
+                                            <p:cond delay="0"/>
+                                          </p:stCondLst>
+                                        </p:cTn>
+                                        <p:tgtEl>
+                                          <p:spTgt spid="3"/>
+                                        </p:tgtEl>
+                                        <p:attrNameLst>
+                                          <p:attrName>style.visibility</p:attrName>
+                                        </p:attrNameLst>
+                                      </p:cBhvr>
+                                      <p:to>
+                                        <p:strVal val="visible"/>
+                                      </p:to>
+                                    </p:set>
+                                    <p:animEffect transition="in" filter="fade">
+                                      <p:cBhvr>
+                                        <p:cTn id="42" dur="500"/>
+                                        <p:tgtEl>
+                                          <p:spTgt spid="3"/>
+                                        </p:tgtEl>
+                                      </p:cBhvr>
+                                    </p:animEffect>
+                                  </p:childTnLst>
+                                </p:cTn>
+                              </p:par>
+                            </p:childTnLst>
+                          </p:cTn>
+                        </p:par>
+                      </p:childTnLst>
+                    </p:cTn>
+                  </p:par>
+                </p:childTnLst>
+              </p:cTn>
+              <p:prevCondLst>
+                <p:cond evt="onPrev" delay="0">
+                  <p:tgtEl>
+                    <p:sldTgt/>
+                  </p:tgtEl>
+                </p:cond>
+              </p:prevCondLst>
+              <p:nextCondLst>
+                <p:cond evt="onNext" delay="0">
+                  <p:tgtEl>
+                    <p:sldTgt/>
+                  </p:tgtEl>
+                </p:cond>
+              </p:nextCondLst>
+            </p:seq>
+          </p:childTnLst>
+        </p:cTn>
+      </p:par>
+    </p:tnLst>
+    <p:bldLst>
+      <p:bldP spid="4" grpId="0" animBg="1"/>
+      <p:bldP spid="6" grpId="0" animBg="1"/>
+      <p:bldP spid="7" grpId="0" animBg="1"/>
+      <p:bldP spid="8" grpId="0" animBg="1"/>
+      <p:bldP spid="3" grpId="0"/>
+    </p:bldLst>
+  </p:timing>
+</p:sld>
+</file>
+
+<file path=ppt/slides/slide5.xml><?xml version="1.0" encoding="utf-8"?>
+<p:sld xmlns:a="http://schemas.openxmlformats.org/drawingml/2006/main" xmlns:r="http://schemas.openxmlformats.org/officeDocument/2006/relationships" xmlns:p="http://schemas.openxmlformats.org/presentationml/2006/main">
+  <p:cSld>
+    <p:spTree>
+      <p:nvGrpSpPr>
+        <p:cNvPr id="1" name=""/>
+        <p:cNvGrpSpPr/>
+        <p:nvPr/>
+      </p:nvGrpSpPr>
+      <p:grpSpPr>
+        <a:xfrm>
+          <a:off x="0" y="0"/>
+          <a:ext cx="0" cy="0"/>
+          <a:chOff x="0" y="0"/>
+          <a:chExt cx="0" cy="0"/>
+        </a:xfrm>
+      </p:grpSpPr>
+      <p:sp>
+        <p:nvSpPr>
+          <p:cNvPr id="2" name="Title 1">
+            <a:extLst>
+              <a:ext uri="{FF2B5EF4-FFF2-40B4-BE49-F238E27FC236}">
                 <a16:creationId xmlns:a16="http://schemas.microsoft.com/office/drawing/2014/main" id="{B925A798-D053-82B6-7171-52D71156F777}"/>
               </a:ext>
             </a:extLst>
@@ -5318,10 +6130,93 @@
   <p:clrMapOvr>
     <a:masterClrMapping/>
   </p:clrMapOvr>
+  <p:timing>
+    <p:tnLst>
+      <p:par>
+        <p:cTn id="1" dur="indefinite" restart="never" nodeType="tmRoot">
+          <p:childTnLst>
+            <p:seq concurrent="1" nextAc="seek">
+              <p:cTn id="2" dur="indefinite" nodeType="mainSeq">
+                <p:childTnLst>
+                  <p:par>
+                    <p:cTn id="3" fill="hold">
+                      <p:stCondLst>
+                        <p:cond delay="indefinite"/>
+                      </p:stCondLst>
+                      <p:childTnLst>
+                        <p:par>
+                          <p:cTn id="4" fill="hold">
+                            <p:stCondLst>
+                              <p:cond delay="0"/>
+                            </p:stCondLst>
+                            <p:childTnLst>
+                              <p:par>
+                                <p:cTn id="5" presetID="10" presetClass="entr" presetSubtype="0" fill="hold" nodeType="clickEffect">
+                                  <p:stCondLst>
+                                    <p:cond delay="0"/>
+                                  </p:stCondLst>
+                                  <p:childTnLst>
+                                    <p:set>
+                                      <p:cBhvr>
+                                        <p:cTn id="6" dur="1" fill="hold">
+                                          <p:stCondLst>
+                                            <p:cond delay="0"/>
+                                          </p:stCondLst>
+                                        </p:cTn>
+                                        <p:tgtEl>
+                                          <p:spTgt spid="5"/>
+                                        </p:tgtEl>
+                                        <p:attrNameLst>
+                                          <p:attrName>style.visibility</p:attrName>
+                                        </p:attrNameLst>
+                                      </p:cBhvr>
+                                      <p:to>
+                                        <p:strVal val="visible"/>
+                                      </p:to>
+                                    </p:set>
+                                    <p:animEffect transition="in" filter="fade">
+                                      <p:cBhvr>
+                                        <p:cTn id="7" dur="500"/>
+                                        <p:tgtEl>
+                                          <p:spTgt spid="5"/>
+                                        </p:tgtEl>
+                                      </p:cBhvr>
+                                    </p:animEffect>
+                                  </p:childTnLst>
+                                </p:cTn>
+                              </p:par>
+                            </p:childTnLst>
+                          </p:cTn>
+                        </p:par>
+                      </p:childTnLst>
+                    </p:cTn>
+                  </p:par>
+                </p:childTnLst>
+              </p:cTn>
+              <p:prevCondLst>
+                <p:cond evt="onPrev" delay="0">
+                  <p:tgtEl>
+                    <p:sldTgt/>
+                  </p:tgtEl>
+                </p:cond>
+              </p:prevCondLst>
+              <p:nextCondLst>
+                <p:cond evt="onNext" delay="0">
+                  <p:tgtEl>
+                    <p:sldTgt/>
+                  </p:tgtEl>
+                </p:cond>
+              </p:nextCondLst>
+            </p:seq>
+          </p:childTnLst>
+        </p:cTn>
+      </p:par>
+    </p:tnLst>
+  </p:timing>
 </p:sld>
 </file>
 
-<file path=ppt/slides/slide5.xml><?xml version="1.0" encoding="utf-8"?>
+<file path=ppt/slides/slide6.xml><?xml version="1.0" encoding="utf-8"?>
 <p:sld xmlns:a="http://schemas.openxmlformats.org/drawingml/2006/main" xmlns:r="http://schemas.openxmlformats.org/officeDocument/2006/relationships" xmlns:p="http://schemas.openxmlformats.org/presentationml/2006/main">
   <p:cSld>
     <p:spTree>
@@ -5361,7 +6256,7 @@
           <a:p>
             <a:r>
               <a:rPr lang="en-IE" dirty="0"/>
-              <a:t>TODO tech that’s new to me, ones I know</a:t>
+              <a:t>Skills</a:t>
             </a:r>
           </a:p>
         </p:txBody>
@@ -5382,14 +6277,14 @@
             <p:ph idx="1"/>
             <p:extLst>
               <p:ext uri="{D42A27DB-BD31-4B8C-83A1-F6EECF244321}">
-                <p14:modId xmlns:p14="http://schemas.microsoft.com/office/powerpoint/2010/main" val="2735739963"/>
+                <p14:modId xmlns:p14="http://schemas.microsoft.com/office/powerpoint/2010/main" val="1938161375"/>
               </p:ext>
             </p:extLst>
           </p:nvPr>
         </p:nvGraphicFramePr>
         <p:xfrm>
-          <a:off x="838200" y="1825625"/>
-          <a:ext cx="10515600" cy="2225040"/>
+          <a:off x="3091992" y="2181860"/>
+          <a:ext cx="5107128" cy="2225040"/>
         </p:xfrm>
         <a:graphic>
           <a:graphicData uri="http://schemas.openxmlformats.org/drawingml/2006/table">
@@ -5398,38 +6293,17 @@
                 <a:tableStyleId>{5C22544A-7EE6-4342-B048-85BDC9FD1C3A}</a:tableStyleId>
               </a:tblPr>
               <a:tblGrid>
-                <a:gridCol w="2103120">
+                <a:gridCol w="2553564">
                   <a:extLst>
                     <a:ext uri="{9D8B030D-6E8A-4147-A177-3AD203B41FA5}">
                       <a16:colId xmlns:a16="http://schemas.microsoft.com/office/drawing/2014/main" val="1888702016"/>
                     </a:ext>
                   </a:extLst>
                 </a:gridCol>
-                <a:gridCol w="2103120">
+                <a:gridCol w="2553564">
                   <a:extLst>
                     <a:ext uri="{9D8B030D-6E8A-4147-A177-3AD203B41FA5}">
                       <a16:colId xmlns:a16="http://schemas.microsoft.com/office/drawing/2014/main" val="3952709782"/>
-                    </a:ext>
-                  </a:extLst>
-                </a:gridCol>
-                <a:gridCol w="2103120">
-                  <a:extLst>
-                    <a:ext uri="{9D8B030D-6E8A-4147-A177-3AD203B41FA5}">
-                      <a16:colId xmlns:a16="http://schemas.microsoft.com/office/drawing/2014/main" val="1043776486"/>
-                    </a:ext>
-                  </a:extLst>
-                </a:gridCol>
-                <a:gridCol w="2103120">
-                  <a:extLst>
-                    <a:ext uri="{9D8B030D-6E8A-4147-A177-3AD203B41FA5}">
-                      <a16:colId xmlns:a16="http://schemas.microsoft.com/office/drawing/2014/main" val="3300723215"/>
-                    </a:ext>
-                  </a:extLst>
-                </a:gridCol>
-                <a:gridCol w="2103120">
-                  <a:extLst>
-                    <a:ext uri="{9D8B030D-6E8A-4147-A177-3AD203B41FA5}">
-                      <a16:colId xmlns:a16="http://schemas.microsoft.com/office/drawing/2014/main" val="2353682154"/>
                     </a:ext>
                   </a:extLst>
                 </a:gridCol>
@@ -5440,7 +6314,11 @@
                     <a:bodyPr/>
                     <a:lstStyle/>
                     <a:p>
-                      <a:endParaRPr lang="en-IE" dirty="0"/>
+                      <a:pPr algn="ctr"/>
+                      <a:r>
+                        <a:rPr lang="en-IE" dirty="0"/>
+                        <a:t>The coding exercise</a:t>
+                      </a:r>
                     </a:p>
                   </a:txBody>
                   <a:tcPr/>
@@ -5450,37 +6328,11 @@
                     <a:bodyPr/>
                     <a:lstStyle/>
                     <a:p>
-                      <a:endParaRPr lang="en-IE"/>
-                    </a:p>
-                  </a:txBody>
-                  <a:tcPr/>
-                </a:tc>
-                <a:tc>
-                  <a:txBody>
-                    <a:bodyPr/>
-                    <a:lstStyle/>
-                    <a:p>
-                      <a:endParaRPr lang="en-IE"/>
-                    </a:p>
-                  </a:txBody>
-                  <a:tcPr/>
-                </a:tc>
-                <a:tc>
-                  <a:txBody>
-                    <a:bodyPr/>
-                    <a:lstStyle/>
-                    <a:p>
-                      <a:endParaRPr lang="en-IE"/>
-                    </a:p>
-                  </a:txBody>
-                  <a:tcPr/>
-                </a:tc>
-                <a:tc>
-                  <a:txBody>
-                    <a:bodyPr/>
-                    <a:lstStyle/>
-                    <a:p>
-                      <a:endParaRPr lang="en-IE"/>
+                      <a:pPr algn="ctr"/>
+                      <a:r>
+                        <a:rPr lang="en-IE" dirty="0"/>
+                        <a:t>My experience</a:t>
+                      </a:r>
                     </a:p>
                   </a:txBody>
                   <a:tcPr/>
@@ -5518,11 +6370,22 @@
                   </a:txBody>
                   <a:tcPr/>
                 </a:tc>
+                <a:extLst>
+                  <a:ext uri="{0D108BD9-81ED-4DB2-BD59-A6C34878D82A}">
+                    <a16:rowId xmlns:a16="http://schemas.microsoft.com/office/drawing/2014/main" val="3974587250"/>
+                  </a:ext>
+                </a:extLst>
+              </a:tr>
+              <a:tr h="370840">
                 <a:tc>
                   <a:txBody>
                     <a:bodyPr/>
                     <a:lstStyle/>
                     <a:p>
+                      <a:r>
+                        <a:rPr lang="en-IE" dirty="0" err="1"/>
+                        <a:t>NUnit</a:t>
+                      </a:r>
                       <a:endParaRPr lang="en-IE" dirty="0"/>
                     </a:p>
                   </a:txBody>
@@ -5533,24 +6396,17 @@
                     <a:bodyPr/>
                     <a:lstStyle/>
                     <a:p>
-                      <a:endParaRPr lang="en-IE" dirty="0"/>
-                    </a:p>
-                  </a:txBody>
-                  <a:tcPr/>
-                </a:tc>
-                <a:tc>
-                  <a:txBody>
-                    <a:bodyPr/>
-                    <a:lstStyle/>
-                    <a:p>
-                      <a:endParaRPr lang="en-IE" dirty="0"/>
+                      <a:r>
+                        <a:rPr lang="en-IE" dirty="0"/>
+                        <a:t>JUnit</a:t>
+                      </a:r>
                     </a:p>
                   </a:txBody>
                   <a:tcPr/>
                 </a:tc>
                 <a:extLst>
                   <a:ext uri="{0D108BD9-81ED-4DB2-BD59-A6C34878D82A}">
-                    <a16:rowId xmlns:a16="http://schemas.microsoft.com/office/drawing/2014/main" val="3974587250"/>
+                    <a16:rowId xmlns:a16="http://schemas.microsoft.com/office/drawing/2014/main" val="3690528828"/>
                   </a:ext>
                 </a:extLst>
               </a:tr>
@@ -5577,36 +6433,6 @@
                         <a:rPr lang="en-IE" dirty="0"/>
                         <a:t>Hibernate</a:t>
                       </a:r>
-                    </a:p>
-                  </a:txBody>
-                  <a:tcPr/>
-                </a:tc>
-                <a:tc>
-                  <a:txBody>
-                    <a:bodyPr/>
-                    <a:lstStyle/>
-                    <a:p>
-                      <a:endParaRPr lang="en-IE" dirty="0"/>
-                    </a:p>
-                  </a:txBody>
-                  <a:tcPr/>
-                </a:tc>
-                <a:tc>
-                  <a:txBody>
-                    <a:bodyPr/>
-                    <a:lstStyle/>
-                    <a:p>
-                      <a:endParaRPr lang="en-IE" dirty="0"/>
-                    </a:p>
-                  </a:txBody>
-                  <a:tcPr/>
-                </a:tc>
-                <a:tc>
-                  <a:txBody>
-                    <a:bodyPr/>
-                    <a:lstStyle/>
-                    <a:p>
-                      <a:endParaRPr lang="en-IE" dirty="0"/>
                     </a:p>
                   </a:txBody>
                   <a:tcPr/>
@@ -5644,36 +6470,6 @@
                   </a:txBody>
                   <a:tcPr/>
                 </a:tc>
-                <a:tc>
-                  <a:txBody>
-                    <a:bodyPr/>
-                    <a:lstStyle/>
-                    <a:p>
-                      <a:endParaRPr lang="en-IE" dirty="0"/>
-                    </a:p>
-                  </a:txBody>
-                  <a:tcPr/>
-                </a:tc>
-                <a:tc>
-                  <a:txBody>
-                    <a:bodyPr/>
-                    <a:lstStyle/>
-                    <a:p>
-                      <a:endParaRPr lang="en-IE" dirty="0"/>
-                    </a:p>
-                  </a:txBody>
-                  <a:tcPr/>
-                </a:tc>
-                <a:tc>
-                  <a:txBody>
-                    <a:bodyPr/>
-                    <a:lstStyle/>
-                    <a:p>
-                      <a:endParaRPr lang="en-IE" dirty="0"/>
-                    </a:p>
-                  </a:txBody>
-                  <a:tcPr/>
-                </a:tc>
                 <a:extLst>
                   <a:ext uri="{0D108BD9-81ED-4DB2-BD59-A6C34878D82A}">
                     <a16:rowId xmlns:a16="http://schemas.microsoft.com/office/drawing/2014/main" val="3171447868"/>
@@ -5707,104 +6503,9 @@
                   </a:txBody>
                   <a:tcPr/>
                 </a:tc>
-                <a:tc>
-                  <a:txBody>
-                    <a:bodyPr/>
-                    <a:lstStyle/>
-                    <a:p>
-                      <a:endParaRPr lang="en-IE" dirty="0"/>
-                    </a:p>
-                  </a:txBody>
-                  <a:tcPr/>
-                </a:tc>
-                <a:tc>
-                  <a:txBody>
-                    <a:bodyPr/>
-                    <a:lstStyle/>
-                    <a:p>
-                      <a:endParaRPr lang="en-IE" dirty="0"/>
-                    </a:p>
-                  </a:txBody>
-                  <a:tcPr/>
-                </a:tc>
-                <a:tc>
-                  <a:txBody>
-                    <a:bodyPr/>
-                    <a:lstStyle/>
-                    <a:p>
-                      <a:endParaRPr lang="en-IE" dirty="0"/>
-                    </a:p>
-                  </a:txBody>
-                  <a:tcPr/>
-                </a:tc>
                 <a:extLst>
                   <a:ext uri="{0D108BD9-81ED-4DB2-BD59-A6C34878D82A}">
                     <a16:rowId xmlns:a16="http://schemas.microsoft.com/office/drawing/2014/main" val="2153664491"/>
-                  </a:ext>
-                </a:extLst>
-              </a:tr>
-              <a:tr h="370840">
-                <a:tc>
-                  <a:txBody>
-                    <a:bodyPr/>
-                    <a:lstStyle/>
-                    <a:p>
-                      <a:r>
-                        <a:rPr lang="en-IE" dirty="0"/>
-                        <a:t>TODO </a:t>
-                      </a:r>
-                      <a:r>
-                        <a:rPr lang="en-IE"/>
-                        <a:t>any else?</a:t>
-                      </a:r>
-                      <a:endParaRPr lang="en-IE" dirty="0"/>
-                    </a:p>
-                  </a:txBody>
-                  <a:tcPr/>
-                </a:tc>
-                <a:tc>
-                  <a:txBody>
-                    <a:bodyPr/>
-                    <a:lstStyle/>
-                    <a:p>
-                      <a:endParaRPr lang="en-IE" dirty="0"/>
-                    </a:p>
-                  </a:txBody>
-                  <a:tcPr/>
-                </a:tc>
-                <a:tc>
-                  <a:txBody>
-                    <a:bodyPr/>
-                    <a:lstStyle/>
-                    <a:p>
-                      <a:endParaRPr lang="en-IE" dirty="0"/>
-                    </a:p>
-                  </a:txBody>
-                  <a:tcPr/>
-                </a:tc>
-                <a:tc>
-                  <a:txBody>
-                    <a:bodyPr/>
-                    <a:lstStyle/>
-                    <a:p>
-                      <a:endParaRPr lang="en-IE" dirty="0"/>
-                    </a:p>
-                  </a:txBody>
-                  <a:tcPr/>
-                </a:tc>
-                <a:tc>
-                  <a:txBody>
-                    <a:bodyPr/>
-                    <a:lstStyle/>
-                    <a:p>
-                      <a:endParaRPr lang="en-IE" dirty="0"/>
-                    </a:p>
-                  </a:txBody>
-                  <a:tcPr/>
-                </a:tc>
-                <a:extLst>
-                  <a:ext uri="{0D108BD9-81ED-4DB2-BD59-A6C34878D82A}">
-                    <a16:rowId xmlns:a16="http://schemas.microsoft.com/office/drawing/2014/main" val="2605663266"/>
                   </a:ext>
                 </a:extLst>
               </a:tr>
@@ -5822,6 +6523,89 @@
   <p:clrMapOvr>
     <a:masterClrMapping/>
   </p:clrMapOvr>
+  <p:timing>
+    <p:tnLst>
+      <p:par>
+        <p:cTn id="1" dur="indefinite" restart="never" nodeType="tmRoot">
+          <p:childTnLst>
+            <p:seq concurrent="1" nextAc="seek">
+              <p:cTn id="2" dur="indefinite" nodeType="mainSeq">
+                <p:childTnLst>
+                  <p:par>
+                    <p:cTn id="3" fill="hold">
+                      <p:stCondLst>
+                        <p:cond delay="indefinite"/>
+                      </p:stCondLst>
+                      <p:childTnLst>
+                        <p:par>
+                          <p:cTn id="4" fill="hold">
+                            <p:stCondLst>
+                              <p:cond delay="0"/>
+                            </p:stCondLst>
+                            <p:childTnLst>
+                              <p:par>
+                                <p:cTn id="5" presetID="22" presetClass="entr" presetSubtype="1" fill="hold" nodeType="clickEffect">
+                                  <p:stCondLst>
+                                    <p:cond delay="0"/>
+                                  </p:stCondLst>
+                                  <p:childTnLst>
+                                    <p:set>
+                                      <p:cBhvr>
+                                        <p:cTn id="6" dur="1" fill="hold">
+                                          <p:stCondLst>
+                                            <p:cond delay="0"/>
+                                          </p:stCondLst>
+                                        </p:cTn>
+                                        <p:tgtEl>
+                                          <p:spTgt spid="4"/>
+                                        </p:tgtEl>
+                                        <p:attrNameLst>
+                                          <p:attrName>style.visibility</p:attrName>
+                                        </p:attrNameLst>
+                                      </p:cBhvr>
+                                      <p:to>
+                                        <p:strVal val="visible"/>
+                                      </p:to>
+                                    </p:set>
+                                    <p:animEffect transition="in" filter="wipe(up)">
+                                      <p:cBhvr>
+                                        <p:cTn id="7" dur="500"/>
+                                        <p:tgtEl>
+                                          <p:spTgt spid="4"/>
+                                        </p:tgtEl>
+                                      </p:cBhvr>
+                                    </p:animEffect>
+                                  </p:childTnLst>
+                                </p:cTn>
+                              </p:par>
+                            </p:childTnLst>
+                          </p:cTn>
+                        </p:par>
+                      </p:childTnLst>
+                    </p:cTn>
+                  </p:par>
+                </p:childTnLst>
+              </p:cTn>
+              <p:prevCondLst>
+                <p:cond evt="onPrev" delay="0">
+                  <p:tgtEl>
+                    <p:sldTgt/>
+                  </p:tgtEl>
+                </p:cond>
+              </p:prevCondLst>
+              <p:nextCondLst>
+                <p:cond evt="onNext" delay="0">
+                  <p:tgtEl>
+                    <p:sldTgt/>
+                  </p:tgtEl>
+                </p:cond>
+              </p:nextCondLst>
+            </p:seq>
+          </p:childTnLst>
+        </p:cTn>
+      </p:par>
+    </p:tnLst>
+  </p:timing>
 </p:sld>
 </file>
 

--- a/Coding Exercise.pptx
+++ b/Coding Exercise.pptx
@@ -785,7 +785,7 @@
           <a:p>
             <a:r>
               <a:rPr lang="en-IE" dirty="0"/>
-              <a:t>C#/Java includes both the languages and the surrounding tools and ecosystem</a:t>
+              <a:t>C#/Java includes both the languages and the surrounding tools and ecosystem, best practices, conventions…</a:t>
             </a:r>
           </a:p>
         </p:txBody>

--- a/Coding Exercise.pptx
+++ b/Coding Exercise.pptx
@@ -6277,7 +6277,7 @@
             <p:ph idx="1"/>
             <p:extLst>
               <p:ext uri="{D42A27DB-BD31-4B8C-83A1-F6EECF244321}">
-                <p14:modId xmlns:p14="http://schemas.microsoft.com/office/powerpoint/2010/main" val="1938161375"/>
+                <p14:modId xmlns:p14="http://schemas.microsoft.com/office/powerpoint/2010/main" val="3222476533"/>
               </p:ext>
             </p:extLst>
           </p:nvPr>
@@ -6418,8 +6418,20 @@
                     <a:p>
                       <a:r>
                         <a:rPr lang="en-IE" dirty="0"/>
-                        <a:t>LINQ</a:t>
+                        <a:t>LINQ, </a:t>
                       </a:r>
+                      <a:r>
+                        <a:rPr lang="en-IE" sz="1800" kern="1200">
+                          <a:solidFill>
+                            <a:schemeClr val="dk1"/>
+                          </a:solidFill>
+                          <a:latin typeface="+mn-lt"/>
+                          <a:ea typeface="+mn-ea"/>
+                          <a:cs typeface="+mn-cs"/>
+                        </a:rPr>
+                        <a:t>DbContext</a:t>
+                      </a:r>
+                      <a:endParaRPr lang="en-IE" dirty="0"/>
                     </a:p>
                   </a:txBody>
                   <a:tcPr/>

--- a/Coding Exercise.pptx
+++ b/Coding Exercise.pptx
@@ -202,7 +202,7 @@
           <a:p>
             <a:fld id="{CC7FF037-7D5F-4C4E-B74B-227986D06286}" type="datetimeFigureOut">
               <a:rPr lang="en-IE" smtClean="0"/>
-              <a:t>02/02/2025</a:t>
+              <a:t>03/02/2025</a:t>
             </a:fld>
             <a:endParaRPr lang="en-IE"/>
           </a:p>
@@ -975,7 +975,7 @@
           <a:p>
             <a:fld id="{CB48A5E9-356B-44C2-968B-AFC4DF35E53C}" type="datetimeFigureOut">
               <a:rPr lang="en-IE" smtClean="0"/>
-              <a:t>02/02/2025</a:t>
+              <a:t>03/02/2025</a:t>
             </a:fld>
             <a:endParaRPr lang="en-IE"/>
           </a:p>
@@ -1175,7 +1175,7 @@
           <a:p>
             <a:fld id="{CB48A5E9-356B-44C2-968B-AFC4DF35E53C}" type="datetimeFigureOut">
               <a:rPr lang="en-IE" smtClean="0"/>
-              <a:t>02/02/2025</a:t>
+              <a:t>03/02/2025</a:t>
             </a:fld>
             <a:endParaRPr lang="en-IE"/>
           </a:p>
@@ -1385,7 +1385,7 @@
           <a:p>
             <a:fld id="{CB48A5E9-356B-44C2-968B-AFC4DF35E53C}" type="datetimeFigureOut">
               <a:rPr lang="en-IE" smtClean="0"/>
-              <a:t>02/02/2025</a:t>
+              <a:t>03/02/2025</a:t>
             </a:fld>
             <a:endParaRPr lang="en-IE"/>
           </a:p>
@@ -1585,7 +1585,7 @@
           <a:p>
             <a:fld id="{CB48A5E9-356B-44C2-968B-AFC4DF35E53C}" type="datetimeFigureOut">
               <a:rPr lang="en-IE" smtClean="0"/>
-              <a:t>02/02/2025</a:t>
+              <a:t>03/02/2025</a:t>
             </a:fld>
             <a:endParaRPr lang="en-IE"/>
           </a:p>
@@ -1861,7 +1861,7 @@
           <a:p>
             <a:fld id="{CB48A5E9-356B-44C2-968B-AFC4DF35E53C}" type="datetimeFigureOut">
               <a:rPr lang="en-IE" smtClean="0"/>
-              <a:t>02/02/2025</a:t>
+              <a:t>03/02/2025</a:t>
             </a:fld>
             <a:endParaRPr lang="en-IE"/>
           </a:p>
@@ -2129,7 +2129,7 @@
           <a:p>
             <a:fld id="{CB48A5E9-356B-44C2-968B-AFC4DF35E53C}" type="datetimeFigureOut">
               <a:rPr lang="en-IE" smtClean="0"/>
-              <a:t>02/02/2025</a:t>
+              <a:t>03/02/2025</a:t>
             </a:fld>
             <a:endParaRPr lang="en-IE"/>
           </a:p>
@@ -2544,7 +2544,7 @@
           <a:p>
             <a:fld id="{CB48A5E9-356B-44C2-968B-AFC4DF35E53C}" type="datetimeFigureOut">
               <a:rPr lang="en-IE" smtClean="0"/>
-              <a:t>02/02/2025</a:t>
+              <a:t>03/02/2025</a:t>
             </a:fld>
             <a:endParaRPr lang="en-IE"/>
           </a:p>
@@ -2686,7 +2686,7 @@
           <a:p>
             <a:fld id="{CB48A5E9-356B-44C2-968B-AFC4DF35E53C}" type="datetimeFigureOut">
               <a:rPr lang="en-IE" smtClean="0"/>
-              <a:t>02/02/2025</a:t>
+              <a:t>03/02/2025</a:t>
             </a:fld>
             <a:endParaRPr lang="en-IE"/>
           </a:p>
@@ -2799,7 +2799,7 @@
           <a:p>
             <a:fld id="{CB48A5E9-356B-44C2-968B-AFC4DF35E53C}" type="datetimeFigureOut">
               <a:rPr lang="en-IE" smtClean="0"/>
-              <a:t>02/02/2025</a:t>
+              <a:t>03/02/2025</a:t>
             </a:fld>
             <a:endParaRPr lang="en-IE"/>
           </a:p>
@@ -3112,7 +3112,7 @@
           <a:p>
             <a:fld id="{CB48A5E9-356B-44C2-968B-AFC4DF35E53C}" type="datetimeFigureOut">
               <a:rPr lang="en-IE" smtClean="0"/>
-              <a:t>02/02/2025</a:t>
+              <a:t>03/02/2025</a:t>
             </a:fld>
             <a:endParaRPr lang="en-IE"/>
           </a:p>
@@ -3401,7 +3401,7 @@
           <a:p>
             <a:fld id="{CB48A5E9-356B-44C2-968B-AFC4DF35E53C}" type="datetimeFigureOut">
               <a:rPr lang="en-IE" smtClean="0"/>
-              <a:t>02/02/2025</a:t>
+              <a:t>03/02/2025</a:t>
             </a:fld>
             <a:endParaRPr lang="en-IE"/>
           </a:p>
@@ -3644,7 +3644,7 @@
           <a:p>
             <a:fld id="{CB48A5E9-356B-44C2-968B-AFC4DF35E53C}" type="datetimeFigureOut">
               <a:rPr lang="en-IE" smtClean="0"/>
-              <a:t>02/02/2025</a:t>
+              <a:t>03/02/2025</a:t>
             </a:fld>
             <a:endParaRPr lang="en-IE"/>
           </a:p>
@@ -6277,14 +6277,14 @@
             <p:ph idx="1"/>
             <p:extLst>
               <p:ext uri="{D42A27DB-BD31-4B8C-83A1-F6EECF244321}">
-                <p14:modId xmlns:p14="http://schemas.microsoft.com/office/powerpoint/2010/main" val="3222476533"/>
+                <p14:modId xmlns:p14="http://schemas.microsoft.com/office/powerpoint/2010/main" val="2887519563"/>
               </p:ext>
             </p:extLst>
           </p:nvPr>
         </p:nvGraphicFramePr>
         <p:xfrm>
           <a:off x="3091992" y="2181860"/>
-          <a:ext cx="5107128" cy="2225040"/>
+          <a:ext cx="5107128" cy="2595880"/>
         </p:xfrm>
         <a:graphic>
           <a:graphicData uri="http://schemas.openxmlformats.org/drawingml/2006/table">
@@ -6386,7 +6386,10 @@
                         <a:rPr lang="en-IE" dirty="0" err="1"/>
                         <a:t>NUnit</a:t>
                       </a:r>
-                      <a:endParaRPr lang="en-IE" dirty="0"/>
+                      <a:r>
+                        <a:rPr lang="en-IE" dirty="0"/>
+                        <a:t>, Jest</a:t>
+                      </a:r>
                     </a:p>
                   </a:txBody>
                   <a:tcPr/>
@@ -6518,6 +6521,44 @@
                 <a:extLst>
                   <a:ext uri="{0D108BD9-81ED-4DB2-BD59-A6C34878D82A}">
                     <a16:rowId xmlns:a16="http://schemas.microsoft.com/office/drawing/2014/main" val="2153664491"/>
+                  </a:ext>
+                </a:extLst>
+              </a:tr>
+              <a:tr h="370840">
+                <a:tc>
+                  <a:txBody>
+                    <a:bodyPr/>
+                    <a:lstStyle/>
+                    <a:p>
+                      <a:r>
+                        <a:rPr lang="en-IE" dirty="0"/>
+                        <a:t>TypeScript</a:t>
+                      </a:r>
+                    </a:p>
+                  </a:txBody>
+                  <a:tcPr/>
+                </a:tc>
+                <a:tc>
+                  <a:txBody>
+                    <a:bodyPr/>
+                    <a:lstStyle/>
+                    <a:p>
+                      <a:r>
+                        <a:rPr lang="en-IE" dirty="0"/>
+                        <a:t>JavaScript (</a:t>
+                      </a:r>
+                      <a:r>
+                        <a:rPr lang="en-IE"/>
+                        <a:t>Node.js)</a:t>
+                      </a:r>
+                      <a:endParaRPr lang="en-IE" dirty="0"/>
+                    </a:p>
+                  </a:txBody>
+                  <a:tcPr/>
+                </a:tc>
+                <a:extLst>
+                  <a:ext uri="{0D108BD9-81ED-4DB2-BD59-A6C34878D82A}">
+                    <a16:rowId xmlns:a16="http://schemas.microsoft.com/office/drawing/2014/main" val="501923895"/>
                   </a:ext>
                 </a:extLst>
               </a:tr>

--- a/Coding Exercise.pptx
+++ b/Coding Exercise.pptx
@@ -533,8 +533,14 @@
           <a:lstStyle/>
           <a:p>
             <a:r>
+              <a:rPr lang="en-IE"/>
+              <a:t>TODO reorder?</a:t>
+            </a:r>
+          </a:p>
+          <a:p>
+            <a:r>
               <a:rPr lang="en-IE" dirty="0"/>
-              <a:t>C#/Java includes both the languages and the surrounding tools and ecosystem</a:t>
+              <a:t>Mention that these are in the README.md docs, too.</a:t>
             </a:r>
           </a:p>
         </p:txBody>
@@ -1655,6 +1661,542 @@
   <p:clrMapOvr>
     <a:masterClrMapping/>
   </p:clrMapOvr>
+  <p:timing>
+    <p:tnLst>
+      <p:par>
+        <p:cTn id="1" dur="indefinite" restart="never" nodeType="tmRoot">
+          <p:childTnLst>
+            <p:seq concurrent="1" nextAc="seek">
+              <p:cTn id="2" dur="indefinite" nodeType="mainSeq">
+                <p:childTnLst>
+                  <p:par>
+                    <p:cTn id="3" fill="hold">
+                      <p:stCondLst>
+                        <p:cond delay="indefinite"/>
+                      </p:stCondLst>
+                      <p:childTnLst>
+                        <p:par>
+                          <p:cTn id="4" fill="hold">
+                            <p:stCondLst>
+                              <p:cond delay="0"/>
+                            </p:stCondLst>
+                            <p:childTnLst>
+                              <p:par>
+                                <p:cTn id="5" presetID="10" presetClass="entr" presetSubtype="0" fill="hold" grpId="0" nodeType="clickEffect">
+                                  <p:stCondLst>
+                                    <p:cond delay="0"/>
+                                  </p:stCondLst>
+                                  <p:childTnLst>
+                                    <p:set>
+                                      <p:cBhvr>
+                                        <p:cTn id="6" dur="1" fill="hold">
+                                          <p:stCondLst>
+                                            <p:cond delay="0"/>
+                                          </p:stCondLst>
+                                        </p:cTn>
+                                        <p:tgtEl>
+                                          <p:spTgt spid="3">
+                                            <p:txEl>
+                                              <p:pRg st="0" end="0"/>
+                                            </p:txEl>
+                                          </p:spTgt>
+                                        </p:tgtEl>
+                                        <p:attrNameLst>
+                                          <p:attrName>style.visibility</p:attrName>
+                                        </p:attrNameLst>
+                                      </p:cBhvr>
+                                      <p:to>
+                                        <p:strVal val="visible"/>
+                                      </p:to>
+                                    </p:set>
+                                    <p:animEffect transition="in" filter="fade">
+                                      <p:cBhvr>
+                                        <p:cTn id="7" dur="500"/>
+                                        <p:tgtEl>
+                                          <p:spTgt spid="3">
+                                            <p:txEl>
+                                              <p:pRg st="0" end="0"/>
+                                            </p:txEl>
+                                          </p:spTgt>
+                                        </p:tgtEl>
+                                      </p:cBhvr>
+                                    </p:animEffect>
+                                  </p:childTnLst>
+                                </p:cTn>
+                              </p:par>
+                            </p:childTnLst>
+                          </p:cTn>
+                        </p:par>
+                      </p:childTnLst>
+                    </p:cTn>
+                  </p:par>
+                  <p:par>
+                    <p:cTn id="8" fill="hold">
+                      <p:stCondLst>
+                        <p:cond delay="indefinite"/>
+                      </p:stCondLst>
+                      <p:childTnLst>
+                        <p:par>
+                          <p:cTn id="9" fill="hold">
+                            <p:stCondLst>
+                              <p:cond delay="0"/>
+                            </p:stCondLst>
+                            <p:childTnLst>
+                              <p:par>
+                                <p:cTn id="10" presetID="10" presetClass="entr" presetSubtype="0" fill="hold" grpId="0" nodeType="clickEffect">
+                                  <p:stCondLst>
+                                    <p:cond delay="0"/>
+                                  </p:stCondLst>
+                                  <p:childTnLst>
+                                    <p:set>
+                                      <p:cBhvr>
+                                        <p:cTn id="11" dur="1" fill="hold">
+                                          <p:stCondLst>
+                                            <p:cond delay="0"/>
+                                          </p:stCondLst>
+                                        </p:cTn>
+                                        <p:tgtEl>
+                                          <p:spTgt spid="3">
+                                            <p:txEl>
+                                              <p:pRg st="1" end="1"/>
+                                            </p:txEl>
+                                          </p:spTgt>
+                                        </p:tgtEl>
+                                        <p:attrNameLst>
+                                          <p:attrName>style.visibility</p:attrName>
+                                        </p:attrNameLst>
+                                      </p:cBhvr>
+                                      <p:to>
+                                        <p:strVal val="visible"/>
+                                      </p:to>
+                                    </p:set>
+                                    <p:animEffect transition="in" filter="fade">
+                                      <p:cBhvr>
+                                        <p:cTn id="12" dur="500"/>
+                                        <p:tgtEl>
+                                          <p:spTgt spid="3">
+                                            <p:txEl>
+                                              <p:pRg st="1" end="1"/>
+                                            </p:txEl>
+                                          </p:spTgt>
+                                        </p:tgtEl>
+                                      </p:cBhvr>
+                                    </p:animEffect>
+                                  </p:childTnLst>
+                                </p:cTn>
+                              </p:par>
+                            </p:childTnLst>
+                          </p:cTn>
+                        </p:par>
+                      </p:childTnLst>
+                    </p:cTn>
+                  </p:par>
+                  <p:par>
+                    <p:cTn id="13" fill="hold">
+                      <p:stCondLst>
+                        <p:cond delay="indefinite"/>
+                      </p:stCondLst>
+                      <p:childTnLst>
+                        <p:par>
+                          <p:cTn id="14" fill="hold">
+                            <p:stCondLst>
+                              <p:cond delay="0"/>
+                            </p:stCondLst>
+                            <p:childTnLst>
+                              <p:par>
+                                <p:cTn id="15" presetID="10" presetClass="entr" presetSubtype="0" fill="hold" grpId="0" nodeType="clickEffect">
+                                  <p:stCondLst>
+                                    <p:cond delay="0"/>
+                                  </p:stCondLst>
+                                  <p:childTnLst>
+                                    <p:set>
+                                      <p:cBhvr>
+                                        <p:cTn id="16" dur="1" fill="hold">
+                                          <p:stCondLst>
+                                            <p:cond delay="0"/>
+                                          </p:stCondLst>
+                                        </p:cTn>
+                                        <p:tgtEl>
+                                          <p:spTgt spid="3">
+                                            <p:txEl>
+                                              <p:pRg st="2" end="2"/>
+                                            </p:txEl>
+                                          </p:spTgt>
+                                        </p:tgtEl>
+                                        <p:attrNameLst>
+                                          <p:attrName>style.visibility</p:attrName>
+                                        </p:attrNameLst>
+                                      </p:cBhvr>
+                                      <p:to>
+                                        <p:strVal val="visible"/>
+                                      </p:to>
+                                    </p:set>
+                                    <p:animEffect transition="in" filter="fade">
+                                      <p:cBhvr>
+                                        <p:cTn id="17" dur="500"/>
+                                        <p:tgtEl>
+                                          <p:spTgt spid="3">
+                                            <p:txEl>
+                                              <p:pRg st="2" end="2"/>
+                                            </p:txEl>
+                                          </p:spTgt>
+                                        </p:tgtEl>
+                                      </p:cBhvr>
+                                    </p:animEffect>
+                                  </p:childTnLst>
+                                </p:cTn>
+                              </p:par>
+                            </p:childTnLst>
+                          </p:cTn>
+                        </p:par>
+                      </p:childTnLst>
+                    </p:cTn>
+                  </p:par>
+                  <p:par>
+                    <p:cTn id="18" fill="hold">
+                      <p:stCondLst>
+                        <p:cond delay="indefinite"/>
+                      </p:stCondLst>
+                      <p:childTnLst>
+                        <p:par>
+                          <p:cTn id="19" fill="hold">
+                            <p:stCondLst>
+                              <p:cond delay="0"/>
+                            </p:stCondLst>
+                            <p:childTnLst>
+                              <p:par>
+                                <p:cTn id="20" presetID="10" presetClass="entr" presetSubtype="0" fill="hold" grpId="0" nodeType="clickEffect">
+                                  <p:stCondLst>
+                                    <p:cond delay="0"/>
+                                  </p:stCondLst>
+                                  <p:childTnLst>
+                                    <p:set>
+                                      <p:cBhvr>
+                                        <p:cTn id="21" dur="1" fill="hold">
+                                          <p:stCondLst>
+                                            <p:cond delay="0"/>
+                                          </p:stCondLst>
+                                        </p:cTn>
+                                        <p:tgtEl>
+                                          <p:spTgt spid="3">
+                                            <p:txEl>
+                                              <p:pRg st="3" end="3"/>
+                                            </p:txEl>
+                                          </p:spTgt>
+                                        </p:tgtEl>
+                                        <p:attrNameLst>
+                                          <p:attrName>style.visibility</p:attrName>
+                                        </p:attrNameLst>
+                                      </p:cBhvr>
+                                      <p:to>
+                                        <p:strVal val="visible"/>
+                                      </p:to>
+                                    </p:set>
+                                    <p:animEffect transition="in" filter="fade">
+                                      <p:cBhvr>
+                                        <p:cTn id="22" dur="500"/>
+                                        <p:tgtEl>
+                                          <p:spTgt spid="3">
+                                            <p:txEl>
+                                              <p:pRg st="3" end="3"/>
+                                            </p:txEl>
+                                          </p:spTgt>
+                                        </p:tgtEl>
+                                      </p:cBhvr>
+                                    </p:animEffect>
+                                  </p:childTnLst>
+                                </p:cTn>
+                              </p:par>
+                            </p:childTnLst>
+                          </p:cTn>
+                        </p:par>
+                      </p:childTnLst>
+                    </p:cTn>
+                  </p:par>
+                  <p:par>
+                    <p:cTn id="23" fill="hold">
+                      <p:stCondLst>
+                        <p:cond delay="indefinite"/>
+                      </p:stCondLst>
+                      <p:childTnLst>
+                        <p:par>
+                          <p:cTn id="24" fill="hold">
+                            <p:stCondLst>
+                              <p:cond delay="0"/>
+                            </p:stCondLst>
+                            <p:childTnLst>
+                              <p:par>
+                                <p:cTn id="25" presetID="10" presetClass="entr" presetSubtype="0" fill="hold" grpId="0" nodeType="clickEffect">
+                                  <p:stCondLst>
+                                    <p:cond delay="0"/>
+                                  </p:stCondLst>
+                                  <p:childTnLst>
+                                    <p:set>
+                                      <p:cBhvr>
+                                        <p:cTn id="26" dur="1" fill="hold">
+                                          <p:stCondLst>
+                                            <p:cond delay="0"/>
+                                          </p:stCondLst>
+                                        </p:cTn>
+                                        <p:tgtEl>
+                                          <p:spTgt spid="3">
+                                            <p:txEl>
+                                              <p:pRg st="4" end="4"/>
+                                            </p:txEl>
+                                          </p:spTgt>
+                                        </p:tgtEl>
+                                        <p:attrNameLst>
+                                          <p:attrName>style.visibility</p:attrName>
+                                        </p:attrNameLst>
+                                      </p:cBhvr>
+                                      <p:to>
+                                        <p:strVal val="visible"/>
+                                      </p:to>
+                                    </p:set>
+                                    <p:animEffect transition="in" filter="fade">
+                                      <p:cBhvr>
+                                        <p:cTn id="27" dur="500"/>
+                                        <p:tgtEl>
+                                          <p:spTgt spid="3">
+                                            <p:txEl>
+                                              <p:pRg st="4" end="4"/>
+                                            </p:txEl>
+                                          </p:spTgt>
+                                        </p:tgtEl>
+                                      </p:cBhvr>
+                                    </p:animEffect>
+                                  </p:childTnLst>
+                                </p:cTn>
+                              </p:par>
+                            </p:childTnLst>
+                          </p:cTn>
+                        </p:par>
+                      </p:childTnLst>
+                    </p:cTn>
+                  </p:par>
+                </p:childTnLst>
+              </p:cTn>
+              <p:prevCondLst>
+                <p:cond evt="onPrev" delay="0">
+                  <p:tgtEl>
+                    <p:sldTgt/>
+                  </p:tgtEl>
+                </p:cond>
+              </p:prevCondLst>
+              <p:nextCondLst>
+                <p:cond evt="onNext" delay="0">
+                  <p:tgtEl>
+                    <p:sldTgt/>
+                  </p:tgtEl>
+                </p:cond>
+              </p:nextCondLst>
+            </p:seq>
+          </p:childTnLst>
+        </p:cTn>
+      </p:par>
+    </p:tnLst>
+    <p:bldLst>
+      <p:bldP spid="3" grpId="0" build="p" bldLvl="5">
+        <p:tmplLst>
+          <p:tmpl lvl="1">
+            <p:tnLst>
+              <p:par>
+                <p:cTn presetID="10" presetClass="entr" presetSubtype="0" fill="hold" nodeType="clickEffect">
+                  <p:stCondLst>
+                    <p:cond delay="0"/>
+                  </p:stCondLst>
+                  <p:childTnLst>
+                    <p:set>
+                      <p:cBhvr>
+                        <p:cTn dur="1" fill="hold">
+                          <p:stCondLst>
+                            <p:cond delay="0"/>
+                          </p:stCondLst>
+                        </p:cTn>
+                        <p:tgtEl>
+                          <p:spTgt spid="3"/>
+                        </p:tgtEl>
+                        <p:attrNameLst>
+                          <p:attrName>style.visibility</p:attrName>
+                        </p:attrNameLst>
+                      </p:cBhvr>
+                      <p:to>
+                        <p:strVal val="visible"/>
+                      </p:to>
+                    </p:set>
+                    <p:animEffect transition="in" filter="fade">
+                      <p:cBhvr>
+                        <p:cTn dur="500"/>
+                        <p:tgtEl>
+                          <p:spTgt spid="3"/>
+                        </p:tgtEl>
+                      </p:cBhvr>
+                    </p:animEffect>
+                  </p:childTnLst>
+                </p:cTn>
+              </p:par>
+            </p:tnLst>
+          </p:tmpl>
+          <p:tmpl lvl="2">
+            <p:tnLst>
+              <p:par>
+                <p:cTn presetID="10" presetClass="entr" presetSubtype="0" fill="hold" nodeType="clickEffect">
+                  <p:stCondLst>
+                    <p:cond delay="0"/>
+                  </p:stCondLst>
+                  <p:childTnLst>
+                    <p:set>
+                      <p:cBhvr>
+                        <p:cTn dur="1" fill="hold">
+                          <p:stCondLst>
+                            <p:cond delay="0"/>
+                          </p:stCondLst>
+                        </p:cTn>
+                        <p:tgtEl>
+                          <p:spTgt spid="3"/>
+                        </p:tgtEl>
+                        <p:attrNameLst>
+                          <p:attrName>style.visibility</p:attrName>
+                        </p:attrNameLst>
+                      </p:cBhvr>
+                      <p:to>
+                        <p:strVal val="visible"/>
+                      </p:to>
+                    </p:set>
+                    <p:animEffect transition="in" filter="fade">
+                      <p:cBhvr>
+                        <p:cTn dur="500"/>
+                        <p:tgtEl>
+                          <p:spTgt spid="3"/>
+                        </p:tgtEl>
+                      </p:cBhvr>
+                    </p:animEffect>
+                  </p:childTnLst>
+                </p:cTn>
+              </p:par>
+            </p:tnLst>
+          </p:tmpl>
+          <p:tmpl lvl="3">
+            <p:tnLst>
+              <p:par>
+                <p:cTn presetID="10" presetClass="entr" presetSubtype="0" fill="hold" nodeType="clickEffect">
+                  <p:stCondLst>
+                    <p:cond delay="0"/>
+                  </p:stCondLst>
+                  <p:childTnLst>
+                    <p:set>
+                      <p:cBhvr>
+                        <p:cTn dur="1" fill="hold">
+                          <p:stCondLst>
+                            <p:cond delay="0"/>
+                          </p:stCondLst>
+                        </p:cTn>
+                        <p:tgtEl>
+                          <p:spTgt spid="3"/>
+                        </p:tgtEl>
+                        <p:attrNameLst>
+                          <p:attrName>style.visibility</p:attrName>
+                        </p:attrNameLst>
+                      </p:cBhvr>
+                      <p:to>
+                        <p:strVal val="visible"/>
+                      </p:to>
+                    </p:set>
+                    <p:animEffect transition="in" filter="fade">
+                      <p:cBhvr>
+                        <p:cTn dur="500"/>
+                        <p:tgtEl>
+                          <p:spTgt spid="3"/>
+                        </p:tgtEl>
+                      </p:cBhvr>
+                    </p:animEffect>
+                  </p:childTnLst>
+                </p:cTn>
+              </p:par>
+            </p:tnLst>
+          </p:tmpl>
+          <p:tmpl lvl="4">
+            <p:tnLst>
+              <p:par>
+                <p:cTn presetID="10" presetClass="entr" presetSubtype="0" fill="hold" nodeType="clickEffect">
+                  <p:stCondLst>
+                    <p:cond delay="0"/>
+                  </p:stCondLst>
+                  <p:childTnLst>
+                    <p:set>
+                      <p:cBhvr>
+                        <p:cTn dur="1" fill="hold">
+                          <p:stCondLst>
+                            <p:cond delay="0"/>
+                          </p:stCondLst>
+                        </p:cTn>
+                        <p:tgtEl>
+                          <p:spTgt spid="3"/>
+                        </p:tgtEl>
+                        <p:attrNameLst>
+                          <p:attrName>style.visibility</p:attrName>
+                        </p:attrNameLst>
+                      </p:cBhvr>
+                      <p:to>
+                        <p:strVal val="visible"/>
+                      </p:to>
+                    </p:set>
+                    <p:animEffect transition="in" filter="fade">
+                      <p:cBhvr>
+                        <p:cTn dur="500"/>
+                        <p:tgtEl>
+                          <p:spTgt spid="3"/>
+                        </p:tgtEl>
+                      </p:cBhvr>
+                    </p:animEffect>
+                  </p:childTnLst>
+                </p:cTn>
+              </p:par>
+            </p:tnLst>
+          </p:tmpl>
+          <p:tmpl lvl="5">
+            <p:tnLst>
+              <p:par>
+                <p:cTn presetID="10" presetClass="entr" presetSubtype="0" fill="hold" nodeType="clickEffect">
+                  <p:stCondLst>
+                    <p:cond delay="0"/>
+                  </p:stCondLst>
+                  <p:childTnLst>
+                    <p:set>
+                      <p:cBhvr>
+                        <p:cTn dur="1" fill="hold">
+                          <p:stCondLst>
+                            <p:cond delay="0"/>
+                          </p:stCondLst>
+                        </p:cTn>
+                        <p:tgtEl>
+                          <p:spTgt spid="3"/>
+                        </p:tgtEl>
+                        <p:attrNameLst>
+                          <p:attrName>style.visibility</p:attrName>
+                        </p:attrNameLst>
+                      </p:cBhvr>
+                      <p:to>
+                        <p:strVal val="visible"/>
+                      </p:to>
+                    </p:set>
+                    <p:animEffect transition="in" filter="fade">
+                      <p:cBhvr>
+                        <p:cTn dur="500"/>
+                        <p:tgtEl>
+                          <p:spTgt spid="3"/>
+                        </p:tgtEl>
+                      </p:cBhvr>
+                    </p:animEffect>
+                  </p:childTnLst>
+                </p:cTn>
+              </p:par>
+            </p:tnLst>
+          </p:tmpl>
+        </p:tmplLst>
+      </p:bldP>
+    </p:bldLst>
+  </p:timing>
 </p:sldLayout>
 </file>
 
@@ -4324,10 +4866,69 @@
         </p:nvSpPr>
         <p:spPr/>
         <p:txBody>
-          <a:bodyPr/>
+          <a:bodyPr>
+            <a:normAutofit fontScale="92500" lnSpcReduction="20000"/>
+          </a:bodyPr>
           <a:lstStyle/>
           <a:p>
-            <a:endParaRPr lang="en-IE"/>
+            <a:r>
+              <a:rPr lang="en-IE" dirty="0"/>
+              <a:t>Functionality</a:t>
+            </a:r>
+          </a:p>
+          <a:p>
+            <a:r>
+              <a:rPr lang="en-IE" dirty="0"/>
+              <a:t>Usability</a:t>
+            </a:r>
+          </a:p>
+          <a:p>
+            <a:r>
+              <a:rPr lang="en-IE" dirty="0"/>
+              <a:t>Performance</a:t>
+            </a:r>
+          </a:p>
+          <a:p>
+            <a:r>
+              <a:rPr lang="en-IE" dirty="0"/>
+              <a:t>Scalability</a:t>
+            </a:r>
+          </a:p>
+          <a:p>
+            <a:r>
+              <a:rPr lang="en-IE" dirty="0"/>
+              <a:t>Concurrency</a:t>
+            </a:r>
+          </a:p>
+          <a:p>
+            <a:r>
+              <a:rPr lang="en-IE" dirty="0"/>
+              <a:t>Security</a:t>
+            </a:r>
+          </a:p>
+          <a:p>
+            <a:r>
+              <a:rPr lang="en-IE" dirty="0"/>
+              <a:t>Legislation</a:t>
+            </a:r>
+          </a:p>
+          <a:p>
+            <a:r>
+              <a:rPr lang="en-IE" dirty="0"/>
+              <a:t>Robustness</a:t>
+            </a:r>
+          </a:p>
+          <a:p>
+            <a:r>
+              <a:rPr lang="en-IE" dirty="0"/>
+              <a:t>Accessibility</a:t>
+            </a:r>
+          </a:p>
+          <a:p>
+            <a:r>
+              <a:rPr lang="en-IE" dirty="0"/>
+              <a:t>Localisation</a:t>
+            </a:r>
           </a:p>
         </p:txBody>
       </p:sp>

--- a/Coding Exercise.pptx
+++ b/Coding Exercise.pptx
@@ -5,7 +5,7 @@
     <p:sldMasterId id="2147483648" r:id="rId1"/>
   </p:sldMasterIdLst>
   <p:notesMasterIdLst>
-    <p:notesMasterId r:id="rId8"/>
+    <p:notesMasterId r:id="rId10"/>
   </p:notesMasterIdLst>
   <p:sldIdLst>
     <p:sldId id="256" r:id="rId2"/>
@@ -14,6 +14,8 @@
     <p:sldId id="258" r:id="rId5"/>
     <p:sldId id="259" r:id="rId6"/>
     <p:sldId id="260" r:id="rId7"/>
+    <p:sldId id="262" r:id="rId8"/>
+    <p:sldId id="263" r:id="rId9"/>
   </p:sldIdLst>
   <p:sldSz cx="12192000" cy="6858000"/>
   <p:notesSz cx="6858000" cy="9144000"/>
@@ -533,14 +535,108 @@
           <a:lstStyle/>
           <a:p>
             <a:r>
-              <a:rPr lang="en-IE"/>
-              <a:t>TODO reorder?</a:t>
-            </a:r>
-          </a:p>
-          <a:p>
-            <a:r>
               <a:rPr lang="en-IE" dirty="0"/>
-              <a:t>Mention that these are in the README.md docs, too.</a:t>
+              <a:t>README.md docs have lots of documentation on things like:</a:t>
+            </a:r>
+          </a:p>
+          <a:p>
+            <a:pPr marL="171450" indent="-171450">
+              <a:buFont typeface="Arial" panose="020B0604020202020204" pitchFamily="34" charset="0"/>
+              <a:buChar char="•"/>
+            </a:pPr>
+            <a:r>
+              <a:rPr lang="en-IE" dirty="0"/>
+              <a:t>Functionality</a:t>
+            </a:r>
+          </a:p>
+          <a:p>
+            <a:pPr marL="171450" indent="-171450">
+              <a:buFont typeface="Arial" panose="020B0604020202020204" pitchFamily="34" charset="0"/>
+              <a:buChar char="•"/>
+            </a:pPr>
+            <a:r>
+              <a:rPr lang="en-IE" dirty="0"/>
+              <a:t>Usability</a:t>
+            </a:r>
+          </a:p>
+          <a:p>
+            <a:pPr marL="171450" indent="-171450">
+              <a:buFont typeface="Arial" panose="020B0604020202020204" pitchFamily="34" charset="0"/>
+              <a:buChar char="•"/>
+            </a:pPr>
+            <a:r>
+              <a:rPr lang="en-IE" dirty="0"/>
+              <a:t>Performance</a:t>
+            </a:r>
+          </a:p>
+          <a:p>
+            <a:pPr marL="171450" indent="-171450">
+              <a:buFont typeface="Arial" panose="020B0604020202020204" pitchFamily="34" charset="0"/>
+              <a:buChar char="•"/>
+            </a:pPr>
+            <a:r>
+              <a:rPr lang="en-IE" dirty="0"/>
+              <a:t>Scalability</a:t>
+            </a:r>
+          </a:p>
+          <a:p>
+            <a:pPr marL="171450" indent="-171450">
+              <a:buFont typeface="Arial" panose="020B0604020202020204" pitchFamily="34" charset="0"/>
+              <a:buChar char="•"/>
+            </a:pPr>
+            <a:r>
+              <a:rPr lang="en-IE" dirty="0"/>
+              <a:t>Concurrency</a:t>
+            </a:r>
+          </a:p>
+          <a:p>
+            <a:pPr marL="171450" indent="-171450">
+              <a:buFont typeface="Arial" panose="020B0604020202020204" pitchFamily="34" charset="0"/>
+              <a:buChar char="•"/>
+            </a:pPr>
+            <a:r>
+              <a:rPr lang="en-IE" dirty="0"/>
+              <a:t>Security</a:t>
+            </a:r>
+          </a:p>
+          <a:p>
+            <a:pPr marL="171450" indent="-171450">
+              <a:buFont typeface="Arial" panose="020B0604020202020204" pitchFamily="34" charset="0"/>
+              <a:buChar char="•"/>
+            </a:pPr>
+            <a:r>
+              <a:rPr lang="en-IE" dirty="0"/>
+              <a:t>Legislation</a:t>
+            </a:r>
+          </a:p>
+          <a:p>
+            <a:pPr marL="171450" indent="-171450">
+              <a:buFont typeface="Arial" panose="020B0604020202020204" pitchFamily="34" charset="0"/>
+              <a:buChar char="•"/>
+            </a:pPr>
+            <a:r>
+              <a:rPr lang="en-IE" dirty="0"/>
+              <a:t>Robustness</a:t>
+            </a:r>
+          </a:p>
+          <a:p>
+            <a:pPr marL="171450" indent="-171450">
+              <a:buFont typeface="Arial" panose="020B0604020202020204" pitchFamily="34" charset="0"/>
+              <a:buChar char="•"/>
+            </a:pPr>
+            <a:r>
+              <a:rPr lang="en-IE" dirty="0"/>
+              <a:t>Accessibility</a:t>
+            </a:r>
+          </a:p>
+          <a:p>
+            <a:pPr marL="171450" indent="-171450">
+              <a:buFont typeface="Arial" panose="020B0604020202020204" pitchFamily="34" charset="0"/>
+              <a:buChar char="•"/>
+            </a:pPr>
+            <a:r>
+              <a:rPr lang="en-IE" dirty="0"/>
+              <a:t>Localisation</a:t>
             </a:r>
           </a:p>
         </p:txBody>
@@ -4867,68 +4963,11 @@
         <p:spPr/>
         <p:txBody>
           <a:bodyPr>
-            <a:normAutofit fontScale="92500" lnSpcReduction="20000"/>
+            <a:normAutofit/>
           </a:bodyPr>
           <a:lstStyle/>
           <a:p>
-            <a:r>
-              <a:rPr lang="en-IE" dirty="0"/>
-              <a:t>Functionality</a:t>
-            </a:r>
-          </a:p>
-          <a:p>
-            <a:r>
-              <a:rPr lang="en-IE" dirty="0"/>
-              <a:t>Usability</a:t>
-            </a:r>
-          </a:p>
-          <a:p>
-            <a:r>
-              <a:rPr lang="en-IE" dirty="0"/>
-              <a:t>Performance</a:t>
-            </a:r>
-          </a:p>
-          <a:p>
-            <a:r>
-              <a:rPr lang="en-IE" dirty="0"/>
-              <a:t>Scalability</a:t>
-            </a:r>
-          </a:p>
-          <a:p>
-            <a:r>
-              <a:rPr lang="en-IE" dirty="0"/>
-              <a:t>Concurrency</a:t>
-            </a:r>
-          </a:p>
-          <a:p>
-            <a:r>
-              <a:rPr lang="en-IE" dirty="0"/>
-              <a:t>Security</a:t>
-            </a:r>
-          </a:p>
-          <a:p>
-            <a:r>
-              <a:rPr lang="en-IE" dirty="0"/>
-              <a:t>Legislation</a:t>
-            </a:r>
-          </a:p>
-          <a:p>
-            <a:r>
-              <a:rPr lang="en-IE" dirty="0"/>
-              <a:t>Robustness</a:t>
-            </a:r>
-          </a:p>
-          <a:p>
-            <a:r>
-              <a:rPr lang="en-IE" dirty="0"/>
-              <a:t>Accessibility</a:t>
-            </a:r>
-          </a:p>
-          <a:p>
-            <a:r>
-              <a:rPr lang="en-IE" dirty="0"/>
-              <a:t>Localisation</a:t>
-            </a:r>
+            <a:endParaRPr lang="en-IE" dirty="0"/>
           </a:p>
         </p:txBody>
       </p:sp>
@@ -6731,94 +6770,11 @@
   <p:clrMapOvr>
     <a:masterClrMapping/>
   </p:clrMapOvr>
-  <p:timing>
-    <p:tnLst>
-      <p:par>
-        <p:cTn id="1" dur="indefinite" restart="never" nodeType="tmRoot">
-          <p:childTnLst>
-            <p:seq concurrent="1" nextAc="seek">
-              <p:cTn id="2" dur="indefinite" nodeType="mainSeq">
-                <p:childTnLst>
-                  <p:par>
-                    <p:cTn id="3" fill="hold">
-                      <p:stCondLst>
-                        <p:cond delay="indefinite"/>
-                      </p:stCondLst>
-                      <p:childTnLst>
-                        <p:par>
-                          <p:cTn id="4" fill="hold">
-                            <p:stCondLst>
-                              <p:cond delay="0"/>
-                            </p:stCondLst>
-                            <p:childTnLst>
-                              <p:par>
-                                <p:cTn id="5" presetID="10" presetClass="entr" presetSubtype="0" fill="hold" nodeType="clickEffect">
-                                  <p:stCondLst>
-                                    <p:cond delay="0"/>
-                                  </p:stCondLst>
-                                  <p:childTnLst>
-                                    <p:set>
-                                      <p:cBhvr>
-                                        <p:cTn id="6" dur="1" fill="hold">
-                                          <p:stCondLst>
-                                            <p:cond delay="0"/>
-                                          </p:stCondLst>
-                                        </p:cTn>
-                                        <p:tgtEl>
-                                          <p:spTgt spid="5"/>
-                                        </p:tgtEl>
-                                        <p:attrNameLst>
-                                          <p:attrName>style.visibility</p:attrName>
-                                        </p:attrNameLst>
-                                      </p:cBhvr>
-                                      <p:to>
-                                        <p:strVal val="visible"/>
-                                      </p:to>
-                                    </p:set>
-                                    <p:animEffect transition="in" filter="fade">
-                                      <p:cBhvr>
-                                        <p:cTn id="7" dur="500"/>
-                                        <p:tgtEl>
-                                          <p:spTgt spid="5"/>
-                                        </p:tgtEl>
-                                      </p:cBhvr>
-                                    </p:animEffect>
-                                  </p:childTnLst>
-                                </p:cTn>
-                              </p:par>
-                            </p:childTnLst>
-                          </p:cTn>
-                        </p:par>
-                      </p:childTnLst>
-                    </p:cTn>
-                  </p:par>
-                </p:childTnLst>
-              </p:cTn>
-              <p:prevCondLst>
-                <p:cond evt="onPrev" delay="0">
-                  <p:tgtEl>
-                    <p:sldTgt/>
-                  </p:tgtEl>
-                </p:cond>
-              </p:prevCondLst>
-              <p:nextCondLst>
-                <p:cond evt="onNext" delay="0">
-                  <p:tgtEl>
-                    <p:sldTgt/>
-                  </p:tgtEl>
-                </p:cond>
-              </p:nextCondLst>
-            </p:seq>
-          </p:childTnLst>
-        </p:cTn>
-      </p:par>
-    </p:tnLst>
-  </p:timing>
 </p:sld>
 </file>
 
 <file path=ppt/slides/slide6.xml><?xml version="1.0" encoding="utf-8"?>
-<p:sld xmlns:a="http://schemas.openxmlformats.org/drawingml/2006/main" xmlns:r="http://schemas.openxmlformats.org/officeDocument/2006/relationships" xmlns:p="http://schemas.openxmlformats.org/presentationml/2006/main">
+<p:sld xmlns:a="http://schemas.openxmlformats.org/drawingml/2006/main" xmlns:r="http://schemas.openxmlformats.org/officeDocument/2006/relationships" xmlns:p="http://schemas.openxmlformats.org/presentationml/2006/main" showMasterPhAnim="0">
   <p:cSld>
     <p:spTree>
       <p:nvGrpSpPr>
@@ -6878,14 +6834,14 @@
             <p:ph idx="1"/>
             <p:extLst>
               <p:ext uri="{D42A27DB-BD31-4B8C-83A1-F6EECF244321}">
-                <p14:modId xmlns:p14="http://schemas.microsoft.com/office/powerpoint/2010/main" val="2887519563"/>
+                <p14:modId xmlns:p14="http://schemas.microsoft.com/office/powerpoint/2010/main" val="133133721"/>
               </p:ext>
             </p:extLst>
           </p:nvPr>
         </p:nvGraphicFramePr>
         <p:xfrm>
           <a:off x="3091992" y="2181860"/>
-          <a:ext cx="5107128" cy="2595880"/>
+          <a:ext cx="4823308" cy="2966720"/>
         </p:xfrm>
         <a:graphic>
           <a:graphicData uri="http://schemas.openxmlformats.org/drawingml/2006/table">
@@ -6894,7 +6850,7 @@
                 <a:tableStyleId>{5C22544A-7EE6-4342-B048-85BDC9FD1C3A}</a:tableStyleId>
               </a:tblPr>
               <a:tblGrid>
-                <a:gridCol w="2553564">
+                <a:gridCol w="2269744">
                   <a:extLst>
                     <a:ext uri="{9D8B030D-6E8A-4147-A177-3AD203B41FA5}">
                       <a16:colId xmlns:a16="http://schemas.microsoft.com/office/drawing/2014/main" val="1888702016"/>
@@ -7022,10 +6978,43 @@
                     <a:p>
                       <a:r>
                         <a:rPr lang="en-IE" dirty="0"/>
+                        <a:t>.NET core</a:t>
+                      </a:r>
+                    </a:p>
+                  </a:txBody>
+                  <a:tcPr/>
+                </a:tc>
+                <a:tc>
+                  <a:txBody>
+                    <a:bodyPr/>
+                    <a:lstStyle/>
+                    <a:p>
+                      <a:r>
+                        <a:rPr lang="en-IE" dirty="0"/>
+                        <a:t>Spring</a:t>
+                      </a:r>
+                    </a:p>
+                  </a:txBody>
+                  <a:tcPr/>
+                </a:tc>
+                <a:extLst>
+                  <a:ext uri="{0D108BD9-81ED-4DB2-BD59-A6C34878D82A}">
+                    <a16:rowId xmlns:a16="http://schemas.microsoft.com/office/drawing/2014/main" val="4192428878"/>
+                  </a:ext>
+                </a:extLst>
+              </a:tr>
+              <a:tr h="370840">
+                <a:tc>
+                  <a:txBody>
+                    <a:bodyPr/>
+                    <a:lstStyle/>
+                    <a:p>
+                      <a:r>
+                        <a:rPr lang="en-IE" dirty="0"/>
                         <a:t>LINQ, </a:t>
                       </a:r>
                       <a:r>
-                        <a:rPr lang="en-IE" sz="1800" kern="1200">
+                        <a:rPr lang="en-IE" sz="1800" kern="1200" dirty="0" err="1">
                           <a:solidFill>
                             <a:schemeClr val="dk1"/>
                           </a:solidFill>
@@ -7146,13 +7135,8 @@
                     <a:p>
                       <a:r>
                         <a:rPr lang="en-IE" dirty="0"/>
-                        <a:t>JavaScript (</a:t>
+                        <a:t>JavaScript (Node.js)</a:t>
                       </a:r>
-                      <a:r>
-                        <a:rPr lang="en-IE"/>
-                        <a:t>Node.js)</a:t>
-                      </a:r>
-                      <a:endParaRPr lang="en-IE" dirty="0"/>
                     </a:p>
                   </a:txBody>
                   <a:tcPr/>
@@ -7260,6 +7244,207 @@
       </p:par>
     </p:tnLst>
   </p:timing>
+</p:sld>
+</file>
+
+<file path=ppt/slides/slide7.xml><?xml version="1.0" encoding="utf-8"?>
+<p:sld xmlns:a="http://schemas.openxmlformats.org/drawingml/2006/main" xmlns:r="http://schemas.openxmlformats.org/officeDocument/2006/relationships" xmlns:p="http://schemas.openxmlformats.org/presentationml/2006/main">
+  <p:cSld>
+    <p:spTree>
+      <p:nvGrpSpPr>
+        <p:cNvPr id="1" name=""/>
+        <p:cNvGrpSpPr/>
+        <p:nvPr/>
+      </p:nvGrpSpPr>
+      <p:grpSpPr>
+        <a:xfrm>
+          <a:off x="0" y="0"/>
+          <a:ext cx="0" cy="0"/>
+          <a:chOff x="0" y="0"/>
+          <a:chExt cx="0" cy="0"/>
+        </a:xfrm>
+      </p:grpSpPr>
+      <p:sp>
+        <p:nvSpPr>
+          <p:cNvPr id="2" name="Title 1">
+            <a:extLst>
+              <a:ext uri="{FF2B5EF4-FFF2-40B4-BE49-F238E27FC236}">
+                <a16:creationId xmlns:a16="http://schemas.microsoft.com/office/drawing/2014/main" id="{CE491E8A-7976-6654-B09F-E5858D6BBBDD}"/>
+              </a:ext>
+            </a:extLst>
+          </p:cNvPr>
+          <p:cNvSpPr>
+            <a:spLocks noGrp="1"/>
+          </p:cNvSpPr>
+          <p:nvPr>
+            <p:ph type="title"/>
+          </p:nvPr>
+        </p:nvSpPr>
+        <p:spPr/>
+        <p:txBody>
+          <a:bodyPr/>
+          <a:lstStyle/>
+          <a:p>
+            <a:r>
+              <a:rPr lang="en-IE" dirty="0"/>
+              <a:t>One more week…</a:t>
+            </a:r>
+          </a:p>
+        </p:txBody>
+      </p:sp>
+      <p:sp>
+        <p:nvSpPr>
+          <p:cNvPr id="3" name="Content Placeholder 2">
+            <a:extLst>
+              <a:ext uri="{FF2B5EF4-FFF2-40B4-BE49-F238E27FC236}">
+                <a16:creationId xmlns:a16="http://schemas.microsoft.com/office/drawing/2014/main" id="{4D9A38E6-1CAE-4B1A-4A88-454C5ADA44BB}"/>
+              </a:ext>
+            </a:extLst>
+          </p:cNvPr>
+          <p:cNvSpPr>
+            <a:spLocks noGrp="1"/>
+          </p:cNvSpPr>
+          <p:nvPr>
+            <p:ph idx="1"/>
+          </p:nvPr>
+        </p:nvSpPr>
+        <p:spPr/>
+        <p:txBody>
+          <a:bodyPr/>
+          <a:lstStyle/>
+          <a:p>
+            <a:r>
+              <a:rPr lang="en-IE" dirty="0"/>
+              <a:t>Lots to choose from in the README.md files!</a:t>
+            </a:r>
+          </a:p>
+          <a:p>
+            <a:r>
+              <a:rPr lang="en-IE" dirty="0"/>
+              <a:t>Present list to customer, ask what their favourites would be</a:t>
+            </a:r>
+          </a:p>
+          <a:p>
+            <a:r>
+              <a:rPr lang="en-IE" dirty="0"/>
+              <a:t>Guidance from product owner </a:t>
+            </a:r>
+            <a:r>
+              <a:rPr lang="en-IE"/>
+              <a:t>on priorities</a:t>
+            </a:r>
+            <a:endParaRPr lang="en-IE" dirty="0"/>
+          </a:p>
+        </p:txBody>
+      </p:sp>
+    </p:spTree>
+    <p:extLst>
+      <p:ext uri="{BB962C8B-B14F-4D97-AF65-F5344CB8AC3E}">
+        <p14:creationId xmlns:p14="http://schemas.microsoft.com/office/powerpoint/2010/main" val="3746812347"/>
+      </p:ext>
+    </p:extLst>
+  </p:cSld>
+  <p:clrMapOvr>
+    <a:masterClrMapping/>
+  </p:clrMapOvr>
+</p:sld>
+</file>
+
+<file path=ppt/slides/slide8.xml><?xml version="1.0" encoding="utf-8"?>
+<p:sld xmlns:a="http://schemas.openxmlformats.org/drawingml/2006/main" xmlns:r="http://schemas.openxmlformats.org/officeDocument/2006/relationships" xmlns:p="http://schemas.openxmlformats.org/presentationml/2006/main">
+  <p:cSld>
+    <p:spTree>
+      <p:nvGrpSpPr>
+        <p:cNvPr id="1" name="">
+          <a:extLst>
+            <a:ext uri="{FF2B5EF4-FFF2-40B4-BE49-F238E27FC236}">
+              <a16:creationId xmlns:a16="http://schemas.microsoft.com/office/drawing/2014/main" id="{27693907-C2D4-DCB8-15DF-BCFBD7876D5F}"/>
+            </a:ext>
+          </a:extLst>
+        </p:cNvPr>
+        <p:cNvGrpSpPr/>
+        <p:nvPr/>
+      </p:nvGrpSpPr>
+      <p:grpSpPr>
+        <a:xfrm>
+          <a:off x="0" y="0"/>
+          <a:ext cx="0" cy="0"/>
+          <a:chOff x="0" y="0"/>
+          <a:chExt cx="0" cy="0"/>
+        </a:xfrm>
+      </p:grpSpPr>
+      <p:sp>
+        <p:nvSpPr>
+          <p:cNvPr id="2" name="Title 1">
+            <a:extLst>
+              <a:ext uri="{FF2B5EF4-FFF2-40B4-BE49-F238E27FC236}">
+                <a16:creationId xmlns:a16="http://schemas.microsoft.com/office/drawing/2014/main" id="{3F5DA48D-CE25-E1B9-3B8D-EE082C79802E}"/>
+              </a:ext>
+            </a:extLst>
+          </p:cNvPr>
+          <p:cNvSpPr>
+            <a:spLocks noGrp="1"/>
+          </p:cNvSpPr>
+          <p:nvPr>
+            <p:ph type="title"/>
+          </p:nvPr>
+        </p:nvSpPr>
+        <p:spPr/>
+        <p:txBody>
+          <a:bodyPr/>
+          <a:lstStyle/>
+          <a:p>
+            <a:r>
+              <a:rPr lang="en-IE" dirty="0"/>
+              <a:t>Thank you!</a:t>
+            </a:r>
+          </a:p>
+        </p:txBody>
+      </p:sp>
+      <p:sp>
+        <p:nvSpPr>
+          <p:cNvPr id="3" name="Content Placeholder 2">
+            <a:extLst>
+              <a:ext uri="{FF2B5EF4-FFF2-40B4-BE49-F238E27FC236}">
+                <a16:creationId xmlns:a16="http://schemas.microsoft.com/office/drawing/2014/main" id="{F8C4F09A-23FA-9862-FED0-860854535259}"/>
+              </a:ext>
+            </a:extLst>
+          </p:cNvPr>
+          <p:cNvSpPr>
+            <a:spLocks noGrp="1"/>
+          </p:cNvSpPr>
+          <p:nvPr>
+            <p:ph idx="1"/>
+          </p:nvPr>
+        </p:nvSpPr>
+        <p:spPr/>
+        <p:txBody>
+          <a:bodyPr/>
+          <a:lstStyle/>
+          <a:p>
+            <a:r>
+              <a:rPr lang="en-IE" dirty="0"/>
+              <a:t>Hope you’ve enjoyed this video</a:t>
+            </a:r>
+          </a:p>
+          <a:p>
+            <a:r>
+              <a:rPr lang="en-IE" dirty="0"/>
+              <a:t>Looking forward to talking through in person!</a:t>
+            </a:r>
+          </a:p>
+        </p:txBody>
+      </p:sp>
+    </p:spTree>
+    <p:extLst>
+      <p:ext uri="{BB962C8B-B14F-4D97-AF65-F5344CB8AC3E}">
+        <p14:creationId xmlns:p14="http://schemas.microsoft.com/office/powerpoint/2010/main" val="1260709537"/>
+      </p:ext>
+    </p:extLst>
+  </p:cSld>
+  <p:clrMapOvr>
+    <a:masterClrMapping/>
+  </p:clrMapOvr>
 </p:sld>
 </file>
 

--- a/Coding Exercise.pptx
+++ b/Coding Exercise.pptx
@@ -477,6 +477,90 @@
   <p:cSld>
     <p:spTree>
       <p:nvGrpSpPr>
+        <p:cNvPr id="1" name=""/>
+        <p:cNvGrpSpPr/>
+        <p:nvPr/>
+      </p:nvGrpSpPr>
+      <p:grpSpPr>
+        <a:xfrm>
+          <a:off x="0" y="0"/>
+          <a:ext cx="0" cy="0"/>
+          <a:chOff x="0" y="0"/>
+          <a:chExt cx="0" cy="0"/>
+        </a:xfrm>
+      </p:grpSpPr>
+      <p:sp>
+        <p:nvSpPr>
+          <p:cNvPr id="2" name="Slide Image Placeholder 1"/>
+          <p:cNvSpPr>
+            <a:spLocks noGrp="1" noRot="1" noChangeAspect="1"/>
+          </p:cNvSpPr>
+          <p:nvPr>
+            <p:ph type="sldImg"/>
+          </p:nvPr>
+        </p:nvSpPr>
+        <p:spPr/>
+      </p:sp>
+      <p:sp>
+        <p:nvSpPr>
+          <p:cNvPr id="3" name="Notes Placeholder 2"/>
+          <p:cNvSpPr>
+            <a:spLocks noGrp="1"/>
+          </p:cNvSpPr>
+          <p:nvPr>
+            <p:ph type="body" idx="1"/>
+          </p:nvPr>
+        </p:nvSpPr>
+        <p:spPr/>
+        <p:txBody>
+          <a:bodyPr/>
+          <a:lstStyle/>
+          <a:p>
+            <a:endParaRPr lang="en-IE" dirty="0"/>
+          </a:p>
+        </p:txBody>
+      </p:sp>
+      <p:sp>
+        <p:nvSpPr>
+          <p:cNvPr id="4" name="Slide Number Placeholder 3"/>
+          <p:cNvSpPr>
+            <a:spLocks noGrp="1"/>
+          </p:cNvSpPr>
+          <p:nvPr>
+            <p:ph type="sldNum" sz="quarter" idx="5"/>
+          </p:nvPr>
+        </p:nvSpPr>
+        <p:spPr/>
+        <p:txBody>
+          <a:bodyPr/>
+          <a:lstStyle/>
+          <a:p>
+            <a:fld id="{91160FB6-B801-4C33-8BF1-6E3D8603CA77}" type="slidenum">
+              <a:rPr lang="en-IE" smtClean="0"/>
+              <a:t>2</a:t>
+            </a:fld>
+            <a:endParaRPr lang="en-IE"/>
+          </a:p>
+        </p:txBody>
+      </p:sp>
+    </p:spTree>
+    <p:extLst>
+      <p:ext uri="{BB962C8B-B14F-4D97-AF65-F5344CB8AC3E}">
+        <p14:creationId xmlns:p14="http://schemas.microsoft.com/office/powerpoint/2010/main" val="785326537"/>
+      </p:ext>
+    </p:extLst>
+  </p:cSld>
+  <p:clrMapOvr>
+    <a:masterClrMapping/>
+  </p:clrMapOvr>
+</p:notes>
+</file>
+
+<file path=ppt/notesSlides/notesSlide2.xml><?xml version="1.0" encoding="utf-8"?>
+<p:notes xmlns:a="http://schemas.openxmlformats.org/drawingml/2006/main" xmlns:r="http://schemas.openxmlformats.org/officeDocument/2006/relationships" xmlns:p="http://schemas.openxmlformats.org/presentationml/2006/main">
+  <p:cSld>
+    <p:spTree>
+      <p:nvGrpSpPr>
         <p:cNvPr id="1" name="">
           <a:extLst>
             <a:ext uri="{FF2B5EF4-FFF2-40B4-BE49-F238E27FC236}">
@@ -683,7 +767,7 @@
 </p:notes>
 </file>
 
-<file path=ppt/notesSlides/notesSlide2.xml><?xml version="1.0" encoding="utf-8"?>
+<file path=ppt/notesSlides/notesSlide3.xml><?xml version="1.0" encoding="utf-8"?>
 <p:notes xmlns:a="http://schemas.openxmlformats.org/drawingml/2006/main" xmlns:r="http://schemas.openxmlformats.org/officeDocument/2006/relationships" xmlns:p="http://schemas.openxmlformats.org/presentationml/2006/main">
   <p:cSld>
     <p:spTree>
@@ -727,81 +811,7 @@
           <a:bodyPr/>
           <a:lstStyle/>
           <a:p>
-            <a:r>
-              <a:rPr lang="en-IE" dirty="0" err="1"/>
-              <a:t>PatientHospitalRelation</a:t>
-            </a:r>
-            <a:r>
-              <a:rPr lang="en-IE" dirty="0"/>
-              <a:t> doesn’t extend Entity&lt;Guid&gt;</a:t>
-            </a:r>
-          </a:p>
-          <a:p>
-            <a:r>
-              <a:rPr lang="en-IE" dirty="0"/>
-              <a:t>TODO animate</a:t>
-            </a:r>
-          </a:p>
-          <a:p>
-            <a:pPr marL="0" marR="0" lvl="0" indent="0" algn="l" defTabSz="914400" rtl="0" eaLnBrk="1" fontAlgn="auto" latinLnBrk="0" hangingPunct="1">
-              <a:lnSpc>
-                <a:spcPct val="100000"/>
-              </a:lnSpc>
-              <a:spcBef>
-                <a:spcPts val="0"/>
-              </a:spcBef>
-              <a:spcAft>
-                <a:spcPts val="0"/>
-              </a:spcAft>
-              <a:buClrTx/>
-              <a:buSzTx/>
-              <a:buFontTx/>
-              <a:buNone/>
-              <a:tabLst/>
-              <a:defRPr/>
-            </a:pPr>
-            <a:r>
-              <a:rPr lang="en-IE" dirty="0"/>
-              <a:t>It makes no sense for a </a:t>
-            </a:r>
-            <a:r>
-              <a:rPr lang="en-IE" dirty="0" err="1"/>
-              <a:t>VisitEntity</a:t>
-            </a:r>
-            <a:r>
-              <a:rPr lang="en-IE" dirty="0"/>
-              <a:t> to relate to many PHRs.</a:t>
-            </a:r>
-          </a:p>
-          <a:p>
-            <a:r>
-              <a:rPr lang="en-IE" dirty="0"/>
-              <a:t>PHR should be an entity, with a date attribute, and mandatory “1” </a:t>
-            </a:r>
-            <a:r>
-              <a:rPr lang="en-IE" dirty="0" err="1"/>
-              <a:t>relationshis</a:t>
-            </a:r>
-            <a:r>
-              <a:rPr lang="en-IE" dirty="0"/>
-              <a:t> to hospital and patient.  Should </a:t>
-            </a:r>
-            <a:r>
-              <a:rPr lang="en-IE"/>
-              <a:t>be renamed </a:t>
-            </a:r>
-            <a:r>
-              <a:rPr lang="en-IE" dirty="0"/>
-              <a:t>to </a:t>
-            </a:r>
-            <a:r>
-              <a:rPr lang="en-IE" dirty="0" err="1"/>
-              <a:t>PatientHospitalVisit</a:t>
-            </a:r>
-            <a:r>
-              <a:rPr lang="en-IE" dirty="0"/>
-              <a:t>.  It’s ok to have a hospital with no visit, or a patient with no visits.</a:t>
-            </a:r>
+            <a:endParaRPr lang="en-IE" dirty="0"/>
           </a:p>
         </p:txBody>
       </p:sp>
@@ -841,7 +851,7 @@
 </p:notes>
 </file>
 
-<file path=ppt/notesSlides/notesSlide3.xml><?xml version="1.0" encoding="utf-8"?>
+<file path=ppt/notesSlides/notesSlide4.xml><?xml version="1.0" encoding="utf-8"?>
 <p:notes xmlns:a="http://schemas.openxmlformats.org/drawingml/2006/main" xmlns:r="http://schemas.openxmlformats.org/officeDocument/2006/relationships" xmlns:p="http://schemas.openxmlformats.org/presentationml/2006/main">
   <p:cSld>
     <p:spTree>
@@ -4850,7 +4860,7 @@
           <a:p>
             <a:r>
               <a:rPr lang="en-IE" dirty="0"/>
-              <a:t>TODO structure, animate</a:t>
+              <a:t>Structure</a:t>
             </a:r>
           </a:p>
         </p:txBody>
@@ -4876,7 +4886,34 @@
           <a:bodyPr/>
           <a:lstStyle/>
           <a:p>
-            <a:endParaRPr lang="en-IE"/>
+            <a:r>
+              <a:rPr lang="en-IE" dirty="0"/>
+              <a:t>Demo</a:t>
+            </a:r>
+          </a:p>
+          <a:p>
+            <a:r>
+              <a:rPr lang="en-IE" dirty="0"/>
+              <a:t>Entity Relationship Diagram</a:t>
+            </a:r>
+          </a:p>
+          <a:p>
+            <a:r>
+              <a:rPr lang="en-IE" dirty="0"/>
+              <a:t>API definitions (Swagger)</a:t>
+            </a:r>
+          </a:p>
+          <a:p>
+            <a:r>
+              <a:rPr lang="en-IE" dirty="0"/>
+              <a:t>Skills</a:t>
+            </a:r>
+          </a:p>
+          <a:p>
+            <a:r>
+              <a:rPr lang="en-IE" dirty="0"/>
+              <a:t>One more week…</a:t>
+            </a:r>
           </a:p>
         </p:txBody>
       </p:sp>

--- a/Coding Exercise.pptx
+++ b/Coding Exercise.pptx
@@ -7462,6 +7462,23 @@
             <a:r>
               <a:rPr lang="en-IE" dirty="0"/>
               <a:t>Hope you’ve enjoyed this video</a:t>
+            </a:r>
+          </a:p>
+          <a:p>
+            <a:r>
+              <a:rPr lang="en-IE" dirty="0"/>
+              <a:t>See the two </a:t>
+            </a:r>
+            <a:r>
+              <a:rPr lang="en-IE" dirty="0">
+                <a:latin typeface="Courier New" panose="02070309020205020404" pitchFamily="49" charset="0"/>
+                <a:cs typeface="Courier New" panose="02070309020205020404" pitchFamily="49" charset="0"/>
+              </a:rPr>
+              <a:t>README.md</a:t>
+            </a:r>
+            <a:r>
+              <a:rPr lang="en-IE" dirty="0"/>
+              <a:t> files</a:t>
             </a:r>
           </a:p>
           <a:p>
